--- a/DotnetDataAccess.pptx
+++ b/DotnetDataAccess.pptx
@@ -5,47 +5,48 @@
     <p:sldMasterId id="2147483674" r:id="rId1"/>
   </p:sldMasterIdLst>
   <p:notesMasterIdLst>
-    <p:notesMasterId r:id="rId40"/>
+    <p:notesMasterId r:id="rId41"/>
   </p:notesMasterIdLst>
   <p:sldIdLst>
     <p:sldId id="256" r:id="rId2"/>
     <p:sldId id="257" r:id="rId3"/>
-    <p:sldId id="260" r:id="rId4"/>
-    <p:sldId id="261" r:id="rId5"/>
-    <p:sldId id="262" r:id="rId6"/>
-    <p:sldId id="263" r:id="rId7"/>
-    <p:sldId id="264" r:id="rId8"/>
-    <p:sldId id="265" r:id="rId9"/>
-    <p:sldId id="266" r:id="rId10"/>
-    <p:sldId id="267" r:id="rId11"/>
-    <p:sldId id="268" r:id="rId12"/>
-    <p:sldId id="269" r:id="rId13"/>
-    <p:sldId id="270" r:id="rId14"/>
-    <p:sldId id="271" r:id="rId15"/>
-    <p:sldId id="272" r:id="rId16"/>
-    <p:sldId id="273" r:id="rId17"/>
-    <p:sldId id="274" r:id="rId18"/>
-    <p:sldId id="275" r:id="rId19"/>
-    <p:sldId id="276" r:id="rId20"/>
-    <p:sldId id="277" r:id="rId21"/>
-    <p:sldId id="278" r:id="rId22"/>
-    <p:sldId id="279" r:id="rId23"/>
-    <p:sldId id="280" r:id="rId24"/>
-    <p:sldId id="281" r:id="rId25"/>
-    <p:sldId id="282" r:id="rId26"/>
-    <p:sldId id="283" r:id="rId27"/>
-    <p:sldId id="284" r:id="rId28"/>
-    <p:sldId id="285" r:id="rId29"/>
-    <p:sldId id="286" r:id="rId30"/>
-    <p:sldId id="287" r:id="rId31"/>
-    <p:sldId id="288" r:id="rId32"/>
-    <p:sldId id="289" r:id="rId33"/>
-    <p:sldId id="290" r:id="rId34"/>
-    <p:sldId id="291" r:id="rId35"/>
-    <p:sldId id="292" r:id="rId36"/>
-    <p:sldId id="293" r:id="rId37"/>
-    <p:sldId id="294" r:id="rId38"/>
-    <p:sldId id="295" r:id="rId39"/>
+    <p:sldId id="296" r:id="rId4"/>
+    <p:sldId id="260" r:id="rId5"/>
+    <p:sldId id="261" r:id="rId6"/>
+    <p:sldId id="262" r:id="rId7"/>
+    <p:sldId id="263" r:id="rId8"/>
+    <p:sldId id="264" r:id="rId9"/>
+    <p:sldId id="265" r:id="rId10"/>
+    <p:sldId id="266" r:id="rId11"/>
+    <p:sldId id="267" r:id="rId12"/>
+    <p:sldId id="268" r:id="rId13"/>
+    <p:sldId id="269" r:id="rId14"/>
+    <p:sldId id="270" r:id="rId15"/>
+    <p:sldId id="271" r:id="rId16"/>
+    <p:sldId id="272" r:id="rId17"/>
+    <p:sldId id="273" r:id="rId18"/>
+    <p:sldId id="274" r:id="rId19"/>
+    <p:sldId id="275" r:id="rId20"/>
+    <p:sldId id="276" r:id="rId21"/>
+    <p:sldId id="277" r:id="rId22"/>
+    <p:sldId id="278" r:id="rId23"/>
+    <p:sldId id="279" r:id="rId24"/>
+    <p:sldId id="280" r:id="rId25"/>
+    <p:sldId id="281" r:id="rId26"/>
+    <p:sldId id="282" r:id="rId27"/>
+    <p:sldId id="283" r:id="rId28"/>
+    <p:sldId id="284" r:id="rId29"/>
+    <p:sldId id="285" r:id="rId30"/>
+    <p:sldId id="286" r:id="rId31"/>
+    <p:sldId id="287" r:id="rId32"/>
+    <p:sldId id="288" r:id="rId33"/>
+    <p:sldId id="289" r:id="rId34"/>
+    <p:sldId id="290" r:id="rId35"/>
+    <p:sldId id="291" r:id="rId36"/>
+    <p:sldId id="292" r:id="rId37"/>
+    <p:sldId id="293" r:id="rId38"/>
+    <p:sldId id="294" r:id="rId39"/>
+    <p:sldId id="295" r:id="rId40"/>
   </p:sldIdLst>
   <p:sldSz cx="9144000" cy="5143500" type="screen16x9"/>
   <p:notesSz cx="6858000" cy="9144000"/>
@@ -691,7 +692,7 @@
           <a:p>
             <a:fld id="{1EA7D9FF-D308-E049-8980-28E91E61D0E5}" type="datetimeFigureOut">
               <a:rPr lang="en-US" smtClean="0"/>
-              <a:t>8/26/2017</a:t>
+              <a:t>8/20/2018</a:t>
             </a:fld>
             <a:endParaRPr lang="en-US"/>
           </a:p>
@@ -6038,7 +6039,7 @@
       </p:grpSpPr>
       <p:sp>
         <p:nvSpPr>
-          <p:cNvPr id="2" name="Title 1"/>
+          <p:cNvPr id="6" name="Title 5"/>
           <p:cNvSpPr>
             <a:spLocks noGrp="1"/>
           </p:cNvSpPr>
@@ -6060,194 +6061,38 @@
       </p:sp>
       <p:sp>
         <p:nvSpPr>
-          <p:cNvPr id="3" name="Content Placeholder 2"/>
+          <p:cNvPr id="7" name="Text Placeholder 6"/>
           <p:cNvSpPr>
             <a:spLocks noGrp="1"/>
           </p:cNvSpPr>
           <p:nvPr>
-            <p:ph idx="1"/>
+            <p:ph type="body" idx="1"/>
           </p:nvPr>
         </p:nvSpPr>
         <p:spPr/>
         <p:txBody>
-          <a:bodyPr>
-            <a:normAutofit fontScale="85000" lnSpcReduction="20000"/>
-          </a:bodyPr>
+          <a:bodyPr/>
           <a:lstStyle/>
           <a:p>
             <a:r>
-              <a:rPr lang="nl-BE" dirty="0">
-                <a:solidFill>
-                  <a:schemeClr val="accent1"/>
-                </a:solidFill>
-              </a:rPr>
-              <a:t>L</a:t>
-            </a:r>
-            <a:r>
-              <a:rPr lang="nl-BE" dirty="0"/>
-              <a:t>anguage </a:t>
-            </a:r>
-            <a:r>
-              <a:rPr lang="nl-BE" dirty="0">
-                <a:solidFill>
-                  <a:schemeClr val="accent1"/>
-                </a:solidFill>
-              </a:rPr>
-              <a:t>In</a:t>
-            </a:r>
-            <a:r>
-              <a:rPr lang="nl-BE" dirty="0"/>
-              <a:t>tegrated </a:t>
-            </a:r>
-            <a:r>
-              <a:rPr lang="nl-BE" dirty="0">
-                <a:solidFill>
-                  <a:schemeClr val="accent1"/>
-                </a:solidFill>
-              </a:rPr>
-              <a:t>Q</a:t>
-            </a:r>
-            <a:r>
-              <a:rPr lang="nl-BE" dirty="0"/>
-              <a:t>uery</a:t>
-            </a:r>
-          </a:p>
-          <a:p>
-            <a:r>
-              <a:rPr lang="nl-BE" dirty="0"/>
-              <a:t>Queries uitvoerenop ongeveer alles in .Net:</a:t>
-            </a:r>
-          </a:p>
-          <a:p>
-            <a:pPr lvl="1"/>
-            <a:r>
-              <a:rPr lang="nl-BE" dirty="0"/>
-              <a:t>Lijsten en arrays van objecten (IEnumerable&lt;T&gt;)</a:t>
-            </a:r>
-          </a:p>
-          <a:p>
-            <a:pPr lvl="1"/>
+              <a:rPr lang="nl-BE" dirty="0"/>
+              <a:t>Language </a:t>
+            </a:r>
             <a:r>
               <a:rPr lang="nl-BE" dirty="0" err="1"/>
-              <a:t>DataSets</a:t>
-            </a:r>
-            <a:r>
-              <a:rPr lang="nl-BE" dirty="0"/>
-              <a:t> (LINQ </a:t>
-            </a:r>
-            <a:r>
-              <a:rPr lang="nl-BE" dirty="0" err="1"/>
-              <a:t>to</a:t>
-            </a:r>
-            <a:r>
-              <a:rPr lang="nl-BE" dirty="0"/>
-              <a:t> DataSets)</a:t>
-            </a:r>
-          </a:p>
-          <a:p>
-            <a:pPr lvl="1"/>
-            <a:r>
-              <a:rPr lang="nl-BE" dirty="0"/>
-              <a:t>XML </a:t>
-            </a:r>
-            <a:r>
-              <a:rPr lang="nl-BE" dirty="0" err="1"/>
-              <a:t>documents</a:t>
-            </a:r>
-            <a:r>
-              <a:rPr lang="nl-BE" dirty="0"/>
-              <a:t> (LINQ </a:t>
-            </a:r>
-            <a:r>
-              <a:rPr lang="nl-BE" dirty="0" err="1"/>
-              <a:t>to</a:t>
-            </a:r>
-            <a:r>
-              <a:rPr lang="nl-BE" dirty="0"/>
-              <a:t> XML)</a:t>
-            </a:r>
-          </a:p>
-          <a:p>
-            <a:pPr lvl="1"/>
-            <a:r>
-              <a:rPr lang="nl-BE" dirty="0"/>
-              <a:t>SQL Server (LINQ </a:t>
-            </a:r>
-            <a:r>
-              <a:rPr lang="nl-BE" dirty="0" err="1"/>
-              <a:t>to</a:t>
-            </a:r>
-            <a:r>
-              <a:rPr lang="nl-BE" dirty="0"/>
-              <a:t> SQL)</a:t>
-            </a:r>
-          </a:p>
-          <a:p>
-            <a:pPr lvl="1"/>
-            <a:r>
-              <a:rPr lang="nl-BE" dirty="0" err="1"/>
-              <a:t>Entity</a:t>
-            </a:r>
-            <a:r>
-              <a:rPr lang="nl-BE" dirty="0"/>
-              <a:t> Framework (LINQ </a:t>
-            </a:r>
-            <a:r>
-              <a:rPr lang="nl-BE" dirty="0" err="1"/>
-              <a:t>to</a:t>
-            </a:r>
-            <a:r>
-              <a:rPr lang="nl-BE" dirty="0"/>
-              <a:t> Entities)</a:t>
-            </a:r>
-          </a:p>
-          <a:p>
-            <a:pPr lvl="1"/>
-            <a:r>
-              <a:rPr lang="nl-BE" dirty="0" err="1"/>
-              <a:t>OData</a:t>
-            </a:r>
-            <a:r>
-              <a:rPr lang="nl-BE" dirty="0"/>
-              <a:t> Services</a:t>
-            </a:r>
-          </a:p>
-          <a:p>
-            <a:pPr lvl="1"/>
-            <a:r>
-              <a:rPr lang="nl-BE" dirty="0"/>
-              <a:t>...</a:t>
-            </a:r>
-          </a:p>
-          <a:p>
-            <a:r>
-              <a:rPr lang="nl-BE" dirty="0"/>
-              <a:t>... En zelfs “buiten” .Net:</a:t>
-            </a:r>
-          </a:p>
-          <a:p>
-            <a:pPr lvl="1"/>
-            <a:r>
-              <a:rPr lang="nl-BE" dirty="0"/>
-              <a:t>Google, Twitter, Wikipedia, NHibernate, ...</a:t>
-            </a:r>
-          </a:p>
-          <a:p>
-            <a:pPr lvl="1"/>
-            <a:endParaRPr lang="nl-BE" dirty="0"/>
-          </a:p>
-          <a:p>
-            <a:endParaRPr lang="nl-BE" dirty="0"/>
-          </a:p>
-          <a:p>
-            <a:endParaRPr lang="nl-BE" dirty="0"/>
+              <a:t>Integrated</a:t>
+            </a:r>
+            <a:r>
+              <a:rPr lang="nl-BE" dirty="0"/>
+              <a:t> Query</a:t>
+            </a:r>
           </a:p>
         </p:txBody>
       </p:sp>
     </p:spTree>
     <p:extLst>
       <p:ext uri="{BB962C8B-B14F-4D97-AF65-F5344CB8AC3E}">
-        <p14:creationId xmlns:p14="http://schemas.microsoft.com/office/powerpoint/2010/main" val="1399166781"/>
+        <p14:creationId xmlns:p14="http://schemas.microsoft.com/office/powerpoint/2010/main" val="611316749"/>
       </p:ext>
     </p:extLst>
   </p:cSld>
@@ -6306,491 +6151,186 @@
             <p:ph idx="1"/>
           </p:nvPr>
         </p:nvSpPr>
-        <p:spPr>
-          <a:xfrm>
-            <a:off x="1485900" y="1815666"/>
-            <a:ext cx="5894412" cy="2984934"/>
-          </a:xfrm>
-        </p:spPr>
+        <p:spPr/>
         <p:txBody>
           <a:bodyPr>
-            <a:normAutofit fontScale="70000" lnSpcReduction="20000"/>
+            <a:normAutofit fontScale="85000" lnSpcReduction="20000"/>
           </a:bodyPr>
           <a:lstStyle/>
           <a:p>
             <a:r>
-              <a:rPr lang="nl-BE" sz="1800" dirty="0"/>
-              <a:t>SQL-achtige syntax:</a:t>
-            </a:r>
-          </a:p>
-          <a:p>
-            <a:pPr>
-              <a:buNone/>
-            </a:pPr>
-            <a:endParaRPr lang="nl-BE" sz="1800" dirty="0"/>
-          </a:p>
-          <a:p>
-            <a:pPr>
-              <a:buNone/>
-            </a:pPr>
-            <a:r>
-              <a:rPr lang="en-US" dirty="0" err="1">
-                <a:solidFill>
-                  <a:srgbClr val="0070C0"/>
-                </a:solidFill>
-                <a:latin typeface="Courier New" pitchFamily="49" charset="0"/>
-                <a:cs typeface="Courier New" pitchFamily="49" charset="0"/>
-              </a:rPr>
-              <a:t>var</a:t>
-            </a:r>
-            <a:r>
-              <a:rPr lang="en-US" dirty="0">
-                <a:latin typeface="Courier New" pitchFamily="49" charset="0"/>
-                <a:cs typeface="Courier New" pitchFamily="49" charset="0"/>
-              </a:rPr>
-              <a:t> results = </a:t>
-            </a:r>
-          </a:p>
-          <a:p>
-            <a:pPr>
-              <a:buNone/>
-            </a:pPr>
-            <a:r>
-              <a:rPr lang="en-US" b="1" dirty="0">
-                <a:solidFill>
-                  <a:srgbClr val="0070C0"/>
-                </a:solidFill>
-                <a:latin typeface="Courier New" pitchFamily="49" charset="0"/>
-                <a:cs typeface="Courier New" pitchFamily="49" charset="0"/>
-              </a:rPr>
-              <a:t>	from</a:t>
-            </a:r>
-            <a:r>
-              <a:rPr lang="en-US" dirty="0">
-                <a:latin typeface="Courier New" pitchFamily="49" charset="0"/>
-                <a:cs typeface="Courier New" pitchFamily="49" charset="0"/>
-              </a:rPr>
-              <a:t> c </a:t>
-            </a:r>
-            <a:r>
-              <a:rPr lang="en-US" b="1" dirty="0">
-                <a:solidFill>
-                  <a:srgbClr val="0070C0"/>
-                </a:solidFill>
-                <a:latin typeface="Courier New" pitchFamily="49" charset="0"/>
-                <a:cs typeface="Courier New" pitchFamily="49" charset="0"/>
-              </a:rPr>
-              <a:t>in</a:t>
-            </a:r>
-            <a:r>
-              <a:rPr lang="en-US" dirty="0">
-                <a:latin typeface="Courier New" pitchFamily="49" charset="0"/>
-                <a:cs typeface="Courier New" pitchFamily="49" charset="0"/>
-              </a:rPr>
-              <a:t> </a:t>
-            </a:r>
-            <a:r>
-              <a:rPr lang="en-US" dirty="0" err="1">
-                <a:latin typeface="Courier New" pitchFamily="49" charset="0"/>
-                <a:cs typeface="Courier New" pitchFamily="49" charset="0"/>
-              </a:rPr>
-              <a:t>SomeCollection</a:t>
-            </a:r>
-            <a:r>
-              <a:rPr lang="en-US" dirty="0">
-                <a:latin typeface="Courier New" pitchFamily="49" charset="0"/>
-                <a:cs typeface="Courier New" pitchFamily="49" charset="0"/>
-              </a:rPr>
-              <a:t> </a:t>
-            </a:r>
-          </a:p>
-          <a:p>
-            <a:pPr>
-              <a:buNone/>
-            </a:pPr>
-            <a:r>
-              <a:rPr lang="en-US" b="1" dirty="0">
-                <a:solidFill>
-                  <a:srgbClr val="0070C0"/>
-                </a:solidFill>
-                <a:latin typeface="Courier New" pitchFamily="49" charset="0"/>
-                <a:cs typeface="Courier New" pitchFamily="49" charset="0"/>
-              </a:rPr>
-              <a:t>	where</a:t>
-            </a:r>
-            <a:r>
-              <a:rPr lang="en-US" dirty="0">
-                <a:latin typeface="Courier New" pitchFamily="49" charset="0"/>
-                <a:cs typeface="Courier New" pitchFamily="49" charset="0"/>
-              </a:rPr>
-              <a:t> </a:t>
-            </a:r>
-            <a:r>
-              <a:rPr lang="en-US" dirty="0" err="1">
-                <a:latin typeface="Courier New" pitchFamily="49" charset="0"/>
-                <a:cs typeface="Courier New" pitchFamily="49" charset="0"/>
-              </a:rPr>
-              <a:t>c.</a:t>
-            </a:r>
-            <a:r>
-              <a:rPr lang="en-US" dirty="0" err="1">
-                <a:solidFill>
-                  <a:srgbClr val="0070C0"/>
-                </a:solidFill>
-                <a:latin typeface="Courier New" pitchFamily="49" charset="0"/>
-                <a:cs typeface="Courier New" pitchFamily="49" charset="0"/>
-              </a:rPr>
-              <a:t>SomeProperty</a:t>
-            </a:r>
-            <a:r>
-              <a:rPr lang="en-US" dirty="0">
-                <a:latin typeface="Courier New" pitchFamily="49" charset="0"/>
-                <a:cs typeface="Courier New" pitchFamily="49" charset="0"/>
-              </a:rPr>
-              <a:t> &lt; </a:t>
-            </a:r>
-            <a:r>
-              <a:rPr lang="en-US" dirty="0" err="1">
-                <a:latin typeface="Courier New" pitchFamily="49" charset="0"/>
-                <a:cs typeface="Courier New" pitchFamily="49" charset="0"/>
-              </a:rPr>
-              <a:t>someValue</a:t>
-            </a:r>
-            <a:r>
-              <a:rPr lang="en-US" dirty="0">
-                <a:latin typeface="Courier New" pitchFamily="49" charset="0"/>
-                <a:cs typeface="Courier New" pitchFamily="49" charset="0"/>
-              </a:rPr>
-              <a:t> </a:t>
-            </a:r>
-          </a:p>
-          <a:p>
-            <a:pPr>
-              <a:buNone/>
-            </a:pPr>
-            <a:r>
-              <a:rPr lang="en-US" b="1" dirty="0">
-                <a:solidFill>
-                  <a:srgbClr val="0070C0"/>
-                </a:solidFill>
-                <a:latin typeface="Courier New" pitchFamily="49" charset="0"/>
-                <a:cs typeface="Courier New" pitchFamily="49" charset="0"/>
-              </a:rPr>
-              <a:t>	select</a:t>
-            </a:r>
-            <a:r>
-              <a:rPr lang="en-US" dirty="0">
-                <a:latin typeface="Courier New" pitchFamily="49" charset="0"/>
-                <a:cs typeface="Courier New" pitchFamily="49" charset="0"/>
-              </a:rPr>
-              <a:t> </a:t>
-            </a:r>
-            <a:r>
-              <a:rPr lang="en-US" dirty="0">
-                <a:solidFill>
-                  <a:srgbClr val="00B050"/>
-                </a:solidFill>
-                <a:latin typeface="Courier New" pitchFamily="49" charset="0"/>
-                <a:cs typeface="Courier New" pitchFamily="49" charset="0"/>
-              </a:rPr>
-              <a:t>new</a:t>
-            </a:r>
-            <a:r>
-              <a:rPr lang="en-US" dirty="0">
-                <a:latin typeface="Courier New" pitchFamily="49" charset="0"/>
-                <a:cs typeface="Courier New" pitchFamily="49" charset="0"/>
-              </a:rPr>
-              <a:t> {</a:t>
-            </a:r>
-            <a:r>
-              <a:rPr lang="en-US" dirty="0" err="1">
-                <a:latin typeface="Courier New" pitchFamily="49" charset="0"/>
-                <a:cs typeface="Courier New" pitchFamily="49" charset="0"/>
-              </a:rPr>
-              <a:t>c.</a:t>
-            </a:r>
-            <a:r>
-              <a:rPr lang="en-US" dirty="0" err="1">
-                <a:solidFill>
-                  <a:srgbClr val="0070C0"/>
-                </a:solidFill>
-                <a:latin typeface="Courier New" pitchFamily="49" charset="0"/>
-                <a:cs typeface="Courier New" pitchFamily="49" charset="0"/>
-              </a:rPr>
-              <a:t>SomeProperty</a:t>
-            </a:r>
-            <a:r>
-              <a:rPr lang="en-US" dirty="0">
-                <a:latin typeface="Courier New" pitchFamily="49" charset="0"/>
-                <a:cs typeface="Courier New" pitchFamily="49" charset="0"/>
-              </a:rPr>
-              <a:t>, </a:t>
-            </a:r>
-            <a:r>
-              <a:rPr lang="en-US" dirty="0" err="1">
-                <a:latin typeface="Courier New" pitchFamily="49" charset="0"/>
-                <a:cs typeface="Courier New" pitchFamily="49" charset="0"/>
-              </a:rPr>
-              <a:t>c.</a:t>
-            </a:r>
-            <a:r>
-              <a:rPr lang="en-US" dirty="0" err="1">
-                <a:solidFill>
-                  <a:srgbClr val="0070C0"/>
-                </a:solidFill>
-                <a:latin typeface="Courier New" pitchFamily="49" charset="0"/>
-                <a:cs typeface="Courier New" pitchFamily="49" charset="0"/>
-              </a:rPr>
-              <a:t>OtherProperty</a:t>
-            </a:r>
-            <a:r>
-              <a:rPr lang="en-US" dirty="0">
-                <a:latin typeface="Courier New" pitchFamily="49" charset="0"/>
-                <a:cs typeface="Courier New" pitchFamily="49" charset="0"/>
-              </a:rPr>
-              <a:t>};</a:t>
-            </a:r>
-          </a:p>
-          <a:p>
-            <a:pPr>
-              <a:buNone/>
-            </a:pPr>
-            <a:endParaRPr lang="en-US" dirty="0">
-              <a:latin typeface="Courier New" pitchFamily="49" charset="0"/>
-              <a:cs typeface="Courier New" pitchFamily="49" charset="0"/>
-            </a:endParaRPr>
-          </a:p>
-          <a:p>
-            <a:r>
-              <a:rPr lang="nl-BE" sz="1800" dirty="0"/>
-              <a:t>OF Lambda expressions:</a:t>
-            </a:r>
-          </a:p>
-          <a:p>
-            <a:pPr>
-              <a:buNone/>
-            </a:pPr>
-            <a:endParaRPr lang="nl-BE" sz="1800" dirty="0"/>
-          </a:p>
-          <a:p>
-            <a:pPr>
-              <a:buNone/>
-            </a:pPr>
-            <a:r>
-              <a:rPr lang="en-US" dirty="0" err="1">
-                <a:solidFill>
-                  <a:srgbClr val="0070C0"/>
-                </a:solidFill>
-                <a:latin typeface="Courier New" pitchFamily="49" charset="0"/>
-                <a:cs typeface="Courier New" pitchFamily="49" charset="0"/>
-              </a:rPr>
-              <a:t>var</a:t>
-            </a:r>
-            <a:r>
-              <a:rPr lang="en-US" dirty="0">
-                <a:latin typeface="Courier New" pitchFamily="49" charset="0"/>
-                <a:cs typeface="Courier New" pitchFamily="49" charset="0"/>
-              </a:rPr>
-              <a:t> results = </a:t>
-            </a:r>
-          </a:p>
-          <a:p>
-            <a:pPr>
-              <a:buNone/>
-            </a:pPr>
-            <a:r>
-              <a:rPr lang="en-US" dirty="0">
-                <a:latin typeface="Courier New" pitchFamily="49" charset="0"/>
-                <a:cs typeface="Courier New" pitchFamily="49" charset="0"/>
-              </a:rPr>
-              <a:t>	</a:t>
-            </a:r>
-            <a:r>
-              <a:rPr lang="en-US" dirty="0" err="1">
-                <a:latin typeface="Courier New" pitchFamily="49" charset="0"/>
-                <a:cs typeface="Courier New" pitchFamily="49" charset="0"/>
-              </a:rPr>
-              <a:t>SomeCollection</a:t>
-            </a:r>
-            <a:r>
-              <a:rPr lang="en-US" dirty="0">
-                <a:latin typeface="Courier New" pitchFamily="49" charset="0"/>
-                <a:cs typeface="Courier New" pitchFamily="49" charset="0"/>
-              </a:rPr>
-              <a:t> </a:t>
-            </a:r>
-          </a:p>
-          <a:p>
-            <a:pPr>
-              <a:buNone/>
-            </a:pPr>
-            <a:r>
-              <a:rPr lang="en-US" dirty="0">
-                <a:latin typeface="Courier New" pitchFamily="49" charset="0"/>
-                <a:cs typeface="Courier New" pitchFamily="49" charset="0"/>
-              </a:rPr>
-              <a:t>	.</a:t>
-            </a:r>
-            <a:r>
-              <a:rPr lang="en-US" b="1" dirty="0">
-                <a:solidFill>
-                  <a:srgbClr val="0070C0"/>
-                </a:solidFill>
-                <a:latin typeface="Courier New" pitchFamily="49" charset="0"/>
-                <a:cs typeface="Courier New" pitchFamily="49" charset="0"/>
-              </a:rPr>
-              <a:t>Where</a:t>
-            </a:r>
-            <a:r>
-              <a:rPr lang="en-US" dirty="0">
-                <a:latin typeface="Courier New" pitchFamily="49" charset="0"/>
-                <a:cs typeface="Courier New" pitchFamily="49" charset="0"/>
-              </a:rPr>
-              <a:t>(c =&gt; </a:t>
-            </a:r>
-            <a:r>
-              <a:rPr lang="en-US" dirty="0" err="1">
-                <a:latin typeface="Courier New" pitchFamily="49" charset="0"/>
-                <a:cs typeface="Courier New" pitchFamily="49" charset="0"/>
-              </a:rPr>
-              <a:t>c.</a:t>
-            </a:r>
-            <a:r>
-              <a:rPr lang="en-US" dirty="0" err="1">
-                <a:solidFill>
-                  <a:srgbClr val="0070C0"/>
-                </a:solidFill>
-                <a:latin typeface="Courier New" pitchFamily="49" charset="0"/>
-                <a:cs typeface="Courier New" pitchFamily="49" charset="0"/>
-              </a:rPr>
-              <a:t>SomeProperty</a:t>
-            </a:r>
-            <a:r>
-              <a:rPr lang="en-US" dirty="0">
-                <a:latin typeface="Courier New" pitchFamily="49" charset="0"/>
-                <a:cs typeface="Courier New" pitchFamily="49" charset="0"/>
-              </a:rPr>
-              <a:t> &lt; </a:t>
-            </a:r>
-            <a:r>
-              <a:rPr lang="en-US" dirty="0" err="1">
-                <a:latin typeface="Courier New" pitchFamily="49" charset="0"/>
-                <a:cs typeface="Courier New" pitchFamily="49" charset="0"/>
-              </a:rPr>
-              <a:t>someValue</a:t>
-            </a:r>
-            <a:r>
-              <a:rPr lang="en-US" dirty="0">
-                <a:latin typeface="Courier New" pitchFamily="49" charset="0"/>
-                <a:cs typeface="Courier New" pitchFamily="49" charset="0"/>
-              </a:rPr>
-              <a:t>) </a:t>
-            </a:r>
-          </a:p>
-          <a:p>
-            <a:pPr>
-              <a:buNone/>
-            </a:pPr>
-            <a:r>
-              <a:rPr lang="en-US" dirty="0">
-                <a:latin typeface="Courier New" pitchFamily="49" charset="0"/>
-                <a:cs typeface="Courier New" pitchFamily="49" charset="0"/>
-              </a:rPr>
-              <a:t>	.</a:t>
-            </a:r>
-            <a:r>
-              <a:rPr lang="en-US" b="1" dirty="0">
-                <a:solidFill>
-                  <a:srgbClr val="0070C0"/>
-                </a:solidFill>
-                <a:latin typeface="Courier New" pitchFamily="49" charset="0"/>
-                <a:cs typeface="Courier New" pitchFamily="49" charset="0"/>
-              </a:rPr>
-              <a:t>Select</a:t>
-            </a:r>
-            <a:r>
-              <a:rPr lang="en-US" dirty="0">
-                <a:latin typeface="Courier New" pitchFamily="49" charset="0"/>
-                <a:cs typeface="Courier New" pitchFamily="49" charset="0"/>
-              </a:rPr>
-              <a:t>(c =&gt; </a:t>
-            </a:r>
-            <a:r>
-              <a:rPr lang="en-US" dirty="0">
-                <a:solidFill>
-                  <a:srgbClr val="00B050"/>
-                </a:solidFill>
-                <a:latin typeface="Courier New" pitchFamily="49" charset="0"/>
-                <a:cs typeface="Courier New" pitchFamily="49" charset="0"/>
-              </a:rPr>
-              <a:t>new</a:t>
-            </a:r>
-            <a:r>
-              <a:rPr lang="en-US" dirty="0">
-                <a:latin typeface="Courier New" pitchFamily="49" charset="0"/>
-                <a:cs typeface="Courier New" pitchFamily="49" charset="0"/>
-              </a:rPr>
-              <a:t> {</a:t>
-            </a:r>
-            <a:r>
-              <a:rPr lang="en-US" dirty="0" err="1">
-                <a:latin typeface="Courier New" pitchFamily="49" charset="0"/>
-                <a:cs typeface="Courier New" pitchFamily="49" charset="0"/>
-              </a:rPr>
-              <a:t>c.</a:t>
-            </a:r>
-            <a:r>
-              <a:rPr lang="en-US" dirty="0" err="1">
-                <a:solidFill>
-                  <a:srgbClr val="0070C0"/>
-                </a:solidFill>
-                <a:latin typeface="Courier New" pitchFamily="49" charset="0"/>
-                <a:cs typeface="Courier New" pitchFamily="49" charset="0"/>
-              </a:rPr>
-              <a:t>SomeProperty</a:t>
-            </a:r>
-            <a:r>
-              <a:rPr lang="en-US" dirty="0">
-                <a:latin typeface="Courier New" pitchFamily="49" charset="0"/>
-                <a:cs typeface="Courier New" pitchFamily="49" charset="0"/>
-              </a:rPr>
-              <a:t>, </a:t>
-            </a:r>
-            <a:r>
-              <a:rPr lang="en-US" dirty="0" err="1">
-                <a:latin typeface="Courier New" pitchFamily="49" charset="0"/>
-                <a:cs typeface="Courier New" pitchFamily="49" charset="0"/>
-              </a:rPr>
-              <a:t>c.</a:t>
-            </a:r>
-            <a:r>
-              <a:rPr lang="en-US" dirty="0" err="1">
-                <a:solidFill>
-                  <a:srgbClr val="0070C0"/>
-                </a:solidFill>
-                <a:latin typeface="Courier New" pitchFamily="49" charset="0"/>
-                <a:cs typeface="Courier New" pitchFamily="49" charset="0"/>
-              </a:rPr>
-              <a:t>OtherProperty</a:t>
-            </a:r>
-            <a:r>
-              <a:rPr lang="en-US" dirty="0">
-                <a:latin typeface="Courier New" pitchFamily="49" charset="0"/>
-                <a:cs typeface="Courier New" pitchFamily="49" charset="0"/>
-              </a:rPr>
-              <a:t>});</a:t>
-            </a:r>
-            <a:endParaRPr lang="nl-BE" dirty="0">
-              <a:latin typeface="Courier New" pitchFamily="49" charset="0"/>
-              <a:cs typeface="Courier New" pitchFamily="49" charset="0"/>
-            </a:endParaRPr>
+              <a:rPr lang="nl-BE" dirty="0">
+                <a:solidFill>
+                  <a:schemeClr val="accent1"/>
+                </a:solidFill>
+              </a:rPr>
+              <a:t>L</a:t>
+            </a:r>
+            <a:r>
+              <a:rPr lang="nl-BE" dirty="0"/>
+              <a:t>anguage </a:t>
+            </a:r>
+            <a:r>
+              <a:rPr lang="nl-BE" dirty="0">
+                <a:solidFill>
+                  <a:schemeClr val="accent1"/>
+                </a:solidFill>
+              </a:rPr>
+              <a:t>In</a:t>
+            </a:r>
+            <a:r>
+              <a:rPr lang="nl-BE" dirty="0"/>
+              <a:t>tegrated </a:t>
+            </a:r>
+            <a:r>
+              <a:rPr lang="nl-BE" dirty="0">
+                <a:solidFill>
+                  <a:schemeClr val="accent1"/>
+                </a:solidFill>
+              </a:rPr>
+              <a:t>Q</a:t>
+            </a:r>
+            <a:r>
+              <a:rPr lang="nl-BE" dirty="0"/>
+              <a:t>uery</a:t>
+            </a:r>
+          </a:p>
+          <a:p>
+            <a:r>
+              <a:rPr lang="nl-BE" dirty="0"/>
+              <a:t>Queries uitvoerenop ongeveer alles in .Net:</a:t>
+            </a:r>
+          </a:p>
+          <a:p>
+            <a:pPr lvl="1"/>
+            <a:r>
+              <a:rPr lang="nl-BE" dirty="0"/>
+              <a:t>Lijsten en arrays van objecten (IEnumerable&lt;T&gt;)</a:t>
+            </a:r>
+          </a:p>
+          <a:p>
+            <a:pPr lvl="1"/>
+            <a:r>
+              <a:rPr lang="nl-BE" dirty="0" err="1"/>
+              <a:t>DataSets</a:t>
+            </a:r>
+            <a:r>
+              <a:rPr lang="nl-BE" dirty="0"/>
+              <a:t> (LINQ </a:t>
+            </a:r>
+            <a:r>
+              <a:rPr lang="nl-BE" dirty="0" err="1"/>
+              <a:t>to</a:t>
+            </a:r>
+            <a:r>
+              <a:rPr lang="nl-BE" dirty="0"/>
+              <a:t> DataSets)</a:t>
+            </a:r>
+          </a:p>
+          <a:p>
+            <a:pPr lvl="1"/>
+            <a:r>
+              <a:rPr lang="nl-BE" dirty="0"/>
+              <a:t>XML </a:t>
+            </a:r>
+            <a:r>
+              <a:rPr lang="nl-BE" dirty="0" err="1"/>
+              <a:t>documents</a:t>
+            </a:r>
+            <a:r>
+              <a:rPr lang="nl-BE" dirty="0"/>
+              <a:t> (LINQ </a:t>
+            </a:r>
+            <a:r>
+              <a:rPr lang="nl-BE" dirty="0" err="1"/>
+              <a:t>to</a:t>
+            </a:r>
+            <a:r>
+              <a:rPr lang="nl-BE" dirty="0"/>
+              <a:t> XML)</a:t>
+            </a:r>
+          </a:p>
+          <a:p>
+            <a:pPr lvl="1"/>
+            <a:r>
+              <a:rPr lang="nl-BE" dirty="0"/>
+              <a:t>SQL Server (LINQ </a:t>
+            </a:r>
+            <a:r>
+              <a:rPr lang="nl-BE" dirty="0" err="1"/>
+              <a:t>to</a:t>
+            </a:r>
+            <a:r>
+              <a:rPr lang="nl-BE" dirty="0"/>
+              <a:t> SQL)</a:t>
+            </a:r>
+          </a:p>
+          <a:p>
+            <a:pPr lvl="1"/>
+            <a:r>
+              <a:rPr lang="nl-BE" dirty="0" err="1"/>
+              <a:t>Entity</a:t>
+            </a:r>
+            <a:r>
+              <a:rPr lang="nl-BE" dirty="0"/>
+              <a:t> Framework (LINQ </a:t>
+            </a:r>
+            <a:r>
+              <a:rPr lang="nl-BE" dirty="0" err="1"/>
+              <a:t>to</a:t>
+            </a:r>
+            <a:r>
+              <a:rPr lang="nl-BE" dirty="0"/>
+              <a:t> Entities)</a:t>
+            </a:r>
+          </a:p>
+          <a:p>
+            <a:pPr lvl="1"/>
+            <a:r>
+              <a:rPr lang="nl-BE" dirty="0" err="1"/>
+              <a:t>OData</a:t>
+            </a:r>
+            <a:r>
+              <a:rPr lang="nl-BE" dirty="0"/>
+              <a:t> Services</a:t>
+            </a:r>
+          </a:p>
+          <a:p>
+            <a:pPr lvl="1"/>
+            <a:r>
+              <a:rPr lang="nl-BE" dirty="0"/>
+              <a:t>...</a:t>
+            </a:r>
+          </a:p>
+          <a:p>
+            <a:r>
+              <a:rPr lang="nl-BE" dirty="0"/>
+              <a:t>... En zelfs “buiten” .Net:</a:t>
+            </a:r>
+          </a:p>
+          <a:p>
+            <a:pPr lvl="1"/>
+            <a:r>
+              <a:rPr lang="nl-BE" dirty="0"/>
+              <a:t>Google, Twitter, Wikipedia, NHibernate, ...</a:t>
+            </a:r>
+          </a:p>
+          <a:p>
+            <a:pPr lvl="1"/>
+            <a:endParaRPr lang="nl-BE" dirty="0"/>
+          </a:p>
+          <a:p>
+            <a:endParaRPr lang="nl-BE" dirty="0"/>
+          </a:p>
+          <a:p>
+            <a:endParaRPr lang="nl-BE" dirty="0"/>
           </a:p>
         </p:txBody>
       </p:sp>
     </p:spTree>
     <p:extLst>
       <p:ext uri="{BB962C8B-B14F-4D97-AF65-F5344CB8AC3E}">
-        <p14:creationId xmlns:p14="http://schemas.microsoft.com/office/powerpoint/2010/main" val="952263348"/>
+        <p14:creationId xmlns:p14="http://schemas.microsoft.com/office/powerpoint/2010/main" val="1399166781"/>
       </p:ext>
     </p:extLst>
   </p:cSld>
@@ -6834,7 +6374,7 @@
           <a:p>
             <a:r>
               <a:rPr lang="nl-BE" dirty="0"/>
-              <a:t>Waarop is LINQ gebaseerd?</a:t>
+              <a:t>LINQ</a:t>
             </a:r>
           </a:p>
         </p:txBody>
@@ -6849,113 +6389,491 @@
             <p:ph idx="1"/>
           </p:nvPr>
         </p:nvSpPr>
-        <p:spPr/>
+        <p:spPr>
+          <a:xfrm>
+            <a:off x="1485900" y="1815666"/>
+            <a:ext cx="5894412" cy="2984934"/>
+          </a:xfrm>
+        </p:spPr>
         <p:txBody>
           <a:bodyPr>
-            <a:normAutofit/>
+            <a:normAutofit fontScale="70000" lnSpcReduction="20000"/>
           </a:bodyPr>
           <a:lstStyle/>
           <a:p>
             <a:r>
-              <a:rPr lang="nl-BE" dirty="0"/>
-              <a:t>New features in .Net 3.0:</a:t>
-            </a:r>
-          </a:p>
-          <a:p>
-            <a:pPr lvl="1"/>
+              <a:rPr lang="nl-BE" sz="1800" dirty="0"/>
+              <a:t>SQL-achtige syntax:</a:t>
+            </a:r>
+          </a:p>
+          <a:p>
+            <a:pPr>
+              <a:buNone/>
+            </a:pPr>
+            <a:endParaRPr lang="nl-BE" sz="1800" dirty="0"/>
+          </a:p>
+          <a:p>
+            <a:pPr>
+              <a:buNone/>
+            </a:pPr>
             <a:r>
               <a:rPr lang="en-US" dirty="0" err="1">
-                <a:hlinkClick r:id="rId2"/>
-              </a:rPr>
-              <a:t>Lamba</a:t>
+                <a:solidFill>
+                  <a:srgbClr val="0070C0"/>
+                </a:solidFill>
+                <a:latin typeface="Courier New" pitchFamily="49" charset="0"/>
+                <a:cs typeface="Courier New" pitchFamily="49" charset="0"/>
+              </a:rPr>
+              <a:t>var</a:t>
             </a:r>
             <a:r>
               <a:rPr lang="en-US" dirty="0">
-                <a:hlinkClick r:id="rId2"/>
-              </a:rPr>
-              <a:t> expressions</a:t>
-            </a:r>
-            <a:endParaRPr lang="en-US" dirty="0"/>
-          </a:p>
-          <a:p>
-            <a:pPr lvl="1"/>
+                <a:latin typeface="Courier New" pitchFamily="49" charset="0"/>
+                <a:cs typeface="Courier New" pitchFamily="49" charset="0"/>
+              </a:rPr>
+              <a:t> results = </a:t>
+            </a:r>
+          </a:p>
+          <a:p>
+            <a:pPr>
+              <a:buNone/>
+            </a:pPr>
+            <a:r>
+              <a:rPr lang="en-US" b="1" dirty="0">
+                <a:solidFill>
+                  <a:srgbClr val="0070C0"/>
+                </a:solidFill>
+                <a:latin typeface="Courier New" pitchFamily="49" charset="0"/>
+                <a:cs typeface="Courier New" pitchFamily="49" charset="0"/>
+              </a:rPr>
+              <a:t>	from</a:t>
+            </a:r>
             <a:r>
               <a:rPr lang="en-US" dirty="0">
-                <a:hlinkClick r:id="rId3"/>
-              </a:rPr>
-              <a:t>Extension methods</a:t>
-            </a:r>
-            <a:endParaRPr lang="en-US" dirty="0"/>
-          </a:p>
-          <a:p>
-            <a:pPr lvl="1"/>
+                <a:latin typeface="Courier New" pitchFamily="49" charset="0"/>
+                <a:cs typeface="Courier New" pitchFamily="49" charset="0"/>
+              </a:rPr>
+              <a:t> c </a:t>
+            </a:r>
+            <a:r>
+              <a:rPr lang="en-US" b="1" dirty="0">
+                <a:solidFill>
+                  <a:srgbClr val="0070C0"/>
+                </a:solidFill>
+                <a:latin typeface="Courier New" pitchFamily="49" charset="0"/>
+                <a:cs typeface="Courier New" pitchFamily="49" charset="0"/>
+              </a:rPr>
+              <a:t>in</a:t>
+            </a:r>
             <a:r>
               <a:rPr lang="en-US" dirty="0">
-                <a:hlinkClick r:id="rId4"/>
-              </a:rPr>
-              <a:t>Het yield keyword</a:t>
-            </a:r>
-            <a:endParaRPr lang="en-US" dirty="0"/>
-          </a:p>
-          <a:p>
-            <a:pPr lvl="1"/>
+                <a:latin typeface="Courier New" pitchFamily="49" charset="0"/>
+                <a:cs typeface="Courier New" pitchFamily="49" charset="0"/>
+              </a:rPr>
+              <a:t> </a:t>
+            </a:r>
+            <a:r>
+              <a:rPr lang="en-US" dirty="0" err="1">
+                <a:latin typeface="Courier New" pitchFamily="49" charset="0"/>
+                <a:cs typeface="Courier New" pitchFamily="49" charset="0"/>
+              </a:rPr>
+              <a:t>SomeCollection</a:t>
+            </a:r>
             <a:r>
               <a:rPr lang="en-US" dirty="0">
-                <a:hlinkClick r:id="rId5"/>
-              </a:rPr>
-              <a:t>Het </a:t>
+                <a:latin typeface="Courier New" pitchFamily="49" charset="0"/>
+                <a:cs typeface="Courier New" pitchFamily="49" charset="0"/>
+              </a:rPr>
+              <a:t> </a:t>
+            </a:r>
+          </a:p>
+          <a:p>
+            <a:pPr>
+              <a:buNone/>
+            </a:pPr>
+            <a:r>
+              <a:rPr lang="en-US" b="1" dirty="0">
+                <a:solidFill>
+                  <a:srgbClr val="0070C0"/>
+                </a:solidFill>
+                <a:latin typeface="Courier New" pitchFamily="49" charset="0"/>
+                <a:cs typeface="Courier New" pitchFamily="49" charset="0"/>
+              </a:rPr>
+              <a:t>	where</a:t>
+            </a:r>
+            <a:r>
+              <a:rPr lang="en-US" dirty="0">
+                <a:latin typeface="Courier New" pitchFamily="49" charset="0"/>
+                <a:cs typeface="Courier New" pitchFamily="49" charset="0"/>
+              </a:rPr>
+              <a:t> </a:t>
             </a:r>
             <a:r>
               <a:rPr lang="en-US" dirty="0" err="1">
-                <a:hlinkClick r:id="rId5"/>
+                <a:latin typeface="Courier New" pitchFamily="49" charset="0"/>
+                <a:cs typeface="Courier New" pitchFamily="49" charset="0"/>
+              </a:rPr>
+              <a:t>c.</a:t>
+            </a:r>
+            <a:r>
+              <a:rPr lang="en-US" dirty="0" err="1">
+                <a:solidFill>
+                  <a:srgbClr val="0070C0"/>
+                </a:solidFill>
+                <a:latin typeface="Courier New" pitchFamily="49" charset="0"/>
+                <a:cs typeface="Courier New" pitchFamily="49" charset="0"/>
+              </a:rPr>
+              <a:t>SomeProperty</a:t>
+            </a:r>
+            <a:r>
+              <a:rPr lang="en-US" dirty="0">
+                <a:latin typeface="Courier New" pitchFamily="49" charset="0"/>
+                <a:cs typeface="Courier New" pitchFamily="49" charset="0"/>
+              </a:rPr>
+              <a:t> &lt; </a:t>
+            </a:r>
+            <a:r>
+              <a:rPr lang="en-US" dirty="0" err="1">
+                <a:latin typeface="Courier New" pitchFamily="49" charset="0"/>
+                <a:cs typeface="Courier New" pitchFamily="49" charset="0"/>
+              </a:rPr>
+              <a:t>someValue</a:t>
+            </a:r>
+            <a:r>
+              <a:rPr lang="en-US" dirty="0">
+                <a:latin typeface="Courier New" pitchFamily="49" charset="0"/>
+                <a:cs typeface="Courier New" pitchFamily="49" charset="0"/>
+              </a:rPr>
+              <a:t> </a:t>
+            </a:r>
+          </a:p>
+          <a:p>
+            <a:pPr>
+              <a:buNone/>
+            </a:pPr>
+            <a:r>
+              <a:rPr lang="en-US" b="1" dirty="0">
+                <a:solidFill>
+                  <a:srgbClr val="0070C0"/>
+                </a:solidFill>
+                <a:latin typeface="Courier New" pitchFamily="49" charset="0"/>
+                <a:cs typeface="Courier New" pitchFamily="49" charset="0"/>
+              </a:rPr>
+              <a:t>	select</a:t>
+            </a:r>
+            <a:r>
+              <a:rPr lang="en-US" dirty="0">
+                <a:latin typeface="Courier New" pitchFamily="49" charset="0"/>
+                <a:cs typeface="Courier New" pitchFamily="49" charset="0"/>
+              </a:rPr>
+              <a:t> </a:t>
+            </a:r>
+            <a:r>
+              <a:rPr lang="en-US" dirty="0">
+                <a:solidFill>
+                  <a:srgbClr val="00B050"/>
+                </a:solidFill>
+                <a:latin typeface="Courier New" pitchFamily="49" charset="0"/>
+                <a:cs typeface="Courier New" pitchFamily="49" charset="0"/>
+              </a:rPr>
+              <a:t>new</a:t>
+            </a:r>
+            <a:r>
+              <a:rPr lang="en-US" dirty="0">
+                <a:latin typeface="Courier New" pitchFamily="49" charset="0"/>
+                <a:cs typeface="Courier New" pitchFamily="49" charset="0"/>
+              </a:rPr>
+              <a:t> {</a:t>
+            </a:r>
+            <a:r>
+              <a:rPr lang="en-US" dirty="0" err="1">
+                <a:latin typeface="Courier New" pitchFamily="49" charset="0"/>
+                <a:cs typeface="Courier New" pitchFamily="49" charset="0"/>
+              </a:rPr>
+              <a:t>c.</a:t>
+            </a:r>
+            <a:r>
+              <a:rPr lang="en-US" dirty="0" err="1">
+                <a:solidFill>
+                  <a:srgbClr val="0070C0"/>
+                </a:solidFill>
+                <a:latin typeface="Courier New" pitchFamily="49" charset="0"/>
+                <a:cs typeface="Courier New" pitchFamily="49" charset="0"/>
+              </a:rPr>
+              <a:t>SomeProperty</a:t>
+            </a:r>
+            <a:r>
+              <a:rPr lang="en-US" dirty="0">
+                <a:latin typeface="Courier New" pitchFamily="49" charset="0"/>
+                <a:cs typeface="Courier New" pitchFamily="49" charset="0"/>
+              </a:rPr>
+              <a:t>, </a:t>
+            </a:r>
+            <a:r>
+              <a:rPr lang="en-US" dirty="0" err="1">
+                <a:latin typeface="Courier New" pitchFamily="49" charset="0"/>
+                <a:cs typeface="Courier New" pitchFamily="49" charset="0"/>
+              </a:rPr>
+              <a:t>c.</a:t>
+            </a:r>
+            <a:r>
+              <a:rPr lang="en-US" dirty="0" err="1">
+                <a:solidFill>
+                  <a:srgbClr val="0070C0"/>
+                </a:solidFill>
+                <a:latin typeface="Courier New" pitchFamily="49" charset="0"/>
+                <a:cs typeface="Courier New" pitchFamily="49" charset="0"/>
+              </a:rPr>
+              <a:t>OtherProperty</a:t>
+            </a:r>
+            <a:r>
+              <a:rPr lang="en-US" dirty="0">
+                <a:latin typeface="Courier New" pitchFamily="49" charset="0"/>
+                <a:cs typeface="Courier New" pitchFamily="49" charset="0"/>
+              </a:rPr>
+              <a:t>};</a:t>
+            </a:r>
+          </a:p>
+          <a:p>
+            <a:pPr>
+              <a:buNone/>
+            </a:pPr>
+            <a:endParaRPr lang="en-US" dirty="0">
+              <a:latin typeface="Courier New" pitchFamily="49" charset="0"/>
+              <a:cs typeface="Courier New" pitchFamily="49" charset="0"/>
+            </a:endParaRPr>
+          </a:p>
+          <a:p>
+            <a:r>
+              <a:rPr lang="nl-BE" sz="1800" dirty="0"/>
+              <a:t>OF Lambda expressions:</a:t>
+            </a:r>
+          </a:p>
+          <a:p>
+            <a:pPr>
+              <a:buNone/>
+            </a:pPr>
+            <a:endParaRPr lang="nl-BE" sz="1800" dirty="0"/>
+          </a:p>
+          <a:p>
+            <a:pPr>
+              <a:buNone/>
+            </a:pPr>
+            <a:r>
+              <a:rPr lang="en-US" dirty="0" err="1">
+                <a:solidFill>
+                  <a:srgbClr val="0070C0"/>
+                </a:solidFill>
+                <a:latin typeface="Courier New" pitchFamily="49" charset="0"/>
+                <a:cs typeface="Courier New" pitchFamily="49" charset="0"/>
               </a:rPr>
               <a:t>var</a:t>
             </a:r>
             <a:r>
               <a:rPr lang="en-US" dirty="0">
-                <a:hlinkClick r:id="rId5"/>
-              </a:rPr>
-              <a:t> keyword</a:t>
-            </a:r>
-            <a:endParaRPr lang="en-US" dirty="0"/>
-          </a:p>
-          <a:p>
-            <a:pPr lvl="1"/>
+                <a:latin typeface="Courier New" pitchFamily="49" charset="0"/>
+                <a:cs typeface="Courier New" pitchFamily="49" charset="0"/>
+              </a:rPr>
+              <a:t> results = </a:t>
+            </a:r>
+          </a:p>
+          <a:p>
+            <a:pPr>
+              <a:buNone/>
+            </a:pPr>
             <a:r>
               <a:rPr lang="en-US" dirty="0">
-                <a:hlinkClick r:id="rId6"/>
-              </a:rPr>
-              <a:t>Object &amp; Collection initializers</a:t>
-            </a:r>
-            <a:endParaRPr lang="en-US" dirty="0"/>
-          </a:p>
-          <a:p>
-            <a:r>
-              <a:rPr lang="en-US" dirty="0"/>
-              <a:t>In </a:t>
-            </a:r>
-            <a:r>
-              <a:rPr lang="en-US" dirty="0" err="1"/>
-              <a:t>.Net</a:t>
-            </a:r>
-            <a:r>
-              <a:rPr lang="en-US" dirty="0"/>
-              <a:t> 3.5 </a:t>
+                <a:latin typeface="Courier New" pitchFamily="49" charset="0"/>
+                <a:cs typeface="Courier New" pitchFamily="49" charset="0"/>
+              </a:rPr>
+              <a:t>	</a:t>
+            </a:r>
+            <a:r>
+              <a:rPr lang="en-US" dirty="0" err="1">
+                <a:latin typeface="Courier New" pitchFamily="49" charset="0"/>
+                <a:cs typeface="Courier New" pitchFamily="49" charset="0"/>
+              </a:rPr>
+              <a:t>SomeCollection</a:t>
             </a:r>
             <a:r>
               <a:rPr lang="en-US" dirty="0">
-                <a:sym typeface="Wingdings" panose="05000000000000000000" pitchFamily="2" charset="2"/>
-              </a:rPr>
-              <a:t> LINQ is introduced</a:t>
-            </a:r>
-            <a:endParaRPr lang="nl-BE" dirty="0"/>
+                <a:latin typeface="Courier New" pitchFamily="49" charset="0"/>
+                <a:cs typeface="Courier New" pitchFamily="49" charset="0"/>
+              </a:rPr>
+              <a:t> </a:t>
+            </a:r>
+          </a:p>
+          <a:p>
+            <a:pPr>
+              <a:buNone/>
+            </a:pPr>
+            <a:r>
+              <a:rPr lang="en-US" dirty="0">
+                <a:latin typeface="Courier New" pitchFamily="49" charset="0"/>
+                <a:cs typeface="Courier New" pitchFamily="49" charset="0"/>
+              </a:rPr>
+              <a:t>	.</a:t>
+            </a:r>
+            <a:r>
+              <a:rPr lang="en-US" b="1" dirty="0">
+                <a:solidFill>
+                  <a:srgbClr val="0070C0"/>
+                </a:solidFill>
+                <a:latin typeface="Courier New" pitchFamily="49" charset="0"/>
+                <a:cs typeface="Courier New" pitchFamily="49" charset="0"/>
+              </a:rPr>
+              <a:t>Where</a:t>
+            </a:r>
+            <a:r>
+              <a:rPr lang="en-US" dirty="0">
+                <a:latin typeface="Courier New" pitchFamily="49" charset="0"/>
+                <a:cs typeface="Courier New" pitchFamily="49" charset="0"/>
+              </a:rPr>
+              <a:t>(c =&gt; </a:t>
+            </a:r>
+            <a:r>
+              <a:rPr lang="en-US" dirty="0" err="1">
+                <a:latin typeface="Courier New" pitchFamily="49" charset="0"/>
+                <a:cs typeface="Courier New" pitchFamily="49" charset="0"/>
+              </a:rPr>
+              <a:t>c.</a:t>
+            </a:r>
+            <a:r>
+              <a:rPr lang="en-US" dirty="0" err="1">
+                <a:solidFill>
+                  <a:srgbClr val="0070C0"/>
+                </a:solidFill>
+                <a:latin typeface="Courier New" pitchFamily="49" charset="0"/>
+                <a:cs typeface="Courier New" pitchFamily="49" charset="0"/>
+              </a:rPr>
+              <a:t>SomeProperty</a:t>
+            </a:r>
+            <a:r>
+              <a:rPr lang="en-US" dirty="0">
+                <a:latin typeface="Courier New" pitchFamily="49" charset="0"/>
+                <a:cs typeface="Courier New" pitchFamily="49" charset="0"/>
+              </a:rPr>
+              <a:t> &lt; </a:t>
+            </a:r>
+            <a:r>
+              <a:rPr lang="en-US" dirty="0" err="1">
+                <a:latin typeface="Courier New" pitchFamily="49" charset="0"/>
+                <a:cs typeface="Courier New" pitchFamily="49" charset="0"/>
+              </a:rPr>
+              <a:t>someValue</a:t>
+            </a:r>
+            <a:r>
+              <a:rPr lang="en-US" dirty="0">
+                <a:latin typeface="Courier New" pitchFamily="49" charset="0"/>
+                <a:cs typeface="Courier New" pitchFamily="49" charset="0"/>
+              </a:rPr>
+              <a:t>) </a:t>
+            </a:r>
+          </a:p>
+          <a:p>
+            <a:pPr>
+              <a:buNone/>
+            </a:pPr>
+            <a:r>
+              <a:rPr lang="en-US" dirty="0">
+                <a:latin typeface="Courier New" pitchFamily="49" charset="0"/>
+                <a:cs typeface="Courier New" pitchFamily="49" charset="0"/>
+              </a:rPr>
+              <a:t>	.</a:t>
+            </a:r>
+            <a:r>
+              <a:rPr lang="en-US" b="1" dirty="0">
+                <a:solidFill>
+                  <a:srgbClr val="0070C0"/>
+                </a:solidFill>
+                <a:latin typeface="Courier New" pitchFamily="49" charset="0"/>
+                <a:cs typeface="Courier New" pitchFamily="49" charset="0"/>
+              </a:rPr>
+              <a:t>Select</a:t>
+            </a:r>
+            <a:r>
+              <a:rPr lang="en-US" dirty="0">
+                <a:latin typeface="Courier New" pitchFamily="49" charset="0"/>
+                <a:cs typeface="Courier New" pitchFamily="49" charset="0"/>
+              </a:rPr>
+              <a:t>(c =&gt; </a:t>
+            </a:r>
+            <a:r>
+              <a:rPr lang="en-US" dirty="0">
+                <a:solidFill>
+                  <a:srgbClr val="00B050"/>
+                </a:solidFill>
+                <a:latin typeface="Courier New" pitchFamily="49" charset="0"/>
+                <a:cs typeface="Courier New" pitchFamily="49" charset="0"/>
+              </a:rPr>
+              <a:t>new</a:t>
+            </a:r>
+            <a:r>
+              <a:rPr lang="en-US" dirty="0">
+                <a:latin typeface="Courier New" pitchFamily="49" charset="0"/>
+                <a:cs typeface="Courier New" pitchFamily="49" charset="0"/>
+              </a:rPr>
+              <a:t> {</a:t>
+            </a:r>
+            <a:r>
+              <a:rPr lang="en-US" dirty="0" err="1">
+                <a:latin typeface="Courier New" pitchFamily="49" charset="0"/>
+                <a:cs typeface="Courier New" pitchFamily="49" charset="0"/>
+              </a:rPr>
+              <a:t>c.</a:t>
+            </a:r>
+            <a:r>
+              <a:rPr lang="en-US" dirty="0" err="1">
+                <a:solidFill>
+                  <a:srgbClr val="0070C0"/>
+                </a:solidFill>
+                <a:latin typeface="Courier New" pitchFamily="49" charset="0"/>
+                <a:cs typeface="Courier New" pitchFamily="49" charset="0"/>
+              </a:rPr>
+              <a:t>SomeProperty</a:t>
+            </a:r>
+            <a:r>
+              <a:rPr lang="en-US" dirty="0">
+                <a:latin typeface="Courier New" pitchFamily="49" charset="0"/>
+                <a:cs typeface="Courier New" pitchFamily="49" charset="0"/>
+              </a:rPr>
+              <a:t>, </a:t>
+            </a:r>
+            <a:r>
+              <a:rPr lang="en-US" dirty="0" err="1">
+                <a:latin typeface="Courier New" pitchFamily="49" charset="0"/>
+                <a:cs typeface="Courier New" pitchFamily="49" charset="0"/>
+              </a:rPr>
+              <a:t>c.</a:t>
+            </a:r>
+            <a:r>
+              <a:rPr lang="en-US" dirty="0" err="1">
+                <a:solidFill>
+                  <a:srgbClr val="0070C0"/>
+                </a:solidFill>
+                <a:latin typeface="Courier New" pitchFamily="49" charset="0"/>
+                <a:cs typeface="Courier New" pitchFamily="49" charset="0"/>
+              </a:rPr>
+              <a:t>OtherProperty</a:t>
+            </a:r>
+            <a:r>
+              <a:rPr lang="en-US" dirty="0">
+                <a:latin typeface="Courier New" pitchFamily="49" charset="0"/>
+                <a:cs typeface="Courier New" pitchFamily="49" charset="0"/>
+              </a:rPr>
+              <a:t>});</a:t>
+            </a:r>
+            <a:endParaRPr lang="nl-BE" dirty="0">
+              <a:latin typeface="Courier New" pitchFamily="49" charset="0"/>
+              <a:cs typeface="Courier New" pitchFamily="49" charset="0"/>
+            </a:endParaRPr>
           </a:p>
         </p:txBody>
       </p:sp>
     </p:spTree>
     <p:extLst>
       <p:ext uri="{BB962C8B-B14F-4D97-AF65-F5344CB8AC3E}">
-        <p14:creationId xmlns:p14="http://schemas.microsoft.com/office/powerpoint/2010/main" val="2831140032"/>
+        <p14:creationId xmlns:p14="http://schemas.microsoft.com/office/powerpoint/2010/main" val="952263348"/>
       </p:ext>
     </p:extLst>
   </p:cSld>
@@ -6999,837 +6917,128 @@
           <a:p>
             <a:r>
               <a:rPr lang="nl-BE" dirty="0"/>
-              <a:t>LINQ query – </a:t>
-            </a:r>
-            <a:r>
-              <a:rPr lang="nl-BE" dirty="0" err="1"/>
-              <a:t>Deferred</a:t>
-            </a:r>
-            <a:r>
-              <a:rPr lang="nl-BE" dirty="0"/>
-              <a:t> </a:t>
-            </a:r>
-            <a:r>
-              <a:rPr lang="nl-BE" dirty="0" err="1"/>
-              <a:t>execution</a:t>
-            </a:r>
-            <a:endParaRPr lang="nl-BE" dirty="0"/>
+              <a:t>Waarop is LINQ gebaseerd?</a:t>
+            </a:r>
           </a:p>
         </p:txBody>
       </p:sp>
       <p:sp>
         <p:nvSpPr>
-          <p:cNvPr id="6" name="Rectangle 1"/>
+          <p:cNvPr id="3" name="Content Placeholder 2"/>
           <p:cNvSpPr>
-            <a:spLocks noGrp="1" noChangeArrowheads="1"/>
+            <a:spLocks noGrp="1"/>
           </p:cNvSpPr>
           <p:nvPr>
             <p:ph idx="1"/>
           </p:nvPr>
         </p:nvSpPr>
-        <p:spPr bwMode="auto">
-          <a:xfrm>
-            <a:off x="1485900" y="2265624"/>
-            <a:ext cx="5864426" cy="2469907"/>
-          </a:xfrm>
-          <a:prstGeom prst="rect">
-            <a:avLst/>
-          </a:prstGeom>
-          <a:noFill/>
-          <a:ln>
-            <a:noFill/>
-          </a:ln>
-          <a:effectLst/>
-          <a:extLst>
-            <a:ext uri="{909E8E84-426E-40DD-AFC4-6F175D3DCCD1}">
-              <a14:hiddenFill xmlns:a14="http://schemas.microsoft.com/office/drawing/2010/main">
-                <a:solidFill>
-                  <a:schemeClr val="accent1"/>
-                </a:solidFill>
-              </a14:hiddenFill>
-            </a:ext>
-            <a:ext uri="{91240B29-F687-4F45-9708-019B960494DF}">
-              <a14:hiddenLine xmlns:a14="http://schemas.microsoft.com/office/drawing/2010/main" w="9525">
-                <a:solidFill>
-                  <a:schemeClr val="tx1"/>
-                </a:solidFill>
-                <a:miter lim="800000"/>
-                <a:headEnd/>
-                <a:tailEnd/>
-              </a14:hiddenLine>
-            </a:ext>
-            <a:ext uri="{AF507438-7753-43E0-B8FC-AC1667EBCBE1}">
-              <a14:hiddenEffects xmlns:a14="http://schemas.microsoft.com/office/drawing/2010/main">
-                <a:effectLst>
-                  <a:outerShdw dist="35921" dir="2700000" algn="ctr" rotWithShape="0">
-                    <a:schemeClr val="bg2"/>
-                  </a:outerShdw>
-                </a:effectLst>
-              </a14:hiddenEffects>
-            </a:ext>
-          </a:extLst>
-        </p:spPr>
+        <p:spPr/>
         <p:txBody>
-          <a:bodyPr vert="horz" wrap="none" lIns="68580" tIns="34290" rIns="68580" bIns="34290" numCol="1" rtlCol="0" anchor="ctr" anchorCtr="0" compatLnSpc="1">
-            <a:prstTxWarp prst="textNoShape">
-              <a:avLst/>
-            </a:prstTxWarp>
-            <a:spAutoFit/>
+          <a:bodyPr>
+            <a:normAutofit/>
           </a:bodyPr>
           <a:lstStyle/>
           <a:p>
-            <a:pPr marL="0" indent="0" defTabSz="685800" eaLnBrk="0" fontAlgn="base" hangingPunct="0">
-              <a:spcBef>
-                <a:spcPct val="0"/>
-              </a:spcBef>
-              <a:spcAft>
-                <a:spcPct val="0"/>
-              </a:spcAft>
-              <a:buClrTx/>
-              <a:buSzTx/>
-              <a:buNone/>
-            </a:pPr>
-            <a:r>
-              <a:rPr lang="nl-BE" sz="1200" dirty="0" err="1">
-                <a:solidFill>
-                  <a:srgbClr val="0000FF"/>
-                </a:solidFill>
-                <a:latin typeface="Arial Unicode MS" panose="020B0604020202020204" pitchFamily="34" charset="-128"/>
-              </a:rPr>
-              <a:t>using</a:t>
-            </a:r>
-            <a:r>
-              <a:rPr lang="nl-BE" sz="1200" dirty="0">
-                <a:solidFill>
-                  <a:schemeClr val="tx1"/>
-                </a:solidFill>
-                <a:latin typeface="Arial Unicode MS" panose="020B0604020202020204" pitchFamily="34" charset="-128"/>
-              </a:rPr>
-              <a:t> (</a:t>
-            </a:r>
-            <a:r>
-              <a:rPr lang="nl-BE" sz="1200" dirty="0" err="1">
-                <a:solidFill>
-                  <a:schemeClr val="tx1"/>
-                </a:solidFill>
-                <a:latin typeface="Arial Unicode MS" panose="020B0604020202020204" pitchFamily="34" charset="-128"/>
-              </a:rPr>
-              <a:t>AdventureWorksEntities</a:t>
-            </a:r>
-            <a:r>
-              <a:rPr lang="nl-BE" sz="1200" dirty="0">
-                <a:solidFill>
-                  <a:schemeClr val="tx1"/>
-                </a:solidFill>
-                <a:latin typeface="Arial Unicode MS" panose="020B0604020202020204" pitchFamily="34" charset="-128"/>
-              </a:rPr>
-              <a:t> context = </a:t>
-            </a:r>
-            <a:r>
-              <a:rPr lang="nl-BE" sz="1200" dirty="0">
-                <a:solidFill>
-                  <a:srgbClr val="0000FF"/>
-                </a:solidFill>
-                <a:latin typeface="Arial Unicode MS" panose="020B0604020202020204" pitchFamily="34" charset="-128"/>
-              </a:rPr>
-              <a:t>new</a:t>
-            </a:r>
-            <a:r>
-              <a:rPr lang="nl-BE" sz="1200" dirty="0">
-                <a:solidFill>
-                  <a:schemeClr val="tx1"/>
-                </a:solidFill>
-                <a:latin typeface="Arial Unicode MS" panose="020B0604020202020204" pitchFamily="34" charset="-128"/>
-              </a:rPr>
-              <a:t> </a:t>
-            </a:r>
-            <a:r>
-              <a:rPr lang="nl-BE" sz="1200" dirty="0" err="1">
-                <a:solidFill>
-                  <a:schemeClr val="tx1"/>
-                </a:solidFill>
-                <a:latin typeface="Arial Unicode MS" panose="020B0604020202020204" pitchFamily="34" charset="-128"/>
-              </a:rPr>
-              <a:t>AdventureWorksEntities</a:t>
-            </a:r>
-            <a:r>
-              <a:rPr lang="nl-BE" sz="1200" dirty="0">
-                <a:solidFill>
-                  <a:schemeClr val="tx1"/>
-                </a:solidFill>
-                <a:latin typeface="Arial Unicode MS" panose="020B0604020202020204" pitchFamily="34" charset="-128"/>
-              </a:rPr>
-              <a:t>()) </a:t>
-            </a:r>
-          </a:p>
-          <a:p>
-            <a:pPr marL="0" indent="0" defTabSz="685800" eaLnBrk="0" fontAlgn="base" hangingPunct="0">
-              <a:spcBef>
-                <a:spcPct val="0"/>
-              </a:spcBef>
-              <a:spcAft>
-                <a:spcPct val="0"/>
-              </a:spcAft>
-              <a:buClrTx/>
-              <a:buSzTx/>
-              <a:buNone/>
-            </a:pPr>
-            <a:r>
-              <a:rPr lang="nl-BE" sz="1200" dirty="0">
-                <a:solidFill>
-                  <a:schemeClr val="tx1"/>
-                </a:solidFill>
-                <a:latin typeface="Arial Unicode MS" panose="020B0604020202020204" pitchFamily="34" charset="-128"/>
-              </a:rPr>
-              <a:t>{ </a:t>
-            </a:r>
-          </a:p>
-          <a:p>
-            <a:pPr marL="0" indent="0" defTabSz="685800" eaLnBrk="0" fontAlgn="base" hangingPunct="0">
-              <a:spcBef>
-                <a:spcPct val="0"/>
-              </a:spcBef>
-              <a:spcAft>
-                <a:spcPct val="0"/>
-              </a:spcAft>
-              <a:buClrTx/>
-              <a:buSzTx/>
-              <a:buNone/>
-            </a:pPr>
-            <a:r>
-              <a:rPr lang="nl-BE" sz="1200" dirty="0">
-                <a:latin typeface="Arial Unicode MS" panose="020B0604020202020204" pitchFamily="34" charset="-128"/>
-              </a:rPr>
-              <a:t>    </a:t>
-            </a:r>
-            <a:r>
-              <a:rPr lang="nl-BE" sz="1200" dirty="0" err="1">
-                <a:solidFill>
-                  <a:schemeClr val="tx1"/>
-                </a:solidFill>
-                <a:latin typeface="Arial Unicode MS" panose="020B0604020202020204" pitchFamily="34" charset="-128"/>
-              </a:rPr>
-              <a:t>IQueryable</a:t>
-            </a:r>
-            <a:r>
-              <a:rPr lang="nl-BE" sz="1200" dirty="0">
-                <a:solidFill>
-                  <a:schemeClr val="tx1"/>
-                </a:solidFill>
-                <a:latin typeface="Arial Unicode MS" panose="020B0604020202020204" pitchFamily="34" charset="-128"/>
-              </a:rPr>
-              <a:t>&lt;Product&gt; </a:t>
-            </a:r>
-            <a:r>
-              <a:rPr lang="nl-BE" sz="1200" dirty="0" err="1">
-                <a:solidFill>
-                  <a:schemeClr val="tx1"/>
-                </a:solidFill>
-                <a:latin typeface="Arial Unicode MS" panose="020B0604020202020204" pitchFamily="34" charset="-128"/>
-              </a:rPr>
-              <a:t>productsQuery</a:t>
-            </a:r>
-            <a:r>
-              <a:rPr lang="nl-BE" sz="1200" dirty="0">
-                <a:solidFill>
-                  <a:schemeClr val="tx1"/>
-                </a:solidFill>
-                <a:latin typeface="Arial Unicode MS" panose="020B0604020202020204" pitchFamily="34" charset="-128"/>
-              </a:rPr>
-              <a:t> = </a:t>
-            </a:r>
-            <a:r>
-              <a:rPr lang="nl-BE" sz="1200" dirty="0" err="1">
-                <a:solidFill>
-                  <a:srgbClr val="0000FF"/>
-                </a:solidFill>
-                <a:latin typeface="Arial Unicode MS" panose="020B0604020202020204" pitchFamily="34" charset="-128"/>
-              </a:rPr>
-              <a:t>from</a:t>
-            </a:r>
-            <a:r>
-              <a:rPr lang="nl-BE" sz="1200" dirty="0">
-                <a:solidFill>
-                  <a:schemeClr val="tx1"/>
-                </a:solidFill>
-                <a:latin typeface="Arial Unicode MS" panose="020B0604020202020204" pitchFamily="34" charset="-128"/>
-              </a:rPr>
-              <a:t> p </a:t>
-            </a:r>
-            <a:r>
-              <a:rPr lang="nl-BE" sz="1200" dirty="0">
-                <a:solidFill>
-                  <a:srgbClr val="0000FF"/>
-                </a:solidFill>
-                <a:latin typeface="Arial Unicode MS" panose="020B0604020202020204" pitchFamily="34" charset="-128"/>
-              </a:rPr>
-              <a:t>in</a:t>
-            </a:r>
-            <a:r>
-              <a:rPr lang="nl-BE" sz="1200" dirty="0">
-                <a:solidFill>
-                  <a:schemeClr val="tx1"/>
-                </a:solidFill>
-                <a:latin typeface="Arial Unicode MS" panose="020B0604020202020204" pitchFamily="34" charset="-128"/>
-              </a:rPr>
-              <a:t> </a:t>
-            </a:r>
-            <a:r>
-              <a:rPr lang="nl-BE" sz="1200" dirty="0" err="1">
-                <a:solidFill>
-                  <a:schemeClr val="tx1"/>
-                </a:solidFill>
-                <a:latin typeface="Arial Unicode MS" panose="020B0604020202020204" pitchFamily="34" charset="-128"/>
-              </a:rPr>
-              <a:t>context.Products</a:t>
-            </a:r>
-            <a:r>
-              <a:rPr lang="nl-BE" sz="1200" dirty="0">
-                <a:solidFill>
-                  <a:schemeClr val="tx1"/>
-                </a:solidFill>
-                <a:latin typeface="Arial Unicode MS" panose="020B0604020202020204" pitchFamily="34" charset="-128"/>
-              </a:rPr>
-              <a:t> </a:t>
-            </a:r>
-            <a:r>
-              <a:rPr lang="nl-BE" sz="1200" dirty="0">
-                <a:solidFill>
-                  <a:srgbClr val="0000FF"/>
-                </a:solidFill>
-                <a:latin typeface="Arial Unicode MS" panose="020B0604020202020204" pitchFamily="34" charset="-128"/>
-              </a:rPr>
-              <a:t>select</a:t>
-            </a:r>
-            <a:r>
-              <a:rPr lang="nl-BE" sz="1200" dirty="0">
-                <a:solidFill>
-                  <a:schemeClr val="tx1"/>
-                </a:solidFill>
-                <a:latin typeface="Arial Unicode MS" panose="020B0604020202020204" pitchFamily="34" charset="-128"/>
-              </a:rPr>
-              <a:t> p; </a:t>
-            </a:r>
-          </a:p>
-          <a:p>
-            <a:pPr marL="0" indent="0" defTabSz="685800" eaLnBrk="0" fontAlgn="base" hangingPunct="0">
-              <a:spcBef>
-                <a:spcPct val="0"/>
-              </a:spcBef>
-              <a:spcAft>
-                <a:spcPct val="0"/>
-              </a:spcAft>
-              <a:buClrTx/>
-              <a:buSzTx/>
-              <a:buNone/>
-            </a:pPr>
-            <a:r>
-              <a:rPr lang="nl-BE" sz="1200" dirty="0">
-                <a:solidFill>
-                  <a:schemeClr val="tx1"/>
-                </a:solidFill>
-                <a:latin typeface="Arial Unicode MS" panose="020B0604020202020204" pitchFamily="34" charset="-128"/>
-              </a:rPr>
-              <a:t>		</a:t>
-            </a:r>
-            <a:endParaRPr lang="nl-BE" sz="1200" dirty="0">
-              <a:solidFill>
-                <a:srgbClr val="7030A0"/>
-              </a:solidFill>
-              <a:latin typeface="Arial Unicode MS" panose="020B0604020202020204" pitchFamily="34" charset="-128"/>
-            </a:endParaRPr>
-          </a:p>
-          <a:p>
-            <a:pPr marL="0" indent="0" defTabSz="685800" eaLnBrk="0" fontAlgn="base" hangingPunct="0">
-              <a:spcBef>
-                <a:spcPct val="0"/>
-              </a:spcBef>
-              <a:spcAft>
-                <a:spcPct val="0"/>
-              </a:spcAft>
-              <a:buClrTx/>
-              <a:buSzTx/>
-              <a:buNone/>
-            </a:pPr>
-            <a:r>
-              <a:rPr lang="nl-BE" sz="1200" dirty="0">
-                <a:latin typeface="Arial Unicode MS" panose="020B0604020202020204" pitchFamily="34" charset="-128"/>
-              </a:rPr>
-              <a:t>    </a:t>
-            </a:r>
-            <a:r>
-              <a:rPr lang="nl-BE" sz="1200" dirty="0" err="1">
-                <a:solidFill>
-                  <a:schemeClr val="tx1"/>
-                </a:solidFill>
-                <a:latin typeface="Arial Unicode MS" panose="020B0604020202020204" pitchFamily="34" charset="-128"/>
-              </a:rPr>
-              <a:t>IQueryable</a:t>
-            </a:r>
-            <a:r>
-              <a:rPr lang="nl-BE" sz="1200" dirty="0">
-                <a:solidFill>
-                  <a:schemeClr val="tx1"/>
-                </a:solidFill>
-                <a:latin typeface="Arial Unicode MS" panose="020B0604020202020204" pitchFamily="34" charset="-128"/>
-              </a:rPr>
-              <a:t>&lt;Product&gt; </a:t>
-            </a:r>
-            <a:r>
-              <a:rPr lang="nl-BE" sz="1200" dirty="0" err="1">
-                <a:solidFill>
-                  <a:schemeClr val="tx1"/>
-                </a:solidFill>
-                <a:latin typeface="Arial Unicode MS" panose="020B0604020202020204" pitchFamily="34" charset="-128"/>
-              </a:rPr>
-              <a:t>largeProducts</a:t>
-            </a:r>
-            <a:r>
-              <a:rPr lang="nl-BE" sz="1200" dirty="0">
-                <a:solidFill>
-                  <a:schemeClr val="tx1"/>
-                </a:solidFill>
-                <a:latin typeface="Arial Unicode MS" panose="020B0604020202020204" pitchFamily="34" charset="-128"/>
-              </a:rPr>
-              <a:t> = </a:t>
-            </a:r>
-            <a:r>
-              <a:rPr lang="nl-BE" sz="1200" dirty="0" err="1">
-                <a:solidFill>
-                  <a:schemeClr val="tx1"/>
-                </a:solidFill>
-                <a:latin typeface="Arial Unicode MS" panose="020B0604020202020204" pitchFamily="34" charset="-128"/>
-              </a:rPr>
-              <a:t>productsQuery.Where</a:t>
-            </a:r>
-            <a:r>
-              <a:rPr lang="nl-BE" sz="1200" dirty="0">
-                <a:solidFill>
-                  <a:schemeClr val="tx1"/>
-                </a:solidFill>
-                <a:latin typeface="Arial Unicode MS" panose="020B0604020202020204" pitchFamily="34" charset="-128"/>
-              </a:rPr>
-              <a:t>(p =&gt; </a:t>
-            </a:r>
-            <a:r>
-              <a:rPr lang="nl-BE" sz="1200" dirty="0" err="1">
-                <a:solidFill>
-                  <a:schemeClr val="tx1"/>
-                </a:solidFill>
-                <a:latin typeface="Arial Unicode MS" panose="020B0604020202020204" pitchFamily="34" charset="-128"/>
-              </a:rPr>
-              <a:t>p.Size</a:t>
-            </a:r>
-            <a:r>
-              <a:rPr lang="nl-BE" sz="1200" dirty="0">
-                <a:solidFill>
-                  <a:schemeClr val="tx1"/>
-                </a:solidFill>
-                <a:latin typeface="Arial Unicode MS" panose="020B0604020202020204" pitchFamily="34" charset="-128"/>
-              </a:rPr>
-              <a:t> == </a:t>
-            </a:r>
-            <a:r>
-              <a:rPr lang="nl-BE" sz="1200" dirty="0">
-                <a:solidFill>
-                  <a:srgbClr val="A31515"/>
-                </a:solidFill>
-                <a:latin typeface="Arial Unicode MS" panose="020B0604020202020204" pitchFamily="34" charset="-128"/>
-              </a:rPr>
-              <a:t>"L"</a:t>
-            </a:r>
-            <a:r>
-              <a:rPr lang="nl-BE" sz="1200" dirty="0">
-                <a:solidFill>
-                  <a:schemeClr val="tx1"/>
-                </a:solidFill>
-                <a:latin typeface="Arial Unicode MS" panose="020B0604020202020204" pitchFamily="34" charset="-128"/>
-              </a:rPr>
-              <a:t>); </a:t>
-            </a:r>
-          </a:p>
-          <a:p>
-            <a:pPr marL="0" indent="0" defTabSz="685800" eaLnBrk="0" fontAlgn="base" hangingPunct="0">
-              <a:spcBef>
-                <a:spcPct val="0"/>
-              </a:spcBef>
-              <a:spcAft>
-                <a:spcPct val="0"/>
-              </a:spcAft>
-              <a:buClrTx/>
-              <a:buSzTx/>
-              <a:buNone/>
-            </a:pPr>
-            <a:r>
-              <a:rPr lang="nl-BE" sz="1200" dirty="0">
-                <a:latin typeface="Arial Unicode MS" panose="020B0604020202020204" pitchFamily="34" charset="-128"/>
-              </a:rPr>
-              <a:t>		</a:t>
-            </a:r>
-            <a:endParaRPr lang="nl-BE" sz="1200" dirty="0">
-              <a:solidFill>
-                <a:srgbClr val="7030A0"/>
-              </a:solidFill>
-              <a:latin typeface="Arial Unicode MS" panose="020B0604020202020204" pitchFamily="34" charset="-128"/>
-            </a:endParaRPr>
-          </a:p>
-          <a:p>
-            <a:pPr marL="0" indent="0" defTabSz="685800" eaLnBrk="0" fontAlgn="base" hangingPunct="0">
-              <a:spcBef>
-                <a:spcPct val="0"/>
-              </a:spcBef>
-              <a:spcAft>
-                <a:spcPct val="0"/>
-              </a:spcAft>
-              <a:buClrTx/>
-              <a:buSzTx/>
-              <a:buNone/>
-            </a:pPr>
-            <a:r>
-              <a:rPr lang="nl-BE" sz="1200" dirty="0">
-                <a:solidFill>
-                  <a:schemeClr val="tx1"/>
-                </a:solidFill>
-                <a:latin typeface="Arial Unicode MS" panose="020B0604020202020204" pitchFamily="34" charset="-128"/>
-              </a:rPr>
-              <a:t>    </a:t>
-            </a:r>
-            <a:r>
-              <a:rPr lang="nl-BE" sz="1200" dirty="0" err="1">
-                <a:solidFill>
-                  <a:schemeClr val="tx1"/>
-                </a:solidFill>
-                <a:latin typeface="Arial Unicode MS" panose="020B0604020202020204" pitchFamily="34" charset="-128"/>
-              </a:rPr>
-              <a:t>Console.WriteLine</a:t>
-            </a:r>
-            <a:r>
-              <a:rPr lang="nl-BE" sz="1200" dirty="0">
-                <a:solidFill>
-                  <a:schemeClr val="tx1"/>
-                </a:solidFill>
-                <a:latin typeface="Arial Unicode MS" panose="020B0604020202020204" pitchFamily="34" charset="-128"/>
-              </a:rPr>
-              <a:t>(</a:t>
-            </a:r>
-            <a:r>
-              <a:rPr lang="nl-BE" sz="1200" dirty="0">
-                <a:solidFill>
-                  <a:srgbClr val="A31515"/>
-                </a:solidFill>
-                <a:latin typeface="Arial Unicode MS" panose="020B0604020202020204" pitchFamily="34" charset="-128"/>
-              </a:rPr>
-              <a:t>"</a:t>
-            </a:r>
-            <a:r>
-              <a:rPr lang="nl-BE" sz="1200" dirty="0" err="1">
-                <a:solidFill>
-                  <a:srgbClr val="A31515"/>
-                </a:solidFill>
-                <a:latin typeface="Arial Unicode MS" panose="020B0604020202020204" pitchFamily="34" charset="-128"/>
-              </a:rPr>
-              <a:t>Products</a:t>
-            </a:r>
-            <a:r>
-              <a:rPr lang="nl-BE" sz="1200" dirty="0">
-                <a:solidFill>
-                  <a:srgbClr val="A31515"/>
-                </a:solidFill>
-                <a:latin typeface="Arial Unicode MS" panose="020B0604020202020204" pitchFamily="34" charset="-128"/>
-              </a:rPr>
-              <a:t> of </a:t>
-            </a:r>
-            <a:r>
-              <a:rPr lang="nl-BE" sz="1200" dirty="0" err="1">
-                <a:solidFill>
-                  <a:srgbClr val="A31515"/>
-                </a:solidFill>
-                <a:latin typeface="Arial Unicode MS" panose="020B0604020202020204" pitchFamily="34" charset="-128"/>
-              </a:rPr>
-              <a:t>size</a:t>
-            </a:r>
-            <a:r>
-              <a:rPr lang="nl-BE" sz="1200" dirty="0">
-                <a:solidFill>
-                  <a:srgbClr val="A31515"/>
-                </a:solidFill>
-                <a:latin typeface="Arial Unicode MS" panose="020B0604020202020204" pitchFamily="34" charset="-128"/>
-              </a:rPr>
-              <a:t> 'L':"</a:t>
-            </a:r>
-            <a:r>
-              <a:rPr lang="nl-BE" sz="1200" dirty="0">
-                <a:solidFill>
-                  <a:schemeClr val="tx1"/>
-                </a:solidFill>
-                <a:latin typeface="Arial Unicode MS" panose="020B0604020202020204" pitchFamily="34" charset="-128"/>
-              </a:rPr>
-              <a:t>); </a:t>
-            </a:r>
-          </a:p>
-          <a:p>
-            <a:pPr marL="0" indent="0" defTabSz="685800" eaLnBrk="0" fontAlgn="base" hangingPunct="0">
-              <a:spcBef>
-                <a:spcPct val="0"/>
-              </a:spcBef>
-              <a:spcAft>
-                <a:spcPct val="0"/>
-              </a:spcAft>
-              <a:buClrTx/>
-              <a:buSzTx/>
-              <a:buNone/>
-            </a:pPr>
-            <a:endParaRPr lang="nl-BE" sz="1200" dirty="0">
-              <a:solidFill>
-                <a:schemeClr val="tx1"/>
-              </a:solidFill>
-              <a:latin typeface="Arial Unicode MS" panose="020B0604020202020204" pitchFamily="34" charset="-128"/>
-            </a:endParaRPr>
-          </a:p>
-          <a:p>
-            <a:pPr marL="0" indent="0" defTabSz="685800" eaLnBrk="0" fontAlgn="base" hangingPunct="0">
-              <a:spcBef>
-                <a:spcPct val="0"/>
-              </a:spcBef>
-              <a:spcAft>
-                <a:spcPct val="0"/>
-              </a:spcAft>
-              <a:buClrTx/>
-              <a:buSzTx/>
-              <a:buNone/>
-            </a:pPr>
-            <a:r>
-              <a:rPr lang="nl-BE" sz="1200" dirty="0">
-                <a:latin typeface="Arial Unicode MS" panose="020B0604020202020204" pitchFamily="34" charset="-128"/>
-              </a:rPr>
-              <a:t>    </a:t>
-            </a:r>
-            <a:r>
-              <a:rPr lang="nl-BE" sz="1200" dirty="0" err="1">
-                <a:solidFill>
-                  <a:srgbClr val="0000FF"/>
-                </a:solidFill>
-                <a:latin typeface="Arial Unicode MS" panose="020B0604020202020204" pitchFamily="34" charset="-128"/>
-              </a:rPr>
-              <a:t>foreach</a:t>
-            </a:r>
-            <a:r>
-              <a:rPr lang="nl-BE" sz="1200" dirty="0">
-                <a:solidFill>
-                  <a:schemeClr val="tx1"/>
-                </a:solidFill>
-                <a:latin typeface="Arial Unicode MS" panose="020B0604020202020204" pitchFamily="34" charset="-128"/>
-              </a:rPr>
-              <a:t> (</a:t>
-            </a:r>
-            <a:r>
-              <a:rPr lang="nl-BE" sz="1200" dirty="0">
-                <a:solidFill>
-                  <a:srgbClr val="0000FF"/>
-                </a:solidFill>
-                <a:latin typeface="Arial Unicode MS" panose="020B0604020202020204" pitchFamily="34" charset="-128"/>
+            <a:r>
+              <a:rPr lang="nl-BE" dirty="0"/>
+              <a:t>New features in .Net 3.0:</a:t>
+            </a:r>
+          </a:p>
+          <a:p>
+            <a:pPr lvl="1"/>
+            <a:r>
+              <a:rPr lang="en-US" dirty="0" err="1">
+                <a:hlinkClick r:id="rId2"/>
+              </a:rPr>
+              <a:t>Lamba</a:t>
+            </a:r>
+            <a:r>
+              <a:rPr lang="en-US" dirty="0">
+                <a:hlinkClick r:id="rId2"/>
+              </a:rPr>
+              <a:t> expressions</a:t>
+            </a:r>
+            <a:endParaRPr lang="en-US" dirty="0"/>
+          </a:p>
+          <a:p>
+            <a:pPr lvl="1"/>
+            <a:r>
+              <a:rPr lang="en-US" dirty="0">
+                <a:hlinkClick r:id="rId3"/>
+              </a:rPr>
+              <a:t>Extension methods</a:t>
+            </a:r>
+            <a:endParaRPr lang="en-US" dirty="0"/>
+          </a:p>
+          <a:p>
+            <a:pPr lvl="1"/>
+            <a:r>
+              <a:rPr lang="en-US" dirty="0">
+                <a:hlinkClick r:id="rId4"/>
+              </a:rPr>
+              <a:t>Het yield keyword</a:t>
+            </a:r>
+            <a:endParaRPr lang="en-US" dirty="0"/>
+          </a:p>
+          <a:p>
+            <a:pPr lvl="1"/>
+            <a:r>
+              <a:rPr lang="en-US" dirty="0">
+                <a:hlinkClick r:id="rId5"/>
+              </a:rPr>
+              <a:t>Het </a:t>
+            </a:r>
+            <a:r>
+              <a:rPr lang="en-US" dirty="0" err="1">
+                <a:hlinkClick r:id="rId5"/>
               </a:rPr>
               <a:t>var</a:t>
             </a:r>
             <a:r>
-              <a:rPr lang="nl-BE" sz="1200" dirty="0">
-                <a:solidFill>
-                  <a:schemeClr val="tx1"/>
-                </a:solidFill>
-                <a:latin typeface="Arial Unicode MS" panose="020B0604020202020204" pitchFamily="34" charset="-128"/>
-              </a:rPr>
-              <a:t> product </a:t>
-            </a:r>
-            <a:r>
-              <a:rPr lang="nl-BE" sz="1200" dirty="0">
-                <a:solidFill>
-                  <a:srgbClr val="0000FF"/>
-                </a:solidFill>
-                <a:latin typeface="Arial Unicode MS" panose="020B0604020202020204" pitchFamily="34" charset="-128"/>
-              </a:rPr>
-              <a:t>in</a:t>
-            </a:r>
-            <a:r>
-              <a:rPr lang="nl-BE" sz="1200" dirty="0">
-                <a:solidFill>
-                  <a:schemeClr val="tx1"/>
-                </a:solidFill>
-                <a:latin typeface="Arial Unicode MS" panose="020B0604020202020204" pitchFamily="34" charset="-128"/>
-              </a:rPr>
-              <a:t> </a:t>
-            </a:r>
-            <a:r>
-              <a:rPr lang="nl-BE" sz="1200" dirty="0" err="1">
-                <a:solidFill>
-                  <a:schemeClr val="tx1"/>
-                </a:solidFill>
-                <a:latin typeface="Arial Unicode MS" panose="020B0604020202020204" pitchFamily="34" charset="-128"/>
-              </a:rPr>
-              <a:t>largeProducts</a:t>
-            </a:r>
-            <a:r>
-              <a:rPr lang="nl-BE" sz="1200" dirty="0">
-                <a:solidFill>
-                  <a:schemeClr val="tx1"/>
-                </a:solidFill>
-                <a:latin typeface="Arial Unicode MS" panose="020B0604020202020204" pitchFamily="34" charset="-128"/>
-              </a:rPr>
-              <a:t>)</a:t>
-            </a:r>
-          </a:p>
-          <a:p>
-            <a:pPr marL="0" indent="0" defTabSz="685800" eaLnBrk="0" fontAlgn="base" hangingPunct="0">
-              <a:spcBef>
-                <a:spcPct val="0"/>
-              </a:spcBef>
-              <a:spcAft>
-                <a:spcPct val="0"/>
-              </a:spcAft>
-              <a:buClrTx/>
-              <a:buSzTx/>
-              <a:buNone/>
-            </a:pPr>
-            <a:r>
-              <a:rPr lang="nl-BE" sz="1200" dirty="0">
-                <a:latin typeface="Arial Unicode MS" panose="020B0604020202020204" pitchFamily="34" charset="-128"/>
-              </a:rPr>
-              <a:t>    </a:t>
-            </a:r>
-            <a:r>
-              <a:rPr lang="nl-BE" sz="1200" dirty="0">
-                <a:solidFill>
-                  <a:schemeClr val="tx1"/>
-                </a:solidFill>
-                <a:latin typeface="Arial Unicode MS" panose="020B0604020202020204" pitchFamily="34" charset="-128"/>
-              </a:rPr>
-              <a:t>{ </a:t>
-            </a:r>
-          </a:p>
-          <a:p>
-            <a:pPr marL="0" indent="0" defTabSz="685800" eaLnBrk="0" fontAlgn="base" hangingPunct="0">
-              <a:spcBef>
-                <a:spcPct val="0"/>
-              </a:spcBef>
-              <a:spcAft>
-                <a:spcPct val="0"/>
-              </a:spcAft>
-              <a:buClrTx/>
-              <a:buSzTx/>
-              <a:buNone/>
-            </a:pPr>
-            <a:r>
-              <a:rPr lang="nl-BE" sz="1200" dirty="0">
-                <a:latin typeface="Arial Unicode MS" panose="020B0604020202020204" pitchFamily="34" charset="-128"/>
-              </a:rPr>
-              <a:t>        </a:t>
-            </a:r>
-            <a:r>
-              <a:rPr lang="nl-BE" sz="1200" dirty="0" err="1">
-                <a:solidFill>
-                  <a:schemeClr val="tx1"/>
-                </a:solidFill>
-                <a:latin typeface="Arial Unicode MS" panose="020B0604020202020204" pitchFamily="34" charset="-128"/>
-              </a:rPr>
-              <a:t>Console.WriteLine</a:t>
-            </a:r>
-            <a:r>
-              <a:rPr lang="nl-BE" sz="1200" dirty="0">
-                <a:solidFill>
-                  <a:schemeClr val="tx1"/>
-                </a:solidFill>
-                <a:latin typeface="Arial Unicode MS" panose="020B0604020202020204" pitchFamily="34" charset="-128"/>
-              </a:rPr>
-              <a:t>(</a:t>
-            </a:r>
-            <a:r>
-              <a:rPr lang="nl-BE" sz="1200" dirty="0" err="1">
-                <a:solidFill>
-                  <a:schemeClr val="tx1"/>
-                </a:solidFill>
-                <a:latin typeface="Arial Unicode MS" panose="020B0604020202020204" pitchFamily="34" charset="-128"/>
-              </a:rPr>
-              <a:t>product.Name</a:t>
-            </a:r>
-            <a:r>
-              <a:rPr lang="nl-BE" sz="1200" dirty="0">
-                <a:solidFill>
-                  <a:schemeClr val="tx1"/>
-                </a:solidFill>
-                <a:latin typeface="Arial Unicode MS" panose="020B0604020202020204" pitchFamily="34" charset="-128"/>
-              </a:rPr>
-              <a:t>); </a:t>
-            </a:r>
-          </a:p>
-          <a:p>
-            <a:pPr marL="0" indent="0" defTabSz="685800" eaLnBrk="0" fontAlgn="base" hangingPunct="0">
-              <a:spcBef>
-                <a:spcPct val="0"/>
-              </a:spcBef>
-              <a:spcAft>
-                <a:spcPct val="0"/>
-              </a:spcAft>
-              <a:buClrTx/>
-              <a:buSzTx/>
-              <a:buNone/>
-            </a:pPr>
-            <a:r>
-              <a:rPr lang="nl-BE" sz="1200" dirty="0">
-                <a:latin typeface="Arial Unicode MS" panose="020B0604020202020204" pitchFamily="34" charset="-128"/>
-              </a:rPr>
-              <a:t>    </a:t>
-            </a:r>
-            <a:r>
-              <a:rPr lang="nl-BE" sz="1200" dirty="0">
-                <a:solidFill>
-                  <a:schemeClr val="tx1"/>
-                </a:solidFill>
-                <a:latin typeface="Arial Unicode MS" panose="020B0604020202020204" pitchFamily="34" charset="-128"/>
-              </a:rPr>
-              <a:t>} </a:t>
-            </a:r>
-          </a:p>
-          <a:p>
-            <a:pPr marL="0" indent="0" defTabSz="685800" eaLnBrk="0" fontAlgn="base" hangingPunct="0">
-              <a:spcBef>
-                <a:spcPct val="0"/>
-              </a:spcBef>
-              <a:spcAft>
-                <a:spcPct val="0"/>
-              </a:spcAft>
-              <a:buClrTx/>
-              <a:buSzTx/>
-              <a:buNone/>
-            </a:pPr>
-            <a:r>
-              <a:rPr lang="nl-BE" sz="1200" dirty="0">
-                <a:solidFill>
-                  <a:schemeClr val="tx1"/>
-                </a:solidFill>
-                <a:latin typeface="Arial Unicode MS" panose="020B0604020202020204" pitchFamily="34" charset="-128"/>
-              </a:rPr>
-              <a:t>}</a:t>
-            </a:r>
-            <a:r>
-              <a:rPr lang="nl-BE" sz="1200" dirty="0">
-                <a:solidFill>
-                  <a:schemeClr val="tx1"/>
-                </a:solidFill>
-              </a:rPr>
-              <a:t> </a:t>
-            </a:r>
-            <a:endParaRPr lang="nl-BE" sz="1200" dirty="0">
-              <a:solidFill>
-                <a:schemeClr val="tx1"/>
-              </a:solidFill>
-              <a:latin typeface="Arial" panose="020B0604020202020204" pitchFamily="34" charset="0"/>
-            </a:endParaRPr>
+              <a:rPr lang="en-US" dirty="0">
+                <a:hlinkClick r:id="rId5"/>
+              </a:rPr>
+              <a:t> keyword</a:t>
+            </a:r>
+            <a:endParaRPr lang="en-US" dirty="0"/>
+          </a:p>
+          <a:p>
+            <a:pPr lvl="1"/>
+            <a:r>
+              <a:rPr lang="en-US" dirty="0">
+                <a:hlinkClick r:id="rId6"/>
+              </a:rPr>
+              <a:t>Object &amp; Collection initializers</a:t>
+            </a:r>
+            <a:endParaRPr lang="en-US" dirty="0"/>
+          </a:p>
+          <a:p>
+            <a:r>
+              <a:rPr lang="en-US" dirty="0"/>
+              <a:t>In </a:t>
+            </a:r>
+            <a:r>
+              <a:rPr lang="en-US" dirty="0" err="1"/>
+              <a:t>.Net</a:t>
+            </a:r>
+            <a:r>
+              <a:rPr lang="en-US" dirty="0"/>
+              <a:t> 3.5 </a:t>
+            </a:r>
+            <a:r>
+              <a:rPr lang="en-US" dirty="0">
+                <a:sym typeface="Wingdings" panose="05000000000000000000" pitchFamily="2" charset="2"/>
+              </a:rPr>
+              <a:t> LINQ is introduced</a:t>
+            </a:r>
+            <a:endParaRPr lang="nl-BE" dirty="0"/>
           </a:p>
         </p:txBody>
       </p:sp>
     </p:spTree>
     <p:extLst>
       <p:ext uri="{BB962C8B-B14F-4D97-AF65-F5344CB8AC3E}">
-        <p14:creationId xmlns:p14="http://schemas.microsoft.com/office/powerpoint/2010/main" val="1484344036"/>
+        <p14:creationId xmlns:p14="http://schemas.microsoft.com/office/powerpoint/2010/main" val="2831140032"/>
       </p:ext>
     </p:extLst>
   </p:cSld>
@@ -8206,15 +7415,12 @@
               </a:rPr>
               <a:t>		</a:t>
             </a:r>
-            <a:r>
-              <a:rPr lang="nl-BE" sz="1200" dirty="0">
-                <a:solidFill>
-                  <a:srgbClr val="7030A0"/>
-                </a:solidFill>
-                <a:latin typeface="Arial Unicode MS" panose="020B0604020202020204" pitchFamily="34" charset="-128"/>
-              </a:rPr>
-              <a:t>(hier wordt nog niets uitgevoerd)</a:t>
-            </a:r>
+            <a:endParaRPr lang="nl-BE" sz="1200" dirty="0">
+              <a:solidFill>
+                <a:srgbClr val="7030A0"/>
+              </a:solidFill>
+              <a:latin typeface="Arial Unicode MS" panose="020B0604020202020204" pitchFamily="34" charset="-128"/>
+            </a:endParaRPr>
           </a:p>
           <a:p>
             <a:pPr marL="0" indent="0" defTabSz="685800" eaLnBrk="0" fontAlgn="base" hangingPunct="0">
@@ -8343,15 +7549,12 @@
               </a:rPr>
               <a:t>		</a:t>
             </a:r>
-            <a:r>
-              <a:rPr lang="nl-BE" sz="1200" dirty="0">
-                <a:solidFill>
-                  <a:srgbClr val="7030A0"/>
-                </a:solidFill>
-                <a:latin typeface="Arial Unicode MS" panose="020B0604020202020204" pitchFamily="34" charset="-128"/>
-              </a:rPr>
-              <a:t>(hier ook nog niet)</a:t>
-            </a:r>
+            <a:endParaRPr lang="nl-BE" sz="1200" dirty="0">
+              <a:solidFill>
+                <a:srgbClr val="7030A0"/>
+              </a:solidFill>
+              <a:latin typeface="Arial Unicode MS" panose="020B0604020202020204" pitchFamily="34" charset="-128"/>
+            </a:endParaRPr>
           </a:p>
           <a:p>
             <a:pPr marL="0" indent="0" defTabSz="685800" eaLnBrk="0" fontAlgn="base" hangingPunct="0">
@@ -8554,24 +7757,8 @@
                 </a:solidFill>
                 <a:latin typeface="Arial Unicode MS" panose="020B0604020202020204" pitchFamily="34" charset="-128"/>
               </a:rPr>
-              <a:t>)  </a:t>
-            </a:r>
-            <a:r>
-              <a:rPr lang="nl-BE" sz="1200" dirty="0">
-                <a:solidFill>
-                  <a:srgbClr val="7030A0"/>
-                </a:solidFill>
-                <a:latin typeface="Arial Unicode MS" panose="020B0604020202020204" pitchFamily="34" charset="-128"/>
-                <a:sym typeface="Wingdings" panose="05000000000000000000" pitchFamily="2" charset="2"/>
-              </a:rPr>
-              <a:t> De query begint hier uit te voeren</a:t>
-            </a:r>
-            <a:endParaRPr lang="nl-BE" sz="1200" dirty="0">
-              <a:solidFill>
-                <a:schemeClr val="tx1"/>
-              </a:solidFill>
-              <a:latin typeface="Arial Unicode MS" panose="020B0604020202020204" pitchFamily="34" charset="-128"/>
-            </a:endParaRPr>
+              <a:t>)</a:t>
+            </a:r>
           </a:p>
           <a:p>
             <a:pPr marL="0" indent="0" defTabSz="685800" eaLnBrk="0" fontAlgn="base" hangingPunct="0">
@@ -8725,7 +7912,7 @@
     </p:spTree>
     <p:extLst>
       <p:ext uri="{BB962C8B-B14F-4D97-AF65-F5344CB8AC3E}">
-        <p14:creationId xmlns:p14="http://schemas.microsoft.com/office/powerpoint/2010/main" val="4225684319"/>
+        <p14:creationId xmlns:p14="http://schemas.microsoft.com/office/powerpoint/2010/main" val="1484344036"/>
       </p:ext>
     </p:extLst>
   </p:cSld>
@@ -8773,7 +7960,7 @@
             </a:r>
             <a:r>
               <a:rPr lang="nl-BE" dirty="0" err="1"/>
-              <a:t>Immediate</a:t>
+              <a:t>Deferred</a:t>
             </a:r>
             <a:r>
               <a:rPr lang="nl-BE" dirty="0"/>
@@ -8799,8 +7986,8 @@
         </p:nvSpPr>
         <p:spPr bwMode="auto">
           <a:xfrm>
-            <a:off x="1485900" y="1988625"/>
-            <a:ext cx="5111015" cy="3023905"/>
+            <a:off x="1485900" y="2265624"/>
+            <a:ext cx="5864426" cy="2469907"/>
           </a:xfrm>
           <a:prstGeom prst="rect">
             <a:avLst/>
@@ -8979,7 +8166,7 @@
                 </a:solidFill>
                 <a:latin typeface="Arial Unicode MS" panose="020B0604020202020204" pitchFamily="34" charset="-128"/>
               </a:rPr>
-              <a:t>ObjectSet</a:t>
+              <a:t>IQueryable</a:t>
             </a:r>
             <a:r>
               <a:rPr lang="nl-BE" sz="1200" dirty="0">
@@ -8997,7 +8184,7 @@
                 </a:solidFill>
                 <a:latin typeface="Arial Unicode MS" panose="020B0604020202020204" pitchFamily="34" charset="-128"/>
               </a:rPr>
-              <a:t>products</a:t>
+              <a:t>productsQuery</a:t>
             </a:r>
             <a:r>
               <a:rPr lang="nl-BE" sz="1200" dirty="0">
@@ -9011,6 +8198,42 @@
             <a:r>
               <a:rPr lang="nl-BE" sz="1200" dirty="0" err="1">
                 <a:solidFill>
+                  <a:srgbClr val="0000FF"/>
+                </a:solidFill>
+                <a:latin typeface="Arial Unicode MS" panose="020B0604020202020204" pitchFamily="34" charset="-128"/>
+              </a:rPr>
+              <a:t>from</a:t>
+            </a:r>
+            <a:r>
+              <a:rPr lang="nl-BE" sz="1200" dirty="0">
+                <a:solidFill>
+                  <a:schemeClr val="tx1"/>
+                </a:solidFill>
+                <a:latin typeface="Arial Unicode MS" panose="020B0604020202020204" pitchFamily="34" charset="-128"/>
+              </a:rPr>
+              <a:t> p </a:t>
+            </a:r>
+            <a:r>
+              <a:rPr lang="nl-BE" sz="1200" dirty="0">
+                <a:solidFill>
+                  <a:srgbClr val="0000FF"/>
+                </a:solidFill>
+                <a:latin typeface="Arial Unicode MS" panose="020B0604020202020204" pitchFamily="34" charset="-128"/>
+              </a:rPr>
+              <a:t>in</a:t>
+            </a:r>
+            <a:r>
+              <a:rPr lang="nl-BE" sz="1200" dirty="0">
+                <a:solidFill>
+                  <a:schemeClr val="tx1"/>
+                </a:solidFill>
+                <a:latin typeface="Arial Unicode MS" panose="020B0604020202020204" pitchFamily="34" charset="-128"/>
+              </a:rPr>
+              <a:t> </a:t>
+            </a:r>
+            <a:r>
+              <a:rPr lang="nl-BE" sz="1200" dirty="0" err="1">
+                <a:solidFill>
                   <a:schemeClr val="tx1"/>
                 </a:solidFill>
                 <a:latin typeface="Arial Unicode MS" panose="020B0604020202020204" pitchFamily="34" charset="-128"/>
@@ -9024,7 +8247,287 @@
                 </a:solidFill>
                 <a:latin typeface="Arial Unicode MS" panose="020B0604020202020204" pitchFamily="34" charset="-128"/>
               </a:rPr>
-              <a:t>; </a:t>
+              <a:t> </a:t>
+            </a:r>
+            <a:r>
+              <a:rPr lang="nl-BE" sz="1200" dirty="0">
+                <a:solidFill>
+                  <a:srgbClr val="0000FF"/>
+                </a:solidFill>
+                <a:latin typeface="Arial Unicode MS" panose="020B0604020202020204" pitchFamily="34" charset="-128"/>
+              </a:rPr>
+              <a:t>select</a:t>
+            </a:r>
+            <a:r>
+              <a:rPr lang="nl-BE" sz="1200" dirty="0">
+                <a:solidFill>
+                  <a:schemeClr val="tx1"/>
+                </a:solidFill>
+                <a:latin typeface="Arial Unicode MS" panose="020B0604020202020204" pitchFamily="34" charset="-128"/>
+              </a:rPr>
+              <a:t> p; </a:t>
+            </a:r>
+          </a:p>
+          <a:p>
+            <a:pPr marL="0" indent="0" defTabSz="685800" eaLnBrk="0" fontAlgn="base" hangingPunct="0">
+              <a:spcBef>
+                <a:spcPct val="0"/>
+              </a:spcBef>
+              <a:spcAft>
+                <a:spcPct val="0"/>
+              </a:spcAft>
+              <a:buClrTx/>
+              <a:buSzTx/>
+              <a:buNone/>
+            </a:pPr>
+            <a:r>
+              <a:rPr lang="nl-BE" sz="1200" dirty="0">
+                <a:solidFill>
+                  <a:schemeClr val="tx1"/>
+                </a:solidFill>
+                <a:latin typeface="Arial Unicode MS" panose="020B0604020202020204" pitchFamily="34" charset="-128"/>
+              </a:rPr>
+              <a:t>		</a:t>
+            </a:r>
+            <a:r>
+              <a:rPr lang="nl-BE" sz="1200" dirty="0">
+                <a:solidFill>
+                  <a:srgbClr val="7030A0"/>
+                </a:solidFill>
+                <a:latin typeface="Arial Unicode MS" panose="020B0604020202020204" pitchFamily="34" charset="-128"/>
+              </a:rPr>
+              <a:t>(hier wordt nog niets uitgevoerd)</a:t>
+            </a:r>
+          </a:p>
+          <a:p>
+            <a:pPr marL="0" indent="0" defTabSz="685800" eaLnBrk="0" fontAlgn="base" hangingPunct="0">
+              <a:spcBef>
+                <a:spcPct val="0"/>
+              </a:spcBef>
+              <a:spcAft>
+                <a:spcPct val="0"/>
+              </a:spcAft>
+              <a:buClrTx/>
+              <a:buSzTx/>
+              <a:buNone/>
+            </a:pPr>
+            <a:r>
+              <a:rPr lang="nl-BE" sz="1200" dirty="0">
+                <a:latin typeface="Arial Unicode MS" panose="020B0604020202020204" pitchFamily="34" charset="-128"/>
+              </a:rPr>
+              <a:t>    </a:t>
+            </a:r>
+            <a:r>
+              <a:rPr lang="nl-BE" sz="1200" dirty="0" err="1">
+                <a:solidFill>
+                  <a:schemeClr val="tx1"/>
+                </a:solidFill>
+                <a:latin typeface="Arial Unicode MS" panose="020B0604020202020204" pitchFamily="34" charset="-128"/>
+              </a:rPr>
+              <a:t>IQueryable</a:t>
+            </a:r>
+            <a:r>
+              <a:rPr lang="nl-BE" sz="1200" dirty="0">
+                <a:solidFill>
+                  <a:schemeClr val="tx1"/>
+                </a:solidFill>
+                <a:latin typeface="Arial Unicode MS" panose="020B0604020202020204" pitchFamily="34" charset="-128"/>
+              </a:rPr>
+              <a:t>&lt;Product&gt; </a:t>
+            </a:r>
+            <a:r>
+              <a:rPr lang="nl-BE" sz="1200" dirty="0" err="1">
+                <a:solidFill>
+                  <a:schemeClr val="tx1"/>
+                </a:solidFill>
+                <a:latin typeface="Arial Unicode MS" panose="020B0604020202020204" pitchFamily="34" charset="-128"/>
+              </a:rPr>
+              <a:t>largeProducts</a:t>
+            </a:r>
+            <a:r>
+              <a:rPr lang="nl-BE" sz="1200" dirty="0">
+                <a:solidFill>
+                  <a:schemeClr val="tx1"/>
+                </a:solidFill>
+                <a:latin typeface="Arial Unicode MS" panose="020B0604020202020204" pitchFamily="34" charset="-128"/>
+              </a:rPr>
+              <a:t> = </a:t>
+            </a:r>
+            <a:r>
+              <a:rPr lang="nl-BE" sz="1200" dirty="0" err="1">
+                <a:solidFill>
+                  <a:schemeClr val="tx1"/>
+                </a:solidFill>
+                <a:latin typeface="Arial Unicode MS" panose="020B0604020202020204" pitchFamily="34" charset="-128"/>
+              </a:rPr>
+              <a:t>productsQuery.Where</a:t>
+            </a:r>
+            <a:r>
+              <a:rPr lang="nl-BE" sz="1200" dirty="0">
+                <a:solidFill>
+                  <a:schemeClr val="tx1"/>
+                </a:solidFill>
+                <a:latin typeface="Arial Unicode MS" panose="020B0604020202020204" pitchFamily="34" charset="-128"/>
+              </a:rPr>
+              <a:t>(p =&gt; </a:t>
+            </a:r>
+            <a:r>
+              <a:rPr lang="nl-BE" sz="1200" dirty="0" err="1">
+                <a:solidFill>
+                  <a:schemeClr val="tx1"/>
+                </a:solidFill>
+                <a:latin typeface="Arial Unicode MS" panose="020B0604020202020204" pitchFamily="34" charset="-128"/>
+              </a:rPr>
+              <a:t>p.Size</a:t>
+            </a:r>
+            <a:r>
+              <a:rPr lang="nl-BE" sz="1200" dirty="0">
+                <a:solidFill>
+                  <a:schemeClr val="tx1"/>
+                </a:solidFill>
+                <a:latin typeface="Arial Unicode MS" panose="020B0604020202020204" pitchFamily="34" charset="-128"/>
+              </a:rPr>
+              <a:t> == </a:t>
+            </a:r>
+            <a:r>
+              <a:rPr lang="nl-BE" sz="1200" dirty="0">
+                <a:solidFill>
+                  <a:srgbClr val="A31515"/>
+                </a:solidFill>
+                <a:latin typeface="Arial Unicode MS" panose="020B0604020202020204" pitchFamily="34" charset="-128"/>
+              </a:rPr>
+              <a:t>"L"</a:t>
+            </a:r>
+            <a:r>
+              <a:rPr lang="nl-BE" sz="1200" dirty="0">
+                <a:solidFill>
+                  <a:schemeClr val="tx1"/>
+                </a:solidFill>
+                <a:latin typeface="Arial Unicode MS" panose="020B0604020202020204" pitchFamily="34" charset="-128"/>
+              </a:rPr>
+              <a:t>); </a:t>
+            </a:r>
+          </a:p>
+          <a:p>
+            <a:pPr marL="0" indent="0" defTabSz="685800" eaLnBrk="0" fontAlgn="base" hangingPunct="0">
+              <a:spcBef>
+                <a:spcPct val="0"/>
+              </a:spcBef>
+              <a:spcAft>
+                <a:spcPct val="0"/>
+              </a:spcAft>
+              <a:buClrTx/>
+              <a:buSzTx/>
+              <a:buNone/>
+            </a:pPr>
+            <a:r>
+              <a:rPr lang="nl-BE" sz="1200" dirty="0">
+                <a:latin typeface="Arial Unicode MS" panose="020B0604020202020204" pitchFamily="34" charset="-128"/>
+              </a:rPr>
+              <a:t>		</a:t>
+            </a:r>
+            <a:r>
+              <a:rPr lang="nl-BE" sz="1200" dirty="0">
+                <a:solidFill>
+                  <a:srgbClr val="7030A0"/>
+                </a:solidFill>
+                <a:latin typeface="Arial Unicode MS" panose="020B0604020202020204" pitchFamily="34" charset="-128"/>
+              </a:rPr>
+              <a:t>(hier ook nog niet)</a:t>
+            </a:r>
+          </a:p>
+          <a:p>
+            <a:pPr marL="0" indent="0" defTabSz="685800" eaLnBrk="0" fontAlgn="base" hangingPunct="0">
+              <a:spcBef>
+                <a:spcPct val="0"/>
+              </a:spcBef>
+              <a:spcAft>
+                <a:spcPct val="0"/>
+              </a:spcAft>
+              <a:buClrTx/>
+              <a:buSzTx/>
+              <a:buNone/>
+            </a:pPr>
+            <a:r>
+              <a:rPr lang="nl-BE" sz="1200" dirty="0">
+                <a:solidFill>
+                  <a:schemeClr val="tx1"/>
+                </a:solidFill>
+                <a:latin typeface="Arial Unicode MS" panose="020B0604020202020204" pitchFamily="34" charset="-128"/>
+              </a:rPr>
+              <a:t>    </a:t>
+            </a:r>
+            <a:r>
+              <a:rPr lang="nl-BE" sz="1200" dirty="0" err="1">
+                <a:solidFill>
+                  <a:schemeClr val="tx1"/>
+                </a:solidFill>
+                <a:latin typeface="Arial Unicode MS" panose="020B0604020202020204" pitchFamily="34" charset="-128"/>
+              </a:rPr>
+              <a:t>Console.WriteLine</a:t>
+            </a:r>
+            <a:r>
+              <a:rPr lang="nl-BE" sz="1200" dirty="0">
+                <a:solidFill>
+                  <a:schemeClr val="tx1"/>
+                </a:solidFill>
+                <a:latin typeface="Arial Unicode MS" panose="020B0604020202020204" pitchFamily="34" charset="-128"/>
+              </a:rPr>
+              <a:t>(</a:t>
+            </a:r>
+            <a:r>
+              <a:rPr lang="nl-BE" sz="1200" dirty="0">
+                <a:solidFill>
+                  <a:srgbClr val="A31515"/>
+                </a:solidFill>
+                <a:latin typeface="Arial Unicode MS" panose="020B0604020202020204" pitchFamily="34" charset="-128"/>
+              </a:rPr>
+              <a:t>"</a:t>
+            </a:r>
+            <a:r>
+              <a:rPr lang="nl-BE" sz="1200" dirty="0" err="1">
+                <a:solidFill>
+                  <a:srgbClr val="A31515"/>
+                </a:solidFill>
+                <a:latin typeface="Arial Unicode MS" panose="020B0604020202020204" pitchFamily="34" charset="-128"/>
+              </a:rPr>
+              <a:t>Products</a:t>
+            </a:r>
+            <a:r>
+              <a:rPr lang="nl-BE" sz="1200" dirty="0">
+                <a:solidFill>
+                  <a:srgbClr val="A31515"/>
+                </a:solidFill>
+                <a:latin typeface="Arial Unicode MS" panose="020B0604020202020204" pitchFamily="34" charset="-128"/>
+              </a:rPr>
+              <a:t> of </a:t>
+            </a:r>
+            <a:r>
+              <a:rPr lang="nl-BE" sz="1200" dirty="0" err="1">
+                <a:solidFill>
+                  <a:srgbClr val="A31515"/>
+                </a:solidFill>
+                <a:latin typeface="Arial Unicode MS" panose="020B0604020202020204" pitchFamily="34" charset="-128"/>
+              </a:rPr>
+              <a:t>size</a:t>
+            </a:r>
+            <a:r>
+              <a:rPr lang="nl-BE" sz="1200" dirty="0">
+                <a:solidFill>
+                  <a:srgbClr val="A31515"/>
+                </a:solidFill>
+                <a:latin typeface="Arial Unicode MS" panose="020B0604020202020204" pitchFamily="34" charset="-128"/>
+              </a:rPr>
+              <a:t> 'L':"</a:t>
+            </a:r>
+            <a:r>
+              <a:rPr lang="nl-BE" sz="1200" dirty="0">
+                <a:solidFill>
+                  <a:schemeClr val="tx1"/>
+                </a:solidFill>
+                <a:latin typeface="Arial Unicode MS" panose="020B0604020202020204" pitchFamily="34" charset="-128"/>
+              </a:rPr>
+              <a:t>); </a:t>
             </a:r>
           </a:p>
           <a:p>
@@ -9065,32 +8568,93 @@
               <a:t>    </a:t>
             </a:r>
             <a:r>
-              <a:rPr lang="nl-BE" sz="1200" dirty="0">
-                <a:solidFill>
-                  <a:schemeClr val="tx1"/>
-                </a:solidFill>
-                <a:latin typeface="Arial Unicode MS" panose="020B0604020202020204" pitchFamily="34" charset="-128"/>
-              </a:rPr>
-              <a:t>Product[] </a:t>
-            </a:r>
-            <a:r>
               <a:rPr lang="nl-BE" sz="1200" dirty="0" err="1">
                 <a:solidFill>
-                  <a:schemeClr val="tx1"/>
-                </a:solidFill>
-                <a:latin typeface="Arial Unicode MS" panose="020B0604020202020204" pitchFamily="34" charset="-128"/>
-              </a:rPr>
-              <a:t>prodArray</a:t>
-            </a:r>
-            <a:r>
-              <a:rPr lang="nl-BE" sz="1200" dirty="0">
-                <a:solidFill>
-                  <a:schemeClr val="tx1"/>
-                </a:solidFill>
-                <a:latin typeface="Arial Unicode MS" panose="020B0604020202020204" pitchFamily="34" charset="-128"/>
-              </a:rPr>
-              <a:t> = ( </a:t>
-            </a:r>
+                  <a:srgbClr val="0000FF"/>
+                </a:solidFill>
+                <a:latin typeface="Arial Unicode MS" panose="020B0604020202020204" pitchFamily="34" charset="-128"/>
+              </a:rPr>
+              <a:t>foreach</a:t>
+            </a:r>
+            <a:r>
+              <a:rPr lang="nl-BE" sz="1200" dirty="0">
+                <a:solidFill>
+                  <a:schemeClr val="tx1"/>
+                </a:solidFill>
+                <a:latin typeface="Arial Unicode MS" panose="020B0604020202020204" pitchFamily="34" charset="-128"/>
+              </a:rPr>
+              <a:t> (</a:t>
+            </a:r>
+            <a:r>
+              <a:rPr lang="nl-BE" sz="1200" dirty="0">
+                <a:solidFill>
+                  <a:srgbClr val="0000FF"/>
+                </a:solidFill>
+                <a:latin typeface="Arial Unicode MS" panose="020B0604020202020204" pitchFamily="34" charset="-128"/>
+              </a:rPr>
+              <a:t>var</a:t>
+            </a:r>
+            <a:r>
+              <a:rPr lang="nl-BE" sz="1200" dirty="0">
+                <a:solidFill>
+                  <a:schemeClr val="tx1"/>
+                </a:solidFill>
+                <a:latin typeface="Arial Unicode MS" panose="020B0604020202020204" pitchFamily="34" charset="-128"/>
+              </a:rPr>
+              <a:t> product </a:t>
+            </a:r>
+            <a:r>
+              <a:rPr lang="nl-BE" sz="1200" dirty="0">
+                <a:solidFill>
+                  <a:srgbClr val="0000FF"/>
+                </a:solidFill>
+                <a:latin typeface="Arial Unicode MS" panose="020B0604020202020204" pitchFamily="34" charset="-128"/>
+              </a:rPr>
+              <a:t>in</a:t>
+            </a:r>
+            <a:r>
+              <a:rPr lang="nl-BE" sz="1200" dirty="0">
+                <a:solidFill>
+                  <a:schemeClr val="tx1"/>
+                </a:solidFill>
+                <a:latin typeface="Arial Unicode MS" panose="020B0604020202020204" pitchFamily="34" charset="-128"/>
+              </a:rPr>
+              <a:t> </a:t>
+            </a:r>
+            <a:r>
+              <a:rPr lang="nl-BE" sz="1200" dirty="0" err="1">
+                <a:solidFill>
+                  <a:schemeClr val="tx1"/>
+                </a:solidFill>
+                <a:latin typeface="Arial Unicode MS" panose="020B0604020202020204" pitchFamily="34" charset="-128"/>
+              </a:rPr>
+              <a:t>largeProducts</a:t>
+            </a:r>
+            <a:r>
+              <a:rPr lang="nl-BE" sz="1200" dirty="0">
+                <a:solidFill>
+                  <a:schemeClr val="tx1"/>
+                </a:solidFill>
+                <a:latin typeface="Arial Unicode MS" panose="020B0604020202020204" pitchFamily="34" charset="-128"/>
+              </a:rPr>
+              <a:t>)  </a:t>
+            </a:r>
+            <a:r>
+              <a:rPr lang="nl-BE" sz="1200" dirty="0">
+                <a:solidFill>
+                  <a:srgbClr val="7030A0"/>
+                </a:solidFill>
+                <a:latin typeface="Arial Unicode MS" panose="020B0604020202020204" pitchFamily="34" charset="-128"/>
+                <a:sym typeface="Wingdings" panose="05000000000000000000" pitchFamily="2" charset="2"/>
+              </a:rPr>
+              <a:t> De query begint hier uit te voeren</a:t>
+            </a:r>
+            <a:endParaRPr lang="nl-BE" sz="1200" dirty="0">
+              <a:solidFill>
+                <a:schemeClr val="tx1"/>
+              </a:solidFill>
+              <a:latin typeface="Arial Unicode MS" panose="020B0604020202020204" pitchFamily="34" charset="-128"/>
+            </a:endParaRPr>
           </a:p>
           <a:p>
             <a:pPr marL="0" indent="0" defTabSz="685800" eaLnBrk="0" fontAlgn="base" hangingPunct="0">
@@ -9108,61 +8672,16 @@
               <a:rPr lang="nl-BE" sz="1200" dirty="0">
                 <a:latin typeface="Arial Unicode MS" panose="020B0604020202020204" pitchFamily="34" charset="-128"/>
               </a:rPr>
-              <a:t>        </a:t>
-            </a:r>
-            <a:r>
-              <a:rPr lang="nl-BE" sz="1200" dirty="0" err="1">
-                <a:solidFill>
-                  <a:srgbClr val="0000FF"/>
-                </a:solidFill>
-                <a:latin typeface="Arial Unicode MS" panose="020B0604020202020204" pitchFamily="34" charset="-128"/>
-              </a:rPr>
-              <a:t>from</a:t>
-            </a:r>
-            <a:r>
-              <a:rPr lang="nl-BE" sz="1200" dirty="0">
-                <a:solidFill>
-                  <a:schemeClr val="tx1"/>
-                </a:solidFill>
-                <a:latin typeface="Arial Unicode MS" panose="020B0604020202020204" pitchFamily="34" charset="-128"/>
-              </a:rPr>
-              <a:t> product </a:t>
-            </a:r>
-            <a:r>
-              <a:rPr lang="nl-BE" sz="1200" dirty="0">
-                <a:solidFill>
-                  <a:srgbClr val="0000FF"/>
-                </a:solidFill>
-                <a:latin typeface="Arial Unicode MS" panose="020B0604020202020204" pitchFamily="34" charset="-128"/>
-              </a:rPr>
-              <a:t>in</a:t>
-            </a:r>
-            <a:r>
-              <a:rPr lang="nl-BE" sz="1200" dirty="0">
-                <a:solidFill>
-                  <a:schemeClr val="tx1"/>
-                </a:solidFill>
-                <a:latin typeface="Arial Unicode MS" panose="020B0604020202020204" pitchFamily="34" charset="-128"/>
-              </a:rPr>
-              <a:t> </a:t>
-            </a:r>
-            <a:r>
-              <a:rPr lang="nl-BE" sz="1200" dirty="0" err="1">
-                <a:solidFill>
-                  <a:schemeClr val="tx1"/>
-                </a:solidFill>
-                <a:latin typeface="Arial Unicode MS" panose="020B0604020202020204" pitchFamily="34" charset="-128"/>
-              </a:rPr>
-              <a:t>products</a:t>
-            </a:r>
-            <a:r>
-              <a:rPr lang="nl-BE" sz="1200" dirty="0">
-                <a:solidFill>
-                  <a:schemeClr val="tx1"/>
-                </a:solidFill>
-                <a:latin typeface="Arial Unicode MS" panose="020B0604020202020204" pitchFamily="34" charset="-128"/>
-              </a:rPr>
-              <a:t> </a:t>
+              <a:t>    </a:t>
+            </a:r>
+            <a:r>
+              <a:rPr lang="nl-BE" sz="1200" dirty="0">
+                <a:solidFill>
+                  <a:schemeClr val="tx1"/>
+                </a:solidFill>
+                <a:latin typeface="Arial Unicode MS" panose="020B0604020202020204" pitchFamily="34" charset="-128"/>
+              </a:rPr>
+              <a:t>{ </a:t>
             </a:r>
           </a:p>
           <a:p>
@@ -9186,20 +8705,20 @@
             <a:r>
               <a:rPr lang="nl-BE" sz="1200" dirty="0" err="1">
                 <a:solidFill>
-                  <a:srgbClr val="0000FF"/>
-                </a:solidFill>
-                <a:latin typeface="Arial Unicode MS" panose="020B0604020202020204" pitchFamily="34" charset="-128"/>
-              </a:rPr>
-              <a:t>orderby</a:t>
-            </a:r>
-            <a:r>
-              <a:rPr lang="nl-BE" sz="1200" dirty="0">
-                <a:solidFill>
-                  <a:schemeClr val="tx1"/>
-                </a:solidFill>
-                <a:latin typeface="Arial Unicode MS" panose="020B0604020202020204" pitchFamily="34" charset="-128"/>
-              </a:rPr>
-              <a:t> </a:t>
+                  <a:schemeClr val="tx1"/>
+                </a:solidFill>
+                <a:latin typeface="Arial Unicode MS" panose="020B0604020202020204" pitchFamily="34" charset="-128"/>
+              </a:rPr>
+              <a:t>Console.WriteLine</a:t>
+            </a:r>
+            <a:r>
+              <a:rPr lang="nl-BE" sz="1200" dirty="0">
+                <a:solidFill>
+                  <a:schemeClr val="tx1"/>
+                </a:solidFill>
+                <a:latin typeface="Arial Unicode MS" panose="020B0604020202020204" pitchFamily="34" charset="-128"/>
+              </a:rPr>
+              <a:t>(</a:t>
             </a:r>
             <a:r>
               <a:rPr lang="nl-BE" sz="1200" dirty="0" err="1">
@@ -9208,34 +8727,16 @@
                 </a:solidFill>
                 <a:latin typeface="Arial Unicode MS" panose="020B0604020202020204" pitchFamily="34" charset="-128"/>
               </a:rPr>
-              <a:t>product.ListPrice</a:t>
-            </a:r>
-            <a:r>
-              <a:rPr lang="nl-BE" sz="1200" dirty="0">
-                <a:solidFill>
-                  <a:schemeClr val="tx1"/>
-                </a:solidFill>
-                <a:latin typeface="Arial Unicode MS" panose="020B0604020202020204" pitchFamily="34" charset="-128"/>
-              </a:rPr>
-              <a:t> </a:t>
-            </a:r>
-            <a:r>
-              <a:rPr lang="nl-BE" sz="1200" dirty="0" err="1">
-                <a:solidFill>
-                  <a:srgbClr val="0000FF"/>
-                </a:solidFill>
-                <a:latin typeface="Arial Unicode MS" panose="020B0604020202020204" pitchFamily="34" charset="-128"/>
-              </a:rPr>
-              <a:t>descending</a:t>
-            </a:r>
-            <a:r>
-              <a:rPr lang="nl-BE" sz="1200" dirty="0">
-                <a:solidFill>
-                  <a:schemeClr val="tx1"/>
-                </a:solidFill>
-                <a:latin typeface="Arial Unicode MS" panose="020B0604020202020204" pitchFamily="34" charset="-128"/>
-              </a:rPr>
-              <a:t> </a:t>
+              <a:t>product.Name</a:t>
+            </a:r>
+            <a:r>
+              <a:rPr lang="nl-BE" sz="1200" dirty="0">
+                <a:solidFill>
+                  <a:schemeClr val="tx1"/>
+                </a:solidFill>
+                <a:latin typeface="Arial Unicode MS" panose="020B0604020202020204" pitchFamily="34" charset="-128"/>
+              </a:rPr>
+              <a:t>); </a:t>
             </a:r>
           </a:p>
           <a:p>
@@ -9254,50 +8755,17 @@
               <a:rPr lang="nl-BE" sz="1200" dirty="0">
                 <a:latin typeface="Arial Unicode MS" panose="020B0604020202020204" pitchFamily="34" charset="-128"/>
               </a:rPr>
-              <a:t>        </a:t>
-            </a:r>
-            <a:r>
-              <a:rPr lang="nl-BE" sz="1200" dirty="0">
-                <a:solidFill>
-                  <a:srgbClr val="0000FF"/>
-                </a:solidFill>
-                <a:latin typeface="Arial Unicode MS" panose="020B0604020202020204" pitchFamily="34" charset="-128"/>
-              </a:rPr>
-              <a:t>select</a:t>
-            </a:r>
-            <a:r>
-              <a:rPr lang="nl-BE" sz="1200" dirty="0">
-                <a:solidFill>
-                  <a:schemeClr val="tx1"/>
-                </a:solidFill>
-                <a:latin typeface="Arial Unicode MS" panose="020B0604020202020204" pitchFamily="34" charset="-128"/>
-              </a:rPr>
-              <a:t> product).</a:t>
-            </a:r>
-            <a:r>
-              <a:rPr lang="nl-BE" sz="1200" dirty="0" err="1">
-                <a:solidFill>
-                  <a:schemeClr val="tx1"/>
-                </a:solidFill>
-                <a:latin typeface="Arial Unicode MS" panose="020B0604020202020204" pitchFamily="34" charset="-128"/>
-              </a:rPr>
-              <a:t>ToArray</a:t>
-            </a:r>
-            <a:r>
-              <a:rPr lang="nl-BE" sz="1200" dirty="0">
-                <a:solidFill>
-                  <a:schemeClr val="tx1"/>
-                </a:solidFill>
-                <a:latin typeface="Arial Unicode MS" panose="020B0604020202020204" pitchFamily="34" charset="-128"/>
-              </a:rPr>
-              <a:t>();</a:t>
-            </a:r>
-            <a:endParaRPr lang="nl-BE" sz="1200" dirty="0">
-              <a:solidFill>
-                <a:srgbClr val="7030A0"/>
-              </a:solidFill>
-              <a:latin typeface="Arial Unicode MS" panose="020B0604020202020204" pitchFamily="34" charset="-128"/>
-            </a:endParaRPr>
+              <a:t>    </a:t>
+            </a:r>
+            <a:r>
+              <a:rPr lang="nl-BE" sz="1200" dirty="0">
+                <a:solidFill>
+                  <a:schemeClr val="tx1"/>
+                </a:solidFill>
+                <a:latin typeface="Arial Unicode MS" panose="020B0604020202020204" pitchFamily="34" charset="-128"/>
+              </a:rPr>
+              <a:t>} </a:t>
+            </a:r>
           </a:p>
           <a:p>
             <a:pPr marL="0" indent="0" defTabSz="685800" eaLnBrk="0" fontAlgn="base" hangingPunct="0">
@@ -9311,409 +8779,6 @@
               <a:buSzTx/>
               <a:buNone/>
             </a:pPr>
-            <a:endParaRPr lang="nl-BE" sz="1200" dirty="0">
-              <a:latin typeface="Arial Unicode MS" panose="020B0604020202020204" pitchFamily="34" charset="-128"/>
-            </a:endParaRPr>
-          </a:p>
-          <a:p>
-            <a:pPr marL="0" indent="0" defTabSz="685800" eaLnBrk="0" fontAlgn="base" hangingPunct="0">
-              <a:spcBef>
-                <a:spcPct val="0"/>
-              </a:spcBef>
-              <a:spcAft>
-                <a:spcPct val="0"/>
-              </a:spcAft>
-              <a:buClrTx/>
-              <a:buSzTx/>
-              <a:buNone/>
-            </a:pPr>
-            <a:r>
-              <a:rPr lang="nl-BE" sz="1200" dirty="0">
-                <a:solidFill>
-                  <a:schemeClr val="tx1"/>
-                </a:solidFill>
-                <a:latin typeface="Arial Unicode MS" panose="020B0604020202020204" pitchFamily="34" charset="-128"/>
-              </a:rPr>
-              <a:t>    </a:t>
-            </a:r>
-            <a:r>
-              <a:rPr lang="nl-BE" sz="1200" dirty="0" err="1">
-                <a:solidFill>
-                  <a:schemeClr val="tx1"/>
-                </a:solidFill>
-                <a:latin typeface="Arial Unicode MS" panose="020B0604020202020204" pitchFamily="34" charset="-128"/>
-              </a:rPr>
-              <a:t>Console.WriteLine</a:t>
-            </a:r>
-            <a:r>
-              <a:rPr lang="nl-BE" sz="1200" dirty="0">
-                <a:solidFill>
-                  <a:schemeClr val="tx1"/>
-                </a:solidFill>
-                <a:latin typeface="Arial Unicode MS" panose="020B0604020202020204" pitchFamily="34" charset="-128"/>
-              </a:rPr>
-              <a:t>(</a:t>
-            </a:r>
-            <a:r>
-              <a:rPr lang="nl-BE" sz="1200" dirty="0">
-                <a:solidFill>
-                  <a:srgbClr val="A31515"/>
-                </a:solidFill>
-                <a:latin typeface="Arial Unicode MS" panose="020B0604020202020204" pitchFamily="34" charset="-128"/>
-              </a:rPr>
-              <a:t>"</a:t>
-            </a:r>
-            <a:r>
-              <a:rPr lang="nl-BE" sz="1200" dirty="0" err="1">
-                <a:solidFill>
-                  <a:srgbClr val="A31515"/>
-                </a:solidFill>
-                <a:latin typeface="Arial Unicode MS" panose="020B0604020202020204" pitchFamily="34" charset="-128"/>
-              </a:rPr>
-              <a:t>Every</a:t>
-            </a:r>
-            <a:r>
-              <a:rPr lang="nl-BE" sz="1200" dirty="0">
-                <a:solidFill>
-                  <a:srgbClr val="A31515"/>
-                </a:solidFill>
-                <a:latin typeface="Arial Unicode MS" panose="020B0604020202020204" pitchFamily="34" charset="-128"/>
-              </a:rPr>
-              <a:t> </a:t>
-            </a:r>
-            <a:r>
-              <a:rPr lang="nl-BE" sz="1200" dirty="0" err="1">
-                <a:solidFill>
-                  <a:srgbClr val="A31515"/>
-                </a:solidFill>
-                <a:latin typeface="Arial Unicode MS" panose="020B0604020202020204" pitchFamily="34" charset="-128"/>
-              </a:rPr>
-              <a:t>price</a:t>
-            </a:r>
-            <a:r>
-              <a:rPr lang="nl-BE" sz="1200" dirty="0">
-                <a:solidFill>
-                  <a:srgbClr val="A31515"/>
-                </a:solidFill>
-                <a:latin typeface="Arial Unicode MS" panose="020B0604020202020204" pitchFamily="34" charset="-128"/>
-              </a:rPr>
-              <a:t> </a:t>
-            </a:r>
-            <a:r>
-              <a:rPr lang="nl-BE" sz="1200" dirty="0" err="1">
-                <a:solidFill>
-                  <a:srgbClr val="A31515"/>
-                </a:solidFill>
-                <a:latin typeface="Arial Unicode MS" panose="020B0604020202020204" pitchFamily="34" charset="-128"/>
-              </a:rPr>
-              <a:t>from</a:t>
-            </a:r>
-            <a:r>
-              <a:rPr lang="nl-BE" sz="1200" dirty="0">
-                <a:solidFill>
-                  <a:srgbClr val="A31515"/>
-                </a:solidFill>
-                <a:latin typeface="Arial Unicode MS" panose="020B0604020202020204" pitchFamily="34" charset="-128"/>
-              </a:rPr>
-              <a:t> </a:t>
-            </a:r>
-            <a:r>
-              <a:rPr lang="nl-BE" sz="1200" dirty="0" err="1">
-                <a:solidFill>
-                  <a:srgbClr val="A31515"/>
-                </a:solidFill>
-                <a:latin typeface="Arial Unicode MS" panose="020B0604020202020204" pitchFamily="34" charset="-128"/>
-              </a:rPr>
-              <a:t>highest</a:t>
-            </a:r>
-            <a:r>
-              <a:rPr lang="nl-BE" sz="1200" dirty="0">
-                <a:solidFill>
-                  <a:srgbClr val="A31515"/>
-                </a:solidFill>
-                <a:latin typeface="Arial Unicode MS" panose="020B0604020202020204" pitchFamily="34" charset="-128"/>
-              </a:rPr>
-              <a:t> </a:t>
-            </a:r>
-            <a:r>
-              <a:rPr lang="nl-BE" sz="1200" dirty="0" err="1">
-                <a:solidFill>
-                  <a:srgbClr val="A31515"/>
-                </a:solidFill>
-                <a:latin typeface="Arial Unicode MS" panose="020B0604020202020204" pitchFamily="34" charset="-128"/>
-              </a:rPr>
-              <a:t>to</a:t>
-            </a:r>
-            <a:r>
-              <a:rPr lang="nl-BE" sz="1200" dirty="0">
-                <a:solidFill>
-                  <a:srgbClr val="A31515"/>
-                </a:solidFill>
-                <a:latin typeface="Arial Unicode MS" panose="020B0604020202020204" pitchFamily="34" charset="-128"/>
-              </a:rPr>
-              <a:t> </a:t>
-            </a:r>
-            <a:r>
-              <a:rPr lang="nl-BE" sz="1200" dirty="0" err="1">
-                <a:solidFill>
-                  <a:srgbClr val="A31515"/>
-                </a:solidFill>
-                <a:latin typeface="Arial Unicode MS" panose="020B0604020202020204" pitchFamily="34" charset="-128"/>
-              </a:rPr>
-              <a:t>lowest</a:t>
-            </a:r>
-            <a:r>
-              <a:rPr lang="nl-BE" sz="1200" dirty="0">
-                <a:solidFill>
-                  <a:srgbClr val="A31515"/>
-                </a:solidFill>
-                <a:latin typeface="Arial Unicode MS" panose="020B0604020202020204" pitchFamily="34" charset="-128"/>
-              </a:rPr>
-              <a:t>:"</a:t>
-            </a:r>
-            <a:r>
-              <a:rPr lang="nl-BE" sz="1200" dirty="0">
-                <a:solidFill>
-                  <a:schemeClr val="tx1"/>
-                </a:solidFill>
-                <a:latin typeface="Arial Unicode MS" panose="020B0604020202020204" pitchFamily="34" charset="-128"/>
-              </a:rPr>
-              <a:t>); </a:t>
-            </a:r>
-          </a:p>
-          <a:p>
-            <a:pPr marL="0" indent="0" defTabSz="685800" eaLnBrk="0" fontAlgn="base" hangingPunct="0">
-              <a:spcBef>
-                <a:spcPct val="0"/>
-              </a:spcBef>
-              <a:spcAft>
-                <a:spcPct val="0"/>
-              </a:spcAft>
-              <a:buClrTx/>
-              <a:buSzTx/>
-              <a:buNone/>
-            </a:pPr>
-            <a:endParaRPr lang="nl-BE" sz="1200" dirty="0">
-              <a:latin typeface="Arial Unicode MS" panose="020B0604020202020204" pitchFamily="34" charset="-128"/>
-            </a:endParaRPr>
-          </a:p>
-          <a:p>
-            <a:pPr marL="0" indent="0" defTabSz="685800" eaLnBrk="0" fontAlgn="base" hangingPunct="0">
-              <a:spcBef>
-                <a:spcPct val="0"/>
-              </a:spcBef>
-              <a:spcAft>
-                <a:spcPct val="0"/>
-              </a:spcAft>
-              <a:buClrTx/>
-              <a:buSzTx/>
-              <a:buNone/>
-            </a:pPr>
-            <a:r>
-              <a:rPr lang="nl-BE" sz="1200" dirty="0">
-                <a:solidFill>
-                  <a:srgbClr val="0000FF"/>
-                </a:solidFill>
-                <a:latin typeface="Arial Unicode MS" panose="020B0604020202020204" pitchFamily="34" charset="-128"/>
-              </a:rPr>
-              <a:t>    </a:t>
-            </a:r>
-            <a:r>
-              <a:rPr lang="nl-BE" sz="1200" dirty="0" err="1">
-                <a:solidFill>
-                  <a:srgbClr val="0000FF"/>
-                </a:solidFill>
-                <a:latin typeface="Arial Unicode MS" panose="020B0604020202020204" pitchFamily="34" charset="-128"/>
-              </a:rPr>
-              <a:t>foreach</a:t>
-            </a:r>
-            <a:r>
-              <a:rPr lang="nl-BE" sz="1200" dirty="0">
-                <a:solidFill>
-                  <a:schemeClr val="tx1"/>
-                </a:solidFill>
-                <a:latin typeface="Arial Unicode MS" panose="020B0604020202020204" pitchFamily="34" charset="-128"/>
-              </a:rPr>
-              <a:t> (Product </a:t>
-            </a:r>
-            <a:r>
-              <a:rPr lang="nl-BE" sz="1200" dirty="0" err="1">
-                <a:solidFill>
-                  <a:schemeClr val="tx1"/>
-                </a:solidFill>
-                <a:latin typeface="Arial Unicode MS" panose="020B0604020202020204" pitchFamily="34" charset="-128"/>
-              </a:rPr>
-              <a:t>product</a:t>
-            </a:r>
-            <a:r>
-              <a:rPr lang="nl-BE" sz="1200" dirty="0">
-                <a:solidFill>
-                  <a:schemeClr val="tx1"/>
-                </a:solidFill>
-                <a:latin typeface="Arial Unicode MS" panose="020B0604020202020204" pitchFamily="34" charset="-128"/>
-              </a:rPr>
-              <a:t> </a:t>
-            </a:r>
-            <a:r>
-              <a:rPr lang="nl-BE" sz="1200" dirty="0">
-                <a:solidFill>
-                  <a:srgbClr val="0000FF"/>
-                </a:solidFill>
-                <a:latin typeface="Arial Unicode MS" panose="020B0604020202020204" pitchFamily="34" charset="-128"/>
-              </a:rPr>
-              <a:t>in</a:t>
-            </a:r>
-            <a:r>
-              <a:rPr lang="nl-BE" sz="1200" dirty="0">
-                <a:solidFill>
-                  <a:schemeClr val="tx1"/>
-                </a:solidFill>
-                <a:latin typeface="Arial Unicode MS" panose="020B0604020202020204" pitchFamily="34" charset="-128"/>
-              </a:rPr>
-              <a:t> </a:t>
-            </a:r>
-            <a:r>
-              <a:rPr lang="nl-BE" sz="1200" dirty="0" err="1">
-                <a:solidFill>
-                  <a:schemeClr val="tx1"/>
-                </a:solidFill>
-                <a:latin typeface="Arial Unicode MS" panose="020B0604020202020204" pitchFamily="34" charset="-128"/>
-              </a:rPr>
-              <a:t>prodArray</a:t>
-            </a:r>
-            <a:r>
-              <a:rPr lang="nl-BE" sz="1200" dirty="0">
-                <a:solidFill>
-                  <a:schemeClr val="tx1"/>
-                </a:solidFill>
-                <a:latin typeface="Arial Unicode MS" panose="020B0604020202020204" pitchFamily="34" charset="-128"/>
-              </a:rPr>
-              <a:t>) </a:t>
-            </a:r>
-          </a:p>
-          <a:p>
-            <a:pPr marL="0" indent="0" defTabSz="685800" eaLnBrk="0" fontAlgn="base" hangingPunct="0">
-              <a:spcBef>
-                <a:spcPct val="0"/>
-              </a:spcBef>
-              <a:spcAft>
-                <a:spcPct val="0"/>
-              </a:spcAft>
-              <a:buClrTx/>
-              <a:buSzTx/>
-              <a:buNone/>
-            </a:pPr>
-            <a:r>
-              <a:rPr lang="nl-BE" sz="1200" dirty="0">
-                <a:latin typeface="Arial Unicode MS" panose="020B0604020202020204" pitchFamily="34" charset="-128"/>
-              </a:rPr>
-              <a:t>    </a:t>
-            </a:r>
-            <a:r>
-              <a:rPr lang="nl-BE" sz="1200" dirty="0">
-                <a:solidFill>
-                  <a:schemeClr val="tx1"/>
-                </a:solidFill>
-                <a:latin typeface="Arial Unicode MS" panose="020B0604020202020204" pitchFamily="34" charset="-128"/>
-              </a:rPr>
-              <a:t>{ </a:t>
-            </a:r>
-          </a:p>
-          <a:p>
-            <a:pPr marL="0" indent="0" defTabSz="685800" eaLnBrk="0" fontAlgn="base" hangingPunct="0">
-              <a:spcBef>
-                <a:spcPct val="0"/>
-              </a:spcBef>
-              <a:spcAft>
-                <a:spcPct val="0"/>
-              </a:spcAft>
-              <a:buClrTx/>
-              <a:buSzTx/>
-              <a:buNone/>
-            </a:pPr>
-            <a:r>
-              <a:rPr lang="nl-BE" sz="1200" dirty="0">
-                <a:latin typeface="Arial Unicode MS" panose="020B0604020202020204" pitchFamily="34" charset="-128"/>
-              </a:rPr>
-              <a:t>        </a:t>
-            </a:r>
-            <a:r>
-              <a:rPr lang="nl-BE" sz="1200" dirty="0" err="1">
-                <a:solidFill>
-                  <a:schemeClr val="tx1"/>
-                </a:solidFill>
-                <a:latin typeface="Arial Unicode MS" panose="020B0604020202020204" pitchFamily="34" charset="-128"/>
-              </a:rPr>
-              <a:t>Console.WriteLine</a:t>
-            </a:r>
-            <a:r>
-              <a:rPr lang="nl-BE" sz="1200" dirty="0">
-                <a:solidFill>
-                  <a:schemeClr val="tx1"/>
-                </a:solidFill>
-                <a:latin typeface="Arial Unicode MS" panose="020B0604020202020204" pitchFamily="34" charset="-128"/>
-              </a:rPr>
-              <a:t>(</a:t>
-            </a:r>
-            <a:r>
-              <a:rPr lang="nl-BE" sz="1200" dirty="0" err="1">
-                <a:solidFill>
-                  <a:schemeClr val="tx1"/>
-                </a:solidFill>
-                <a:latin typeface="Arial Unicode MS" panose="020B0604020202020204" pitchFamily="34" charset="-128"/>
-              </a:rPr>
-              <a:t>product.ListPrice</a:t>
-            </a:r>
-            <a:r>
-              <a:rPr lang="nl-BE" sz="1200" dirty="0">
-                <a:solidFill>
-                  <a:schemeClr val="tx1"/>
-                </a:solidFill>
-                <a:latin typeface="Arial Unicode MS" panose="020B0604020202020204" pitchFamily="34" charset="-128"/>
-              </a:rPr>
-              <a:t>); </a:t>
-            </a:r>
-          </a:p>
-          <a:p>
-            <a:pPr marL="0" indent="0" defTabSz="685800" eaLnBrk="0" fontAlgn="base" hangingPunct="0">
-              <a:spcBef>
-                <a:spcPct val="0"/>
-              </a:spcBef>
-              <a:spcAft>
-                <a:spcPct val="0"/>
-              </a:spcAft>
-              <a:buClrTx/>
-              <a:buSzTx/>
-              <a:buNone/>
-            </a:pPr>
-            <a:r>
-              <a:rPr lang="nl-BE" sz="1200" dirty="0">
-                <a:latin typeface="Arial Unicode MS" panose="020B0604020202020204" pitchFamily="34" charset="-128"/>
-              </a:rPr>
-              <a:t>    </a:t>
-            </a:r>
-            <a:r>
-              <a:rPr lang="nl-BE" sz="1200" dirty="0">
-                <a:solidFill>
-                  <a:schemeClr val="tx1"/>
-                </a:solidFill>
-                <a:latin typeface="Arial Unicode MS" panose="020B0604020202020204" pitchFamily="34" charset="-128"/>
-              </a:rPr>
-              <a:t>} </a:t>
-            </a:r>
-          </a:p>
-          <a:p>
-            <a:pPr marL="0" indent="0" defTabSz="685800" eaLnBrk="0" fontAlgn="base" hangingPunct="0">
-              <a:spcBef>
-                <a:spcPct val="0"/>
-              </a:spcBef>
-              <a:spcAft>
-                <a:spcPct val="0"/>
-              </a:spcAft>
-              <a:buClrTx/>
-              <a:buSzTx/>
-              <a:buNone/>
-            </a:pPr>
             <a:r>
               <a:rPr lang="nl-BE" sz="1200" dirty="0">
                 <a:solidFill>
@@ -9743,7 +8808,7 @@
     </p:spTree>
     <p:extLst>
       <p:ext uri="{BB962C8B-B14F-4D97-AF65-F5344CB8AC3E}">
-        <p14:creationId xmlns:p14="http://schemas.microsoft.com/office/powerpoint/2010/main" val="3275870611"/>
+        <p14:creationId xmlns:p14="http://schemas.microsoft.com/office/powerpoint/2010/main" val="4225684319"/>
       </p:ext>
     </p:extLst>
   </p:cSld>
@@ -9817,8 +8882,8 @@
         </p:nvSpPr>
         <p:spPr bwMode="auto">
           <a:xfrm>
-            <a:off x="1485901" y="1988625"/>
-            <a:ext cx="5359481" cy="3023905"/>
+            <a:off x="1485900" y="1988625"/>
+            <a:ext cx="5111015" cy="3023905"/>
           </a:xfrm>
           <a:prstGeom prst="rect">
             <a:avLst/>
@@ -10308,37 +9373,7 @@
                 </a:solidFill>
                 <a:latin typeface="Arial Unicode MS" panose="020B0604020202020204" pitchFamily="34" charset="-128"/>
               </a:rPr>
-              <a:t>();  </a:t>
-            </a:r>
-            <a:r>
-              <a:rPr lang="nl-BE" sz="1200" dirty="0">
-                <a:solidFill>
-                  <a:srgbClr val="7030A0"/>
-                </a:solidFill>
-                <a:latin typeface="Arial Unicode MS" panose="020B0604020202020204" pitchFamily="34" charset="-128"/>
-                <a:sym typeface="Wingdings" panose="05000000000000000000" pitchFamily="2" charset="2"/>
-              </a:rPr>
-              <a:t> </a:t>
-            </a:r>
-            <a:r>
-              <a:rPr lang="nl-BE" sz="1200" dirty="0" err="1">
-                <a:solidFill>
-                  <a:srgbClr val="7030A0"/>
-                </a:solidFill>
-                <a:latin typeface="Arial Unicode MS" panose="020B0604020202020204" pitchFamily="34" charset="-128"/>
-                <a:sym typeface="Wingdings" panose="05000000000000000000" pitchFamily="2" charset="2"/>
-              </a:rPr>
-              <a:t>ToArray</a:t>
-            </a:r>
-            <a:r>
-              <a:rPr lang="nl-BE" sz="1200" dirty="0">
-                <a:solidFill>
-                  <a:srgbClr val="7030A0"/>
-                </a:solidFill>
-                <a:latin typeface="Arial Unicode MS" panose="020B0604020202020204" pitchFamily="34" charset="-128"/>
-                <a:sym typeface="Wingdings" panose="05000000000000000000" pitchFamily="2" charset="2"/>
-              </a:rPr>
-              <a:t> zorgt ervoor dat de query uitvoert</a:t>
+              <a:t>();</a:t>
             </a:r>
             <a:endParaRPr lang="nl-BE" sz="1200" dirty="0">
               <a:solidFill>
@@ -10791,7 +9826,7 @@
     </p:spTree>
     <p:extLst>
       <p:ext uri="{BB962C8B-B14F-4D97-AF65-F5344CB8AC3E}">
-        <p14:creationId xmlns:p14="http://schemas.microsoft.com/office/powerpoint/2010/main" val="177202050"/>
+        <p14:creationId xmlns:p14="http://schemas.microsoft.com/office/powerpoint/2010/main" val="3275870611"/>
       </p:ext>
     </p:extLst>
   </p:cSld>
@@ -10835,7 +9870,15 @@
           <a:p>
             <a:r>
               <a:rPr lang="nl-BE" dirty="0"/>
-              <a:t>LINQ query – Store </a:t>
+              <a:t>LINQ query – </a:t>
+            </a:r>
+            <a:r>
+              <a:rPr lang="nl-BE" dirty="0" err="1"/>
+              <a:t>Immediate</a:t>
+            </a:r>
+            <a:r>
+              <a:rPr lang="nl-BE" dirty="0"/>
+              <a:t> </a:t>
             </a:r>
             <a:r>
               <a:rPr lang="nl-BE" dirty="0" err="1"/>
@@ -10857,8 +9900,8 @@
         </p:nvSpPr>
         <p:spPr bwMode="auto">
           <a:xfrm>
-            <a:off x="1485899" y="1977684"/>
-            <a:ext cx="6228308" cy="2285241"/>
+            <a:off x="1485901" y="1988625"/>
+            <a:ext cx="5359481" cy="3023905"/>
           </a:xfrm>
           <a:prstGeom prst="rect">
             <a:avLst/>
@@ -11037,16 +10080,16 @@
                 </a:solidFill>
                 <a:latin typeface="Arial Unicode MS" panose="020B0604020202020204" pitchFamily="34" charset="-128"/>
               </a:rPr>
-              <a:t>IQueryable</a:t>
-            </a:r>
-            <a:r>
-              <a:rPr lang="nl-BE" sz="1200" dirty="0">
-                <a:solidFill>
-                  <a:schemeClr val="tx1"/>
-                </a:solidFill>
-                <a:latin typeface="Arial Unicode MS" panose="020B0604020202020204" pitchFamily="34" charset="-128"/>
-              </a:rPr>
-              <a:t>&lt;</a:t>
+              <a:t>ObjectSet</a:t>
+            </a:r>
+            <a:r>
+              <a:rPr lang="nl-BE" sz="1200" dirty="0">
+                <a:solidFill>
+                  <a:schemeClr val="tx1"/>
+                </a:solidFill>
+                <a:latin typeface="Arial Unicode MS" panose="020B0604020202020204" pitchFamily="34" charset="-128"/>
+              </a:rPr>
+              <a:t>&lt;Product&gt; </a:t>
             </a:r>
             <a:r>
               <a:rPr lang="nl-BE" sz="1200" dirty="0" err="1">
@@ -11055,16 +10098,16 @@
                 </a:solidFill>
                 <a:latin typeface="Arial Unicode MS" panose="020B0604020202020204" pitchFamily="34" charset="-128"/>
               </a:rPr>
-              <a:t>SalesOrderHeader</a:t>
-            </a:r>
-            <a:r>
-              <a:rPr lang="nl-BE" sz="1200" dirty="0">
-                <a:solidFill>
-                  <a:schemeClr val="tx1"/>
-                </a:solidFill>
-                <a:latin typeface="Arial Unicode MS" panose="020B0604020202020204" pitchFamily="34" charset="-128"/>
-              </a:rPr>
-              <a:t>&gt; </a:t>
+              <a:t>products</a:t>
+            </a:r>
+            <a:r>
+              <a:rPr lang="nl-BE" sz="1200" dirty="0">
+                <a:solidFill>
+                  <a:schemeClr val="tx1"/>
+                </a:solidFill>
+                <a:latin typeface="Arial Unicode MS" panose="020B0604020202020204" pitchFamily="34" charset="-128"/>
+              </a:rPr>
+              <a:t> = </a:t>
             </a:r>
             <a:r>
               <a:rPr lang="nl-BE" sz="1200" dirty="0" err="1">
@@ -11073,16 +10116,16 @@
                 </a:solidFill>
                 <a:latin typeface="Arial Unicode MS" panose="020B0604020202020204" pitchFamily="34" charset="-128"/>
               </a:rPr>
-              <a:t>salesInfo</a:t>
-            </a:r>
-            <a:r>
-              <a:rPr lang="nl-BE" sz="1200" dirty="0">
-                <a:solidFill>
-                  <a:schemeClr val="tx1"/>
-                </a:solidFill>
-                <a:latin typeface="Arial Unicode MS" panose="020B0604020202020204" pitchFamily="34" charset="-128"/>
-              </a:rPr>
-              <a:t> = </a:t>
+              <a:t>context.Products</a:t>
+            </a:r>
+            <a:r>
+              <a:rPr lang="nl-BE" sz="1200" dirty="0">
+                <a:solidFill>
+                  <a:schemeClr val="tx1"/>
+                </a:solidFill>
+                <a:latin typeface="Arial Unicode MS" panose="020B0604020202020204" pitchFamily="34" charset="-128"/>
+              </a:rPr>
+              <a:t>; </a:t>
             </a:r>
           </a:p>
           <a:p>
@@ -11097,66 +10140,12 @@
               <a:buSzTx/>
               <a:buNone/>
             </a:pPr>
-            <a:r>
-              <a:rPr lang="nl-BE" sz="1200" dirty="0">
-                <a:latin typeface="Arial Unicode MS" panose="020B0604020202020204" pitchFamily="34" charset="-128"/>
-              </a:rPr>
-              <a:t>        </a:t>
-            </a:r>
-            <a:r>
-              <a:rPr lang="nl-BE" sz="1200" dirty="0" err="1">
-                <a:solidFill>
-                  <a:srgbClr val="0000FF"/>
-                </a:solidFill>
-                <a:latin typeface="Arial Unicode MS" panose="020B0604020202020204" pitchFamily="34" charset="-128"/>
-              </a:rPr>
-              <a:t>from</a:t>
-            </a:r>
-            <a:r>
-              <a:rPr lang="nl-BE" sz="1200" dirty="0">
-                <a:solidFill>
-                  <a:schemeClr val="tx1"/>
-                </a:solidFill>
-                <a:latin typeface="Arial Unicode MS" panose="020B0604020202020204" pitchFamily="34" charset="-128"/>
-              </a:rPr>
-              <a:t> s </a:t>
-            </a:r>
-            <a:r>
-              <a:rPr lang="nl-BE" sz="1200" dirty="0">
-                <a:solidFill>
-                  <a:srgbClr val="0000FF"/>
-                </a:solidFill>
-                <a:latin typeface="Arial Unicode MS" panose="020B0604020202020204" pitchFamily="34" charset="-128"/>
-              </a:rPr>
-              <a:t>in</a:t>
-            </a:r>
-            <a:r>
-              <a:rPr lang="nl-BE" sz="1200" dirty="0">
-                <a:solidFill>
-                  <a:schemeClr val="tx1"/>
-                </a:solidFill>
-                <a:latin typeface="Arial Unicode MS" panose="020B0604020202020204" pitchFamily="34" charset="-128"/>
-              </a:rPr>
-              <a:t> </a:t>
-            </a:r>
-            <a:r>
-              <a:rPr lang="nl-BE" sz="1200" dirty="0" err="1">
-                <a:solidFill>
-                  <a:schemeClr val="tx1"/>
-                </a:solidFill>
-                <a:latin typeface="Arial Unicode MS" panose="020B0604020202020204" pitchFamily="34" charset="-128"/>
-              </a:rPr>
-              <a:t>context.SalesOrderHeaders</a:t>
-            </a:r>
-            <a:r>
-              <a:rPr lang="nl-BE" sz="1200" dirty="0">
-                <a:solidFill>
-                  <a:schemeClr val="tx1"/>
-                </a:solidFill>
-                <a:latin typeface="Arial Unicode MS" panose="020B0604020202020204" pitchFamily="34" charset="-128"/>
-              </a:rPr>
-              <a:t> </a:t>
-            </a:r>
+            <a:endParaRPr lang="nl-BE" sz="1200" dirty="0">
+              <a:solidFill>
+                <a:schemeClr val="tx1"/>
+              </a:solidFill>
+              <a:latin typeface="Arial Unicode MS" panose="020B0604020202020204" pitchFamily="34" charset="-128"/>
+            </a:endParaRPr>
           </a:p>
           <a:p>
             <a:pPr marL="0" indent="0" defTabSz="685800" eaLnBrk="0" fontAlgn="base" hangingPunct="0">
@@ -11174,61 +10163,34 @@
               <a:rPr lang="nl-BE" sz="1200" dirty="0">
                 <a:latin typeface="Arial Unicode MS" panose="020B0604020202020204" pitchFamily="34" charset="-128"/>
               </a:rPr>
-              <a:t>        </a:t>
+              <a:t>    </a:t>
+            </a:r>
+            <a:r>
+              <a:rPr lang="nl-BE" sz="1200" dirty="0">
+                <a:solidFill>
+                  <a:schemeClr val="tx1"/>
+                </a:solidFill>
+                <a:latin typeface="Arial Unicode MS" panose="020B0604020202020204" pitchFamily="34" charset="-128"/>
+              </a:rPr>
+              <a:t>Product[] </a:t>
             </a:r>
             <a:r>
               <a:rPr lang="nl-BE" sz="1200" dirty="0" err="1">
                 <a:solidFill>
-                  <a:srgbClr val="0000FF"/>
-                </a:solidFill>
-                <a:latin typeface="Arial Unicode MS" panose="020B0604020202020204" pitchFamily="34" charset="-128"/>
-              </a:rPr>
-              <a:t>where</a:t>
-            </a:r>
-            <a:r>
-              <a:rPr lang="nl-BE" sz="1200" dirty="0">
-                <a:solidFill>
-                  <a:schemeClr val="tx1"/>
-                </a:solidFill>
-                <a:latin typeface="Arial Unicode MS" panose="020B0604020202020204" pitchFamily="34" charset="-128"/>
-              </a:rPr>
-              <a:t> </a:t>
-            </a:r>
-            <a:r>
-              <a:rPr lang="nl-BE" sz="1200" dirty="0" err="1">
-                <a:solidFill>
-                  <a:schemeClr val="tx1"/>
-                </a:solidFill>
-                <a:latin typeface="Arial Unicode MS" panose="020B0604020202020204" pitchFamily="34" charset="-128"/>
-              </a:rPr>
-              <a:t>s.SalesOrderID</a:t>
-            </a:r>
-            <a:r>
-              <a:rPr lang="nl-BE" sz="1200" dirty="0">
-                <a:solidFill>
-                  <a:schemeClr val="tx1"/>
-                </a:solidFill>
-                <a:latin typeface="Arial Unicode MS" panose="020B0604020202020204" pitchFamily="34" charset="-128"/>
-              </a:rPr>
-              <a:t> == </a:t>
-            </a:r>
-            <a:r>
-              <a:rPr lang="nl-BE" sz="1200" dirty="0" err="1">
-                <a:solidFill>
-                  <a:schemeClr val="tx1"/>
-                </a:solidFill>
-                <a:latin typeface="Arial Unicode MS" panose="020B0604020202020204" pitchFamily="34" charset="-128"/>
-              </a:rPr>
-              <a:t>orderID</a:t>
-            </a:r>
-            <a:r>
-              <a:rPr lang="nl-BE" sz="1200" dirty="0">
-                <a:solidFill>
-                  <a:schemeClr val="tx1"/>
-                </a:solidFill>
-                <a:latin typeface="Arial Unicode MS" panose="020B0604020202020204" pitchFamily="34" charset="-128"/>
-              </a:rPr>
-              <a:t> </a:t>
+                  <a:schemeClr val="tx1"/>
+                </a:solidFill>
+                <a:latin typeface="Arial Unicode MS" panose="020B0604020202020204" pitchFamily="34" charset="-128"/>
+              </a:rPr>
+              <a:t>prodArray</a:t>
+            </a:r>
+            <a:r>
+              <a:rPr lang="nl-BE" sz="1200" dirty="0">
+                <a:solidFill>
+                  <a:schemeClr val="tx1"/>
+                </a:solidFill>
+                <a:latin typeface="Arial Unicode MS" panose="020B0604020202020204" pitchFamily="34" charset="-128"/>
+              </a:rPr>
+              <a:t> = ( </a:t>
             </a:r>
           </a:p>
           <a:p>
@@ -11250,12 +10212,158 @@
               <a:t>        </a:t>
             </a:r>
             <a:r>
-              <a:rPr lang="nl-BE" sz="1200" dirty="0">
+              <a:rPr lang="nl-BE" sz="1200" dirty="0" err="1">
                 <a:solidFill>
                   <a:srgbClr val="0000FF"/>
                 </a:solidFill>
                 <a:latin typeface="Arial Unicode MS" panose="020B0604020202020204" pitchFamily="34" charset="-128"/>
               </a:rPr>
+              <a:t>from</a:t>
+            </a:r>
+            <a:r>
+              <a:rPr lang="nl-BE" sz="1200" dirty="0">
+                <a:solidFill>
+                  <a:schemeClr val="tx1"/>
+                </a:solidFill>
+                <a:latin typeface="Arial Unicode MS" panose="020B0604020202020204" pitchFamily="34" charset="-128"/>
+              </a:rPr>
+              <a:t> product </a:t>
+            </a:r>
+            <a:r>
+              <a:rPr lang="nl-BE" sz="1200" dirty="0">
+                <a:solidFill>
+                  <a:srgbClr val="0000FF"/>
+                </a:solidFill>
+                <a:latin typeface="Arial Unicode MS" panose="020B0604020202020204" pitchFamily="34" charset="-128"/>
+              </a:rPr>
+              <a:t>in</a:t>
+            </a:r>
+            <a:r>
+              <a:rPr lang="nl-BE" sz="1200" dirty="0">
+                <a:solidFill>
+                  <a:schemeClr val="tx1"/>
+                </a:solidFill>
+                <a:latin typeface="Arial Unicode MS" panose="020B0604020202020204" pitchFamily="34" charset="-128"/>
+              </a:rPr>
+              <a:t> </a:t>
+            </a:r>
+            <a:r>
+              <a:rPr lang="nl-BE" sz="1200" dirty="0" err="1">
+                <a:solidFill>
+                  <a:schemeClr val="tx1"/>
+                </a:solidFill>
+                <a:latin typeface="Arial Unicode MS" panose="020B0604020202020204" pitchFamily="34" charset="-128"/>
+              </a:rPr>
+              <a:t>products</a:t>
+            </a:r>
+            <a:r>
+              <a:rPr lang="nl-BE" sz="1200" dirty="0">
+                <a:solidFill>
+                  <a:schemeClr val="tx1"/>
+                </a:solidFill>
+                <a:latin typeface="Arial Unicode MS" panose="020B0604020202020204" pitchFamily="34" charset="-128"/>
+              </a:rPr>
+              <a:t> </a:t>
+            </a:r>
+          </a:p>
+          <a:p>
+            <a:pPr marL="0" indent="0" defTabSz="685800" eaLnBrk="0" fontAlgn="base" hangingPunct="0">
+              <a:spcBef>
+                <a:spcPct val="0"/>
+              </a:spcBef>
+              <a:spcAft>
+                <a:spcPct val="0"/>
+              </a:spcAft>
+              <a:buClrTx/>
+              <a:buSzTx/>
+              <a:buNone/>
+            </a:pPr>
+            <a:r>
+              <a:rPr lang="nl-BE" sz="1200" dirty="0">
+                <a:latin typeface="Arial Unicode MS" panose="020B0604020202020204" pitchFamily="34" charset="-128"/>
+              </a:rPr>
+              <a:t>        </a:t>
+            </a:r>
+            <a:r>
+              <a:rPr lang="nl-BE" sz="1200" dirty="0" err="1">
+                <a:solidFill>
+                  <a:srgbClr val="0000FF"/>
+                </a:solidFill>
+                <a:latin typeface="Arial Unicode MS" panose="020B0604020202020204" pitchFamily="34" charset="-128"/>
+              </a:rPr>
+              <a:t>orderby</a:t>
+            </a:r>
+            <a:r>
+              <a:rPr lang="nl-BE" sz="1200" dirty="0">
+                <a:solidFill>
+                  <a:schemeClr val="tx1"/>
+                </a:solidFill>
+                <a:latin typeface="Arial Unicode MS" panose="020B0604020202020204" pitchFamily="34" charset="-128"/>
+              </a:rPr>
+              <a:t> </a:t>
+            </a:r>
+            <a:r>
+              <a:rPr lang="nl-BE" sz="1200" dirty="0" err="1">
+                <a:solidFill>
+                  <a:schemeClr val="tx1"/>
+                </a:solidFill>
+                <a:latin typeface="Arial Unicode MS" panose="020B0604020202020204" pitchFamily="34" charset="-128"/>
+              </a:rPr>
+              <a:t>product.ListPrice</a:t>
+            </a:r>
+            <a:r>
+              <a:rPr lang="nl-BE" sz="1200" dirty="0">
+                <a:solidFill>
+                  <a:schemeClr val="tx1"/>
+                </a:solidFill>
+                <a:latin typeface="Arial Unicode MS" panose="020B0604020202020204" pitchFamily="34" charset="-128"/>
+              </a:rPr>
+              <a:t> </a:t>
+            </a:r>
+            <a:r>
+              <a:rPr lang="nl-BE" sz="1200" dirty="0" err="1">
+                <a:solidFill>
+                  <a:srgbClr val="0000FF"/>
+                </a:solidFill>
+                <a:latin typeface="Arial Unicode MS" panose="020B0604020202020204" pitchFamily="34" charset="-128"/>
+              </a:rPr>
+              <a:t>descending</a:t>
+            </a:r>
+            <a:r>
+              <a:rPr lang="nl-BE" sz="1200" dirty="0">
+                <a:solidFill>
+                  <a:schemeClr val="tx1"/>
+                </a:solidFill>
+                <a:latin typeface="Arial Unicode MS" panose="020B0604020202020204" pitchFamily="34" charset="-128"/>
+              </a:rPr>
+              <a:t> </a:t>
+            </a:r>
+          </a:p>
+          <a:p>
+            <a:pPr marL="0" indent="0" defTabSz="685800" eaLnBrk="0" fontAlgn="base" hangingPunct="0">
+              <a:spcBef>
+                <a:spcPct val="0"/>
+              </a:spcBef>
+              <a:spcAft>
+                <a:spcPct val="0"/>
+              </a:spcAft>
+              <a:buClrTx/>
+              <a:buSzTx/>
+              <a:buNone/>
+            </a:pPr>
+            <a:r>
+              <a:rPr lang="nl-BE" sz="1200" dirty="0">
+                <a:latin typeface="Arial Unicode MS" panose="020B0604020202020204" pitchFamily="34" charset="-128"/>
+              </a:rPr>
+              <a:t>        </a:t>
+            </a:r>
+            <a:r>
+              <a:rPr lang="nl-BE" sz="1200" dirty="0">
+                <a:solidFill>
+                  <a:srgbClr val="0000FF"/>
+                </a:solidFill>
+                <a:latin typeface="Arial Unicode MS" panose="020B0604020202020204" pitchFamily="34" charset="-128"/>
+              </a:rPr>
               <a:t>select</a:t>
             </a:r>
             <a:r>
@@ -11265,8 +10373,62 @@
                 </a:solidFill>
                 <a:latin typeface="Arial Unicode MS" panose="020B0604020202020204" pitchFamily="34" charset="-128"/>
               </a:rPr>
-              <a:t> s; </a:t>
-            </a:r>
+              <a:t> product).</a:t>
+            </a:r>
+            <a:r>
+              <a:rPr lang="nl-BE" sz="1200" dirty="0" err="1">
+                <a:solidFill>
+                  <a:schemeClr val="tx1"/>
+                </a:solidFill>
+                <a:latin typeface="Arial Unicode MS" panose="020B0604020202020204" pitchFamily="34" charset="-128"/>
+              </a:rPr>
+              <a:t>ToArray</a:t>
+            </a:r>
+            <a:r>
+              <a:rPr lang="nl-BE" sz="1200" dirty="0">
+                <a:solidFill>
+                  <a:schemeClr val="tx1"/>
+                </a:solidFill>
+                <a:latin typeface="Arial Unicode MS" panose="020B0604020202020204" pitchFamily="34" charset="-128"/>
+              </a:rPr>
+              <a:t>();  </a:t>
+            </a:r>
+            <a:r>
+              <a:rPr lang="nl-BE" sz="1200" dirty="0">
+                <a:solidFill>
+                  <a:srgbClr val="7030A0"/>
+                </a:solidFill>
+                <a:latin typeface="Arial Unicode MS" panose="020B0604020202020204" pitchFamily="34" charset="-128"/>
+                <a:sym typeface="Wingdings" panose="05000000000000000000" pitchFamily="2" charset="2"/>
+              </a:rPr>
+              <a:t> </a:t>
+            </a:r>
+            <a:r>
+              <a:rPr lang="nl-BE" sz="1200" dirty="0" err="1">
+                <a:solidFill>
+                  <a:srgbClr val="7030A0"/>
+                </a:solidFill>
+                <a:latin typeface="Arial Unicode MS" panose="020B0604020202020204" pitchFamily="34" charset="-128"/>
+                <a:sym typeface="Wingdings" panose="05000000000000000000" pitchFamily="2" charset="2"/>
+              </a:rPr>
+              <a:t>ToArray</a:t>
+            </a:r>
+            <a:r>
+              <a:rPr lang="nl-BE" sz="1200" dirty="0">
+                <a:solidFill>
+                  <a:srgbClr val="7030A0"/>
+                </a:solidFill>
+                <a:latin typeface="Arial Unicode MS" panose="020B0604020202020204" pitchFamily="34" charset="-128"/>
+                <a:sym typeface="Wingdings" panose="05000000000000000000" pitchFamily="2" charset="2"/>
+              </a:rPr>
+              <a:t> zorgt ervoor dat de query uitvoert</a:t>
+            </a:r>
+            <a:endParaRPr lang="nl-BE" sz="1200" dirty="0">
+              <a:solidFill>
+                <a:srgbClr val="7030A0"/>
+              </a:solidFill>
+              <a:latin typeface="Arial Unicode MS" panose="020B0604020202020204" pitchFamily="34" charset="-128"/>
+            </a:endParaRPr>
           </a:p>
           <a:p>
             <a:pPr marL="0" indent="0" defTabSz="685800" eaLnBrk="0" fontAlgn="base" hangingPunct="0">
@@ -11299,7 +10461,7 @@
             <a:r>
               <a:rPr lang="nl-BE" sz="1200" dirty="0">
                 <a:solidFill>
-                  <a:srgbClr val="0000FF"/>
+                  <a:schemeClr val="tx1"/>
                 </a:solidFill>
                 <a:latin typeface="Arial Unicode MS" panose="020B0604020202020204" pitchFamily="34" charset="-128"/>
               </a:rPr>
@@ -11308,52 +10470,43 @@
             <a:r>
               <a:rPr lang="nl-BE" sz="1200" dirty="0" err="1">
                 <a:solidFill>
-                  <a:srgbClr val="0000FF"/>
-                </a:solidFill>
-                <a:latin typeface="Arial Unicode MS" panose="020B0604020202020204" pitchFamily="34" charset="-128"/>
-              </a:rPr>
-              <a:t>foreach</a:t>
-            </a:r>
-            <a:r>
-              <a:rPr lang="nl-BE" sz="1200" dirty="0">
-                <a:solidFill>
-                  <a:schemeClr val="tx1"/>
-                </a:solidFill>
-                <a:latin typeface="Arial Unicode MS" panose="020B0604020202020204" pitchFamily="34" charset="-128"/>
-              </a:rPr>
-              <a:t> (</a:t>
+                  <a:schemeClr val="tx1"/>
+                </a:solidFill>
+                <a:latin typeface="Arial Unicode MS" panose="020B0604020202020204" pitchFamily="34" charset="-128"/>
+              </a:rPr>
+              <a:t>Console.WriteLine</a:t>
+            </a:r>
+            <a:r>
+              <a:rPr lang="nl-BE" sz="1200" dirty="0">
+                <a:solidFill>
+                  <a:schemeClr val="tx1"/>
+                </a:solidFill>
+                <a:latin typeface="Arial Unicode MS" panose="020B0604020202020204" pitchFamily="34" charset="-128"/>
+              </a:rPr>
+              <a:t>(</a:t>
+            </a:r>
+            <a:r>
+              <a:rPr lang="nl-BE" sz="1200" dirty="0">
+                <a:solidFill>
+                  <a:srgbClr val="A31515"/>
+                </a:solidFill>
+                <a:latin typeface="Arial Unicode MS" panose="020B0604020202020204" pitchFamily="34" charset="-128"/>
+              </a:rPr>
+              <a:t>"</a:t>
             </a:r>
             <a:r>
               <a:rPr lang="nl-BE" sz="1200" dirty="0" err="1">
                 <a:solidFill>
-                  <a:schemeClr val="tx1"/>
-                </a:solidFill>
-                <a:latin typeface="Arial Unicode MS" panose="020B0604020202020204" pitchFamily="34" charset="-128"/>
-              </a:rPr>
-              <a:t>SalesOrderHeader</a:t>
-            </a:r>
-            <a:r>
-              <a:rPr lang="nl-BE" sz="1200" dirty="0">
-                <a:solidFill>
-                  <a:schemeClr val="tx1"/>
-                </a:solidFill>
-                <a:latin typeface="Arial Unicode MS" panose="020B0604020202020204" pitchFamily="34" charset="-128"/>
-              </a:rPr>
-              <a:t> sale </a:t>
-            </a:r>
-            <a:r>
-              <a:rPr lang="nl-BE" sz="1200" dirty="0">
-                <a:solidFill>
-                  <a:srgbClr val="0000FF"/>
-                </a:solidFill>
-                <a:latin typeface="Arial Unicode MS" panose="020B0604020202020204" pitchFamily="34" charset="-128"/>
-              </a:rPr>
-              <a:t>in</a:t>
-            </a:r>
-            <a:r>
-              <a:rPr lang="nl-BE" sz="1200" dirty="0">
-                <a:solidFill>
-                  <a:schemeClr val="tx1"/>
+                  <a:srgbClr val="A31515"/>
+                </a:solidFill>
+                <a:latin typeface="Arial Unicode MS" panose="020B0604020202020204" pitchFamily="34" charset="-128"/>
+              </a:rPr>
+              <a:t>Every</a:t>
+            </a:r>
+            <a:r>
+              <a:rPr lang="nl-BE" sz="1200" dirty="0">
+                <a:solidFill>
+                  <a:srgbClr val="A31515"/>
                 </a:solidFill>
                 <a:latin typeface="Arial Unicode MS" panose="020B0604020202020204" pitchFamily="34" charset="-128"/>
               </a:rPr>
@@ -11362,27 +10515,102 @@
             <a:r>
               <a:rPr lang="nl-BE" sz="1200" dirty="0" err="1">
                 <a:solidFill>
-                  <a:schemeClr val="tx1"/>
-                </a:solidFill>
-                <a:latin typeface="Arial Unicode MS" panose="020B0604020202020204" pitchFamily="34" charset="-128"/>
-              </a:rPr>
-              <a:t>salesInfo</a:t>
-            </a:r>
-            <a:r>
-              <a:rPr lang="nl-BE" sz="1200" dirty="0">
-                <a:solidFill>
-                  <a:schemeClr val="tx1"/>
-                </a:solidFill>
-                <a:latin typeface="Arial Unicode MS" panose="020B0604020202020204" pitchFamily="34" charset="-128"/>
-              </a:rPr>
-              <a:t>)</a:t>
-            </a:r>
-            <a:endParaRPr lang="nl-BE" sz="1200" dirty="0">
-              <a:solidFill>
-                <a:srgbClr val="7030A0"/>
-              </a:solidFill>
-              <a:latin typeface="Arial Unicode MS" panose="020B0604020202020204" pitchFamily="34" charset="-128"/>
-            </a:endParaRPr>
+                  <a:srgbClr val="A31515"/>
+                </a:solidFill>
+                <a:latin typeface="Arial Unicode MS" panose="020B0604020202020204" pitchFamily="34" charset="-128"/>
+              </a:rPr>
+              <a:t>price</a:t>
+            </a:r>
+            <a:r>
+              <a:rPr lang="nl-BE" sz="1200" dirty="0">
+                <a:solidFill>
+                  <a:srgbClr val="A31515"/>
+                </a:solidFill>
+                <a:latin typeface="Arial Unicode MS" panose="020B0604020202020204" pitchFamily="34" charset="-128"/>
+              </a:rPr>
+              <a:t> </a:t>
+            </a:r>
+            <a:r>
+              <a:rPr lang="nl-BE" sz="1200" dirty="0" err="1">
+                <a:solidFill>
+                  <a:srgbClr val="A31515"/>
+                </a:solidFill>
+                <a:latin typeface="Arial Unicode MS" panose="020B0604020202020204" pitchFamily="34" charset="-128"/>
+              </a:rPr>
+              <a:t>from</a:t>
+            </a:r>
+            <a:r>
+              <a:rPr lang="nl-BE" sz="1200" dirty="0">
+                <a:solidFill>
+                  <a:srgbClr val="A31515"/>
+                </a:solidFill>
+                <a:latin typeface="Arial Unicode MS" panose="020B0604020202020204" pitchFamily="34" charset="-128"/>
+              </a:rPr>
+              <a:t> </a:t>
+            </a:r>
+            <a:r>
+              <a:rPr lang="nl-BE" sz="1200" dirty="0" err="1">
+                <a:solidFill>
+                  <a:srgbClr val="A31515"/>
+                </a:solidFill>
+                <a:latin typeface="Arial Unicode MS" panose="020B0604020202020204" pitchFamily="34" charset="-128"/>
+              </a:rPr>
+              <a:t>highest</a:t>
+            </a:r>
+            <a:r>
+              <a:rPr lang="nl-BE" sz="1200" dirty="0">
+                <a:solidFill>
+                  <a:srgbClr val="A31515"/>
+                </a:solidFill>
+                <a:latin typeface="Arial Unicode MS" panose="020B0604020202020204" pitchFamily="34" charset="-128"/>
+              </a:rPr>
+              <a:t> </a:t>
+            </a:r>
+            <a:r>
+              <a:rPr lang="nl-BE" sz="1200" dirty="0" err="1">
+                <a:solidFill>
+                  <a:srgbClr val="A31515"/>
+                </a:solidFill>
+                <a:latin typeface="Arial Unicode MS" panose="020B0604020202020204" pitchFamily="34" charset="-128"/>
+              </a:rPr>
+              <a:t>to</a:t>
+            </a:r>
+            <a:r>
+              <a:rPr lang="nl-BE" sz="1200" dirty="0">
+                <a:solidFill>
+                  <a:srgbClr val="A31515"/>
+                </a:solidFill>
+                <a:latin typeface="Arial Unicode MS" panose="020B0604020202020204" pitchFamily="34" charset="-128"/>
+              </a:rPr>
+              <a:t> </a:t>
+            </a:r>
+            <a:r>
+              <a:rPr lang="nl-BE" sz="1200" dirty="0" err="1">
+                <a:solidFill>
+                  <a:srgbClr val="A31515"/>
+                </a:solidFill>
+                <a:latin typeface="Arial Unicode MS" panose="020B0604020202020204" pitchFamily="34" charset="-128"/>
+              </a:rPr>
+              <a:t>lowest</a:t>
+            </a:r>
+            <a:r>
+              <a:rPr lang="nl-BE" sz="1200" dirty="0">
+                <a:solidFill>
+                  <a:srgbClr val="A31515"/>
+                </a:solidFill>
+                <a:latin typeface="Arial Unicode MS" panose="020B0604020202020204" pitchFamily="34" charset="-128"/>
+              </a:rPr>
+              <a:t>:"</a:t>
+            </a:r>
+            <a:r>
+              <a:rPr lang="nl-BE" sz="1200" dirty="0">
+                <a:solidFill>
+                  <a:schemeClr val="tx1"/>
+                </a:solidFill>
+                <a:latin typeface="Arial Unicode MS" panose="020B0604020202020204" pitchFamily="34" charset="-128"/>
+              </a:rPr>
+              <a:t>); </a:t>
+            </a:r>
           </a:p>
           <a:p>
             <a:pPr marL="0" indent="0" defTabSz="685800" eaLnBrk="0" fontAlgn="base" hangingPunct="0">
@@ -11396,21 +10624,9 @@
               <a:buSzTx/>
               <a:buNone/>
             </a:pPr>
-            <a:r>
-              <a:rPr lang="nl-BE" sz="1200" dirty="0">
-                <a:latin typeface="Arial Unicode MS" panose="020B0604020202020204" pitchFamily="34" charset="-128"/>
-              </a:rPr>
-              <a:t>    </a:t>
-            </a:r>
-            <a:r>
-              <a:rPr lang="nl-BE" sz="1200" dirty="0">
-                <a:solidFill>
-                  <a:schemeClr val="tx1"/>
-                </a:solidFill>
-                <a:latin typeface="Arial Unicode MS" panose="020B0604020202020204" pitchFamily="34" charset="-128"/>
-              </a:rPr>
-              <a:t>{ </a:t>
-            </a:r>
+            <a:endParaRPr lang="nl-BE" sz="1200" dirty="0">
+              <a:latin typeface="Arial Unicode MS" panose="020B0604020202020204" pitchFamily="34" charset="-128"/>
+            </a:endParaRPr>
           </a:p>
           <a:p>
             <a:pPr marL="0" indent="0" defTabSz="685800" eaLnBrk="0" fontAlgn="base" hangingPunct="0">
@@ -11426,117 +10642,84 @@
             </a:pPr>
             <a:r>
               <a:rPr lang="nl-BE" sz="1200" dirty="0">
-                <a:latin typeface="Arial Unicode MS" panose="020B0604020202020204" pitchFamily="34" charset="-128"/>
-              </a:rPr>
-              <a:t>        </a:t>
+                <a:solidFill>
+                  <a:srgbClr val="0000FF"/>
+                </a:solidFill>
+                <a:latin typeface="Arial Unicode MS" panose="020B0604020202020204" pitchFamily="34" charset="-128"/>
+              </a:rPr>
+              <a:t>    </a:t>
             </a:r>
             <a:r>
               <a:rPr lang="nl-BE" sz="1200" dirty="0" err="1">
                 <a:solidFill>
-                  <a:schemeClr val="tx1"/>
-                </a:solidFill>
-                <a:latin typeface="Arial Unicode MS" panose="020B0604020202020204" pitchFamily="34" charset="-128"/>
-              </a:rPr>
-              <a:t>Console.WriteLine</a:t>
-            </a:r>
-            <a:r>
-              <a:rPr lang="nl-BE" sz="1200" dirty="0">
-                <a:solidFill>
-                  <a:schemeClr val="tx1"/>
-                </a:solidFill>
-                <a:latin typeface="Arial Unicode MS" panose="020B0604020202020204" pitchFamily="34" charset="-128"/>
-              </a:rPr>
-              <a:t>(</a:t>
-            </a:r>
-            <a:r>
-              <a:rPr lang="nl-BE" sz="1200" dirty="0">
-                <a:solidFill>
-                  <a:srgbClr val="A31515"/>
-                </a:solidFill>
-                <a:latin typeface="Arial Unicode MS" panose="020B0604020202020204" pitchFamily="34" charset="-128"/>
-              </a:rPr>
-              <a:t>"</a:t>
+                  <a:srgbClr val="0000FF"/>
+                </a:solidFill>
+                <a:latin typeface="Arial Unicode MS" panose="020B0604020202020204" pitchFamily="34" charset="-128"/>
+              </a:rPr>
+              <a:t>foreach</a:t>
+            </a:r>
+            <a:r>
+              <a:rPr lang="nl-BE" sz="1200" dirty="0">
+                <a:solidFill>
+                  <a:schemeClr val="tx1"/>
+                </a:solidFill>
+                <a:latin typeface="Arial Unicode MS" panose="020B0604020202020204" pitchFamily="34" charset="-128"/>
+              </a:rPr>
+              <a:t> (Product </a:t>
             </a:r>
             <a:r>
               <a:rPr lang="nl-BE" sz="1200" dirty="0" err="1">
                 <a:solidFill>
-                  <a:srgbClr val="A31515"/>
-                </a:solidFill>
-                <a:latin typeface="Arial Unicode MS" panose="020B0604020202020204" pitchFamily="34" charset="-128"/>
-              </a:rPr>
-              <a:t>OrderID</a:t>
-            </a:r>
-            <a:r>
-              <a:rPr lang="nl-BE" sz="1200" dirty="0">
-                <a:solidFill>
-                  <a:srgbClr val="A31515"/>
-                </a:solidFill>
-                <a:latin typeface="Arial Unicode MS" panose="020B0604020202020204" pitchFamily="34" charset="-128"/>
-              </a:rPr>
-              <a:t>: {0}, Total </a:t>
+                  <a:schemeClr val="tx1"/>
+                </a:solidFill>
+                <a:latin typeface="Arial Unicode MS" panose="020B0604020202020204" pitchFamily="34" charset="-128"/>
+              </a:rPr>
+              <a:t>product</a:t>
+            </a:r>
+            <a:r>
+              <a:rPr lang="nl-BE" sz="1200" dirty="0">
+                <a:solidFill>
+                  <a:schemeClr val="tx1"/>
+                </a:solidFill>
+                <a:latin typeface="Arial Unicode MS" panose="020B0604020202020204" pitchFamily="34" charset="-128"/>
+              </a:rPr>
+              <a:t> </a:t>
+            </a:r>
+            <a:r>
+              <a:rPr lang="nl-BE" sz="1200" dirty="0">
+                <a:solidFill>
+                  <a:srgbClr val="0000FF"/>
+                </a:solidFill>
+                <a:latin typeface="Arial Unicode MS" panose="020B0604020202020204" pitchFamily="34" charset="-128"/>
+              </a:rPr>
+              <a:t>in</a:t>
+            </a:r>
+            <a:r>
+              <a:rPr lang="nl-BE" sz="1200" dirty="0">
+                <a:solidFill>
+                  <a:schemeClr val="tx1"/>
+                </a:solidFill>
+                <a:latin typeface="Arial Unicode MS" panose="020B0604020202020204" pitchFamily="34" charset="-128"/>
+              </a:rPr>
+              <a:t> </a:t>
             </a:r>
             <a:r>
               <a:rPr lang="nl-BE" sz="1200" dirty="0" err="1">
                 <a:solidFill>
-                  <a:srgbClr val="A31515"/>
-                </a:solidFill>
-                <a:latin typeface="Arial Unicode MS" panose="020B0604020202020204" pitchFamily="34" charset="-128"/>
-              </a:rPr>
-              <a:t>due</a:t>
-            </a:r>
-            <a:r>
-              <a:rPr lang="nl-BE" sz="1200" dirty="0">
-                <a:solidFill>
-                  <a:srgbClr val="A31515"/>
-                </a:solidFill>
-                <a:latin typeface="Arial Unicode MS" panose="020B0604020202020204" pitchFamily="34" charset="-128"/>
-              </a:rPr>
-              <a:t>: {1}"</a:t>
-            </a:r>
-            <a:r>
-              <a:rPr lang="nl-BE" sz="1200" dirty="0">
-                <a:solidFill>
-                  <a:schemeClr val="tx1"/>
-                </a:solidFill>
-                <a:latin typeface="Arial Unicode MS" panose="020B0604020202020204" pitchFamily="34" charset="-128"/>
-              </a:rPr>
-              <a:t>, </a:t>
-            </a:r>
-            <a:r>
-              <a:rPr lang="nl-BE" sz="1200" dirty="0" err="1">
-                <a:solidFill>
-                  <a:schemeClr val="tx1"/>
-                </a:solidFill>
-                <a:latin typeface="Arial Unicode MS" panose="020B0604020202020204" pitchFamily="34" charset="-128"/>
-              </a:rPr>
-              <a:t>sale.SalesOrderID</a:t>
-            </a:r>
-            <a:r>
-              <a:rPr lang="nl-BE" sz="1200" dirty="0">
-                <a:solidFill>
-                  <a:schemeClr val="tx1"/>
-                </a:solidFill>
-                <a:latin typeface="Arial Unicode MS" panose="020B0604020202020204" pitchFamily="34" charset="-128"/>
-              </a:rPr>
-              <a:t>, </a:t>
-            </a:r>
-            <a:r>
-              <a:rPr lang="nl-BE" sz="1200" dirty="0" err="1">
-                <a:solidFill>
-                  <a:schemeClr val="tx1"/>
-                </a:solidFill>
-                <a:latin typeface="Arial Unicode MS" panose="020B0604020202020204" pitchFamily="34" charset="-128"/>
-              </a:rPr>
-              <a:t>sale.TotalDue</a:t>
-            </a:r>
-            <a:r>
-              <a:rPr lang="nl-BE" sz="1200" dirty="0">
-                <a:solidFill>
-                  <a:schemeClr val="tx1"/>
-                </a:solidFill>
-                <a:latin typeface="Arial Unicode MS" panose="020B0604020202020204" pitchFamily="34" charset="-128"/>
-              </a:rPr>
-              <a:t>); </a:t>
+                  <a:schemeClr val="tx1"/>
+                </a:solidFill>
+                <a:latin typeface="Arial Unicode MS" panose="020B0604020202020204" pitchFamily="34" charset="-128"/>
+              </a:rPr>
+              <a:t>prodArray</a:t>
+            </a:r>
+            <a:r>
+              <a:rPr lang="nl-BE" sz="1200" dirty="0">
+                <a:solidFill>
+                  <a:schemeClr val="tx1"/>
+                </a:solidFill>
+                <a:latin typeface="Arial Unicode MS" panose="020B0604020202020204" pitchFamily="34" charset="-128"/>
+              </a:rPr>
+              <a:t>) </a:t>
             </a:r>
           </a:p>
           <a:p>
@@ -11564,7 +10747,7 @@
                 </a:solidFill>
                 <a:latin typeface="Arial Unicode MS" panose="020B0604020202020204" pitchFamily="34" charset="-128"/>
               </a:rPr>
-              <a:t>} </a:t>
+              <a:t>{ </a:t>
             </a:r>
           </a:p>
           <a:p>
@@ -11581,6 +10764,89 @@
             </a:pPr>
             <a:r>
               <a:rPr lang="nl-BE" sz="1200" dirty="0">
+                <a:latin typeface="Arial Unicode MS" panose="020B0604020202020204" pitchFamily="34" charset="-128"/>
+              </a:rPr>
+              <a:t>        </a:t>
+            </a:r>
+            <a:r>
+              <a:rPr lang="nl-BE" sz="1200" dirty="0" err="1">
+                <a:solidFill>
+                  <a:schemeClr val="tx1"/>
+                </a:solidFill>
+                <a:latin typeface="Arial Unicode MS" panose="020B0604020202020204" pitchFamily="34" charset="-128"/>
+              </a:rPr>
+              <a:t>Console.WriteLine</a:t>
+            </a:r>
+            <a:r>
+              <a:rPr lang="nl-BE" sz="1200" dirty="0">
+                <a:solidFill>
+                  <a:schemeClr val="tx1"/>
+                </a:solidFill>
+                <a:latin typeface="Arial Unicode MS" panose="020B0604020202020204" pitchFamily="34" charset="-128"/>
+              </a:rPr>
+              <a:t>(</a:t>
+            </a:r>
+            <a:r>
+              <a:rPr lang="nl-BE" sz="1200" dirty="0" err="1">
+                <a:solidFill>
+                  <a:schemeClr val="tx1"/>
+                </a:solidFill>
+                <a:latin typeface="Arial Unicode MS" panose="020B0604020202020204" pitchFamily="34" charset="-128"/>
+              </a:rPr>
+              <a:t>product.ListPrice</a:t>
+            </a:r>
+            <a:r>
+              <a:rPr lang="nl-BE" sz="1200" dirty="0">
+                <a:solidFill>
+                  <a:schemeClr val="tx1"/>
+                </a:solidFill>
+                <a:latin typeface="Arial Unicode MS" panose="020B0604020202020204" pitchFamily="34" charset="-128"/>
+              </a:rPr>
+              <a:t>); </a:t>
+            </a:r>
+          </a:p>
+          <a:p>
+            <a:pPr marL="0" indent="0" defTabSz="685800" eaLnBrk="0" fontAlgn="base" hangingPunct="0">
+              <a:spcBef>
+                <a:spcPct val="0"/>
+              </a:spcBef>
+              <a:spcAft>
+                <a:spcPct val="0"/>
+              </a:spcAft>
+              <a:buClrTx/>
+              <a:buSzTx/>
+              <a:buNone/>
+            </a:pPr>
+            <a:r>
+              <a:rPr lang="nl-BE" sz="1200" dirty="0">
+                <a:latin typeface="Arial Unicode MS" panose="020B0604020202020204" pitchFamily="34" charset="-128"/>
+              </a:rPr>
+              <a:t>    </a:t>
+            </a:r>
+            <a:r>
+              <a:rPr lang="nl-BE" sz="1200" dirty="0">
+                <a:solidFill>
+                  <a:schemeClr val="tx1"/>
+                </a:solidFill>
+                <a:latin typeface="Arial Unicode MS" panose="020B0604020202020204" pitchFamily="34" charset="-128"/>
+              </a:rPr>
+              <a:t>} </a:t>
+            </a:r>
+          </a:p>
+          <a:p>
+            <a:pPr marL="0" indent="0" defTabSz="685800" eaLnBrk="0" fontAlgn="base" hangingPunct="0">
+              <a:spcBef>
+                <a:spcPct val="0"/>
+              </a:spcBef>
+              <a:spcAft>
+                <a:spcPct val="0"/>
+              </a:spcAft>
+              <a:buClrTx/>
+              <a:buSzTx/>
+              <a:buNone/>
+            </a:pPr>
+            <a:r>
+              <a:rPr lang="nl-BE" sz="1200" dirty="0">
                 <a:solidFill>
                   <a:schemeClr val="tx1"/>
                 </a:solidFill>
@@ -11608,7 +10874,7 @@
     </p:spTree>
     <p:extLst>
       <p:ext uri="{BB962C8B-B14F-4D97-AF65-F5344CB8AC3E}">
-        <p14:creationId xmlns:p14="http://schemas.microsoft.com/office/powerpoint/2010/main" val="3075985518"/>
+        <p14:creationId xmlns:p14="http://schemas.microsoft.com/office/powerpoint/2010/main" val="177202050"/>
       </p:ext>
     </p:extLst>
   </p:cSld>
@@ -12045,44 +11311,8 @@
                 </a:solidFill>
                 <a:latin typeface="Arial Unicode MS" panose="020B0604020202020204" pitchFamily="34" charset="-128"/>
               </a:rPr>
-              <a:t>  </a:t>
-            </a:r>
-            <a:r>
-              <a:rPr lang="nl-BE" sz="1200" dirty="0">
-                <a:solidFill>
-                  <a:srgbClr val="7030A0"/>
-                </a:solidFill>
-                <a:latin typeface="Arial Unicode MS" panose="020B0604020202020204" pitchFamily="34" charset="-128"/>
-                <a:sym typeface="Wingdings" panose="05000000000000000000" pitchFamily="2" charset="2"/>
-              </a:rPr>
-              <a:t> Wordt vertaald naar een SQL </a:t>
-            </a:r>
-            <a:r>
-              <a:rPr lang="nl-BE" sz="1200" dirty="0" err="1">
-                <a:solidFill>
-                  <a:srgbClr val="7030A0"/>
-                </a:solidFill>
-                <a:latin typeface="Arial Unicode MS" panose="020B0604020202020204" pitchFamily="34" charset="-128"/>
-                <a:sym typeface="Wingdings" panose="05000000000000000000" pitchFamily="2" charset="2"/>
-              </a:rPr>
-              <a:t>where</a:t>
-            </a:r>
-            <a:r>
-              <a:rPr lang="nl-BE" sz="1200" dirty="0">
-                <a:solidFill>
-                  <a:srgbClr val="7030A0"/>
-                </a:solidFill>
-                <a:latin typeface="Arial Unicode MS" panose="020B0604020202020204" pitchFamily="34" charset="-128"/>
-                <a:sym typeface="Wingdings" panose="05000000000000000000" pitchFamily="2" charset="2"/>
-              </a:rPr>
-              <a:t>-clause</a:t>
-            </a:r>
-            <a:endParaRPr lang="nl-BE" sz="1200" dirty="0">
-              <a:solidFill>
-                <a:srgbClr val="7030A0"/>
-              </a:solidFill>
-              <a:latin typeface="Arial Unicode MS" panose="020B0604020202020204" pitchFamily="34" charset="-128"/>
-            </a:endParaRPr>
+              <a:t> </a:t>
+            </a:r>
           </a:p>
           <a:p>
             <a:pPr marL="0" indent="0" defTabSz="685800" eaLnBrk="0" fontAlgn="base" hangingPunct="0">
@@ -12228,17 +11458,7 @@
                 </a:solidFill>
                 <a:latin typeface="Arial Unicode MS" panose="020B0604020202020204" pitchFamily="34" charset="-128"/>
               </a:rPr>
-              <a:t>) </a:t>
-            </a:r>
-            <a:r>
-              <a:rPr lang="nl-BE" sz="1200" dirty="0">
-                <a:solidFill>
-                  <a:srgbClr val="7030A0"/>
-                </a:solidFill>
-                <a:latin typeface="Arial Unicode MS" panose="020B0604020202020204" pitchFamily="34" charset="-128"/>
-                <a:sym typeface="Wingdings" panose="05000000000000000000" pitchFamily="2" charset="2"/>
-              </a:rPr>
-              <a:t> Hier wordt de query uitgevoerd</a:t>
+              <a:t>)</a:t>
             </a:r>
             <a:endParaRPr lang="nl-BE" sz="1200" dirty="0">
               <a:solidFill>
@@ -12471,7 +11691,7 @@
     </p:spTree>
     <p:extLst>
       <p:ext uri="{BB962C8B-B14F-4D97-AF65-F5344CB8AC3E}">
-        <p14:creationId xmlns:p14="http://schemas.microsoft.com/office/powerpoint/2010/main" val="1076988942"/>
+        <p14:creationId xmlns:p14="http://schemas.microsoft.com/office/powerpoint/2010/main" val="3075985518"/>
       </p:ext>
     </p:extLst>
   </p:cSld>
@@ -12514,177 +11734,827 @@
           <a:lstStyle/>
           <a:p>
             <a:r>
+              <a:rPr lang="nl-BE" dirty="0"/>
+              <a:t>LINQ query – Store </a:t>
+            </a:r>
+            <a:r>
               <a:rPr lang="nl-BE" dirty="0" err="1"/>
-              <a:t>IEnumerable</a:t>
-            </a:r>
-            <a:r>
-              <a:rPr lang="nl-BE" dirty="0"/>
-              <a:t>&lt;T&gt; vs. </a:t>
-            </a:r>
-            <a:r>
-              <a:rPr lang="nl-BE" dirty="0" err="1"/>
-              <a:t>IQueryable</a:t>
-            </a:r>
-            <a:r>
-              <a:rPr lang="nl-BE" dirty="0"/>
-              <a:t>&lt;T&gt;</a:t>
-            </a:r>
+              <a:t>execution</a:t>
+            </a:r>
+            <a:endParaRPr lang="nl-BE" dirty="0"/>
           </a:p>
         </p:txBody>
       </p:sp>
       <p:sp>
         <p:nvSpPr>
-          <p:cNvPr id="3" name="Content Placeholder 2"/>
+          <p:cNvPr id="6" name="Rectangle 1"/>
           <p:cNvSpPr>
-            <a:spLocks noGrp="1"/>
+            <a:spLocks noGrp="1" noChangeArrowheads="1"/>
           </p:cNvSpPr>
           <p:nvPr>
             <p:ph idx="1"/>
           </p:nvPr>
         </p:nvSpPr>
-        <p:spPr/>
+        <p:spPr bwMode="auto">
+          <a:xfrm>
+            <a:off x="1485899" y="1977684"/>
+            <a:ext cx="6228308" cy="2285241"/>
+          </a:xfrm>
+          <a:prstGeom prst="rect">
+            <a:avLst/>
+          </a:prstGeom>
+          <a:noFill/>
+          <a:ln>
+            <a:noFill/>
+          </a:ln>
+          <a:effectLst/>
+          <a:extLst>
+            <a:ext uri="{909E8E84-426E-40DD-AFC4-6F175D3DCCD1}">
+              <a14:hiddenFill xmlns:a14="http://schemas.microsoft.com/office/drawing/2010/main">
+                <a:solidFill>
+                  <a:schemeClr val="accent1"/>
+                </a:solidFill>
+              </a14:hiddenFill>
+            </a:ext>
+            <a:ext uri="{91240B29-F687-4F45-9708-019B960494DF}">
+              <a14:hiddenLine xmlns:a14="http://schemas.microsoft.com/office/drawing/2010/main" w="9525">
+                <a:solidFill>
+                  <a:schemeClr val="tx1"/>
+                </a:solidFill>
+                <a:miter lim="800000"/>
+                <a:headEnd/>
+                <a:tailEnd/>
+              </a14:hiddenLine>
+            </a:ext>
+            <a:ext uri="{AF507438-7753-43E0-B8FC-AC1667EBCBE1}">
+              <a14:hiddenEffects xmlns:a14="http://schemas.microsoft.com/office/drawing/2010/main">
+                <a:effectLst>
+                  <a:outerShdw dist="35921" dir="2700000" algn="ctr" rotWithShape="0">
+                    <a:schemeClr val="bg2"/>
+                  </a:outerShdw>
+                </a:effectLst>
+              </a14:hiddenEffects>
+            </a:ext>
+          </a:extLst>
+        </p:spPr>
         <p:txBody>
-          <a:bodyPr>
-            <a:normAutofit/>
+          <a:bodyPr vert="horz" wrap="none" lIns="68580" tIns="34290" rIns="68580" bIns="34290" numCol="1" rtlCol="0" anchor="ctr" anchorCtr="0" compatLnSpc="1">
+            <a:prstTxWarp prst="textNoShape">
+              <a:avLst/>
+            </a:prstTxWarp>
+            <a:spAutoFit/>
           </a:bodyPr>
           <a:lstStyle/>
           <a:p>
-            <a:r>
-              <a:rPr lang="nl-BE" dirty="0" err="1"/>
-              <a:t>IEnumerable</a:t>
-            </a:r>
-            <a:r>
-              <a:rPr lang="nl-BE" dirty="0"/>
-              <a:t>&lt;T&gt;</a:t>
-            </a:r>
-          </a:p>
-          <a:p>
-            <a:pPr lvl="1"/>
-            <a:r>
-              <a:rPr lang="nl-BE" dirty="0"/>
-              <a:t>Een lijst waarover je kunt itereren</a:t>
-            </a:r>
-          </a:p>
-          <a:p>
-            <a:pPr lvl="1"/>
-            <a:r>
-              <a:rPr lang="nl-BE" dirty="0"/>
-              <a:t>LINQ </a:t>
-            </a:r>
-            <a:r>
-              <a:rPr lang="nl-BE" dirty="0" err="1"/>
-              <a:t>queries</a:t>
-            </a:r>
-            <a:r>
-              <a:rPr lang="nl-BE" dirty="0"/>
-              <a:t>:</a:t>
-            </a:r>
-          </a:p>
-          <a:p>
-            <a:pPr lvl="2"/>
-            <a:r>
-              <a:rPr lang="nl-BE" dirty="0">
+            <a:pPr marL="0" indent="0" defTabSz="685800" eaLnBrk="0" fontAlgn="base" hangingPunct="0">
+              <a:spcBef>
+                <a:spcPct val="0"/>
+              </a:spcBef>
+              <a:spcAft>
+                <a:spcPct val="0"/>
+              </a:spcAft>
+              <a:buClrTx/>
+              <a:buSzTx/>
+              <a:buNone/>
+            </a:pPr>
+            <a:r>
+              <a:rPr lang="nl-BE" sz="1200" dirty="0" err="1">
+                <a:solidFill>
+                  <a:srgbClr val="0000FF"/>
+                </a:solidFill>
+                <a:latin typeface="Arial Unicode MS" panose="020B0604020202020204" pitchFamily="34" charset="-128"/>
+              </a:rPr>
+              <a:t>using</a:t>
+            </a:r>
+            <a:r>
+              <a:rPr lang="nl-BE" sz="1200" dirty="0">
+                <a:solidFill>
+                  <a:schemeClr val="tx1"/>
+                </a:solidFill>
+                <a:latin typeface="Arial Unicode MS" panose="020B0604020202020204" pitchFamily="34" charset="-128"/>
+              </a:rPr>
+              <a:t> (</a:t>
+            </a:r>
+            <a:r>
+              <a:rPr lang="nl-BE" sz="1200" dirty="0" err="1">
+                <a:solidFill>
+                  <a:schemeClr val="tx1"/>
+                </a:solidFill>
+                <a:latin typeface="Arial Unicode MS" panose="020B0604020202020204" pitchFamily="34" charset="-128"/>
+              </a:rPr>
+              <a:t>AdventureWorksEntities</a:t>
+            </a:r>
+            <a:r>
+              <a:rPr lang="nl-BE" sz="1200" dirty="0">
+                <a:solidFill>
+                  <a:schemeClr val="tx1"/>
+                </a:solidFill>
+                <a:latin typeface="Arial Unicode MS" panose="020B0604020202020204" pitchFamily="34" charset="-128"/>
+              </a:rPr>
+              <a:t> context = </a:t>
+            </a:r>
+            <a:r>
+              <a:rPr lang="nl-BE" sz="1200" dirty="0">
+                <a:solidFill>
+                  <a:srgbClr val="0000FF"/>
+                </a:solidFill>
+                <a:latin typeface="Arial Unicode MS" panose="020B0604020202020204" pitchFamily="34" charset="-128"/>
+              </a:rPr>
+              <a:t>new</a:t>
+            </a:r>
+            <a:r>
+              <a:rPr lang="nl-BE" sz="1200" dirty="0">
+                <a:solidFill>
+                  <a:schemeClr val="tx1"/>
+                </a:solidFill>
+                <a:latin typeface="Arial Unicode MS" panose="020B0604020202020204" pitchFamily="34" charset="-128"/>
+              </a:rPr>
+              <a:t> </a:t>
+            </a:r>
+            <a:r>
+              <a:rPr lang="nl-BE" sz="1200" dirty="0" err="1">
+                <a:solidFill>
+                  <a:schemeClr val="tx1"/>
+                </a:solidFill>
+                <a:latin typeface="Arial Unicode MS" panose="020B0604020202020204" pitchFamily="34" charset="-128"/>
+              </a:rPr>
+              <a:t>AdventureWorksEntities</a:t>
+            </a:r>
+            <a:r>
+              <a:rPr lang="nl-BE" sz="1200" dirty="0">
+                <a:solidFill>
+                  <a:schemeClr val="tx1"/>
+                </a:solidFill>
+                <a:latin typeface="Arial Unicode MS" panose="020B0604020202020204" pitchFamily="34" charset="-128"/>
+              </a:rPr>
+              <a:t>()) </a:t>
+            </a:r>
+          </a:p>
+          <a:p>
+            <a:pPr marL="0" indent="0" defTabSz="685800" eaLnBrk="0" fontAlgn="base" hangingPunct="0">
+              <a:spcBef>
+                <a:spcPct val="0"/>
+              </a:spcBef>
+              <a:spcAft>
+                <a:spcPct val="0"/>
+              </a:spcAft>
+              <a:buClrTx/>
+              <a:buSzTx/>
+              <a:buNone/>
+            </a:pPr>
+            <a:r>
+              <a:rPr lang="nl-BE" sz="1200" dirty="0">
+                <a:solidFill>
+                  <a:schemeClr val="tx1"/>
+                </a:solidFill>
+                <a:latin typeface="Arial Unicode MS" panose="020B0604020202020204" pitchFamily="34" charset="-128"/>
+              </a:rPr>
+              <a:t>{ </a:t>
+            </a:r>
+          </a:p>
+          <a:p>
+            <a:pPr marL="0" indent="0" defTabSz="685800" eaLnBrk="0" fontAlgn="base" hangingPunct="0">
+              <a:spcBef>
+                <a:spcPct val="0"/>
+              </a:spcBef>
+              <a:spcAft>
+                <a:spcPct val="0"/>
+              </a:spcAft>
+              <a:buClrTx/>
+              <a:buSzTx/>
+              <a:buNone/>
+            </a:pPr>
+            <a:r>
+              <a:rPr lang="nl-BE" sz="1200" dirty="0">
+                <a:latin typeface="Arial Unicode MS" panose="020B0604020202020204" pitchFamily="34" charset="-128"/>
+              </a:rPr>
+              <a:t>    </a:t>
+            </a:r>
+            <a:r>
+              <a:rPr lang="nl-BE" sz="1200" dirty="0" err="1">
+                <a:solidFill>
+                  <a:schemeClr val="tx1"/>
+                </a:solidFill>
+                <a:latin typeface="Arial Unicode MS" panose="020B0604020202020204" pitchFamily="34" charset="-128"/>
+              </a:rPr>
+              <a:t>IQueryable</a:t>
+            </a:r>
+            <a:r>
+              <a:rPr lang="nl-BE" sz="1200" dirty="0">
+                <a:solidFill>
+                  <a:schemeClr val="tx1"/>
+                </a:solidFill>
+                <a:latin typeface="Arial Unicode MS" panose="020B0604020202020204" pitchFamily="34" charset="-128"/>
+              </a:rPr>
+              <a:t>&lt;</a:t>
+            </a:r>
+            <a:r>
+              <a:rPr lang="nl-BE" sz="1200" dirty="0" err="1">
+                <a:solidFill>
+                  <a:schemeClr val="tx1"/>
+                </a:solidFill>
+                <a:latin typeface="Arial Unicode MS" panose="020B0604020202020204" pitchFamily="34" charset="-128"/>
+              </a:rPr>
+              <a:t>SalesOrderHeader</a:t>
+            </a:r>
+            <a:r>
+              <a:rPr lang="nl-BE" sz="1200" dirty="0">
+                <a:solidFill>
+                  <a:schemeClr val="tx1"/>
+                </a:solidFill>
+                <a:latin typeface="Arial Unicode MS" panose="020B0604020202020204" pitchFamily="34" charset="-128"/>
+              </a:rPr>
+              <a:t>&gt; </a:t>
+            </a:r>
+            <a:r>
+              <a:rPr lang="nl-BE" sz="1200" dirty="0" err="1">
+                <a:solidFill>
+                  <a:schemeClr val="tx1"/>
+                </a:solidFill>
+                <a:latin typeface="Arial Unicode MS" panose="020B0604020202020204" pitchFamily="34" charset="-128"/>
+              </a:rPr>
+              <a:t>salesInfo</a:t>
+            </a:r>
+            <a:r>
+              <a:rPr lang="nl-BE" sz="1200" dirty="0">
+                <a:solidFill>
+                  <a:schemeClr val="tx1"/>
+                </a:solidFill>
+                <a:latin typeface="Arial Unicode MS" panose="020B0604020202020204" pitchFamily="34" charset="-128"/>
+              </a:rPr>
+              <a:t> = </a:t>
+            </a:r>
+          </a:p>
+          <a:p>
+            <a:pPr marL="0" indent="0" defTabSz="685800" eaLnBrk="0" fontAlgn="base" hangingPunct="0">
+              <a:spcBef>
+                <a:spcPct val="0"/>
+              </a:spcBef>
+              <a:spcAft>
+                <a:spcPct val="0"/>
+              </a:spcAft>
+              <a:buClrTx/>
+              <a:buSzTx/>
+              <a:buNone/>
+            </a:pPr>
+            <a:r>
+              <a:rPr lang="nl-BE" sz="1200" dirty="0">
+                <a:latin typeface="Arial Unicode MS" panose="020B0604020202020204" pitchFamily="34" charset="-128"/>
+              </a:rPr>
+              <a:t>        </a:t>
+            </a:r>
+            <a:r>
+              <a:rPr lang="nl-BE" sz="1200" dirty="0" err="1">
+                <a:solidFill>
+                  <a:srgbClr val="0000FF"/>
+                </a:solidFill>
+                <a:latin typeface="Arial Unicode MS" panose="020B0604020202020204" pitchFamily="34" charset="-128"/>
+              </a:rPr>
+              <a:t>from</a:t>
+            </a:r>
+            <a:r>
+              <a:rPr lang="nl-BE" sz="1200" dirty="0">
+                <a:solidFill>
+                  <a:schemeClr val="tx1"/>
+                </a:solidFill>
+                <a:latin typeface="Arial Unicode MS" panose="020B0604020202020204" pitchFamily="34" charset="-128"/>
+              </a:rPr>
+              <a:t> s </a:t>
+            </a:r>
+            <a:r>
+              <a:rPr lang="nl-BE" sz="1200" dirty="0">
+                <a:solidFill>
+                  <a:srgbClr val="0000FF"/>
+                </a:solidFill>
+                <a:latin typeface="Arial Unicode MS" panose="020B0604020202020204" pitchFamily="34" charset="-128"/>
+              </a:rPr>
+              <a:t>in</a:t>
+            </a:r>
+            <a:r>
+              <a:rPr lang="nl-BE" sz="1200" dirty="0">
+                <a:solidFill>
+                  <a:schemeClr val="tx1"/>
+                </a:solidFill>
+                <a:latin typeface="Arial Unicode MS" panose="020B0604020202020204" pitchFamily="34" charset="-128"/>
+              </a:rPr>
+              <a:t> </a:t>
+            </a:r>
+            <a:r>
+              <a:rPr lang="nl-BE" sz="1200" dirty="0" err="1">
+                <a:solidFill>
+                  <a:schemeClr val="tx1"/>
+                </a:solidFill>
+                <a:latin typeface="Arial Unicode MS" panose="020B0604020202020204" pitchFamily="34" charset="-128"/>
+              </a:rPr>
+              <a:t>context.SalesOrderHeaders</a:t>
+            </a:r>
+            <a:r>
+              <a:rPr lang="nl-BE" sz="1200" dirty="0">
+                <a:solidFill>
+                  <a:schemeClr val="tx1"/>
+                </a:solidFill>
+                <a:latin typeface="Arial Unicode MS" panose="020B0604020202020204" pitchFamily="34" charset="-128"/>
+              </a:rPr>
+              <a:t> </a:t>
+            </a:r>
+          </a:p>
+          <a:p>
+            <a:pPr marL="0" indent="0" defTabSz="685800" eaLnBrk="0" fontAlgn="base" hangingPunct="0">
+              <a:spcBef>
+                <a:spcPct val="0"/>
+              </a:spcBef>
+              <a:spcAft>
+                <a:spcPct val="0"/>
+              </a:spcAft>
+              <a:buClrTx/>
+              <a:buSzTx/>
+              <a:buNone/>
+            </a:pPr>
+            <a:r>
+              <a:rPr lang="nl-BE" sz="1200" dirty="0">
+                <a:latin typeface="Arial Unicode MS" panose="020B0604020202020204" pitchFamily="34" charset="-128"/>
+              </a:rPr>
+              <a:t>        </a:t>
+            </a:r>
+            <a:r>
+              <a:rPr lang="nl-BE" sz="1200" dirty="0" err="1">
+                <a:solidFill>
+                  <a:srgbClr val="0000FF"/>
+                </a:solidFill>
+                <a:latin typeface="Arial Unicode MS" panose="020B0604020202020204" pitchFamily="34" charset="-128"/>
+              </a:rPr>
+              <a:t>where</a:t>
+            </a:r>
+            <a:r>
+              <a:rPr lang="nl-BE" sz="1200" dirty="0">
+                <a:solidFill>
+                  <a:schemeClr val="tx1"/>
+                </a:solidFill>
+                <a:latin typeface="Arial Unicode MS" panose="020B0604020202020204" pitchFamily="34" charset="-128"/>
+              </a:rPr>
+              <a:t> </a:t>
+            </a:r>
+            <a:r>
+              <a:rPr lang="nl-BE" sz="1200" dirty="0" err="1">
+                <a:solidFill>
+                  <a:schemeClr val="tx1"/>
+                </a:solidFill>
+                <a:latin typeface="Arial Unicode MS" panose="020B0604020202020204" pitchFamily="34" charset="-128"/>
+              </a:rPr>
+              <a:t>s.SalesOrderID</a:t>
+            </a:r>
+            <a:r>
+              <a:rPr lang="nl-BE" sz="1200" dirty="0">
+                <a:solidFill>
+                  <a:schemeClr val="tx1"/>
+                </a:solidFill>
+                <a:latin typeface="Arial Unicode MS" panose="020B0604020202020204" pitchFamily="34" charset="-128"/>
+              </a:rPr>
+              <a:t> == </a:t>
+            </a:r>
+            <a:r>
+              <a:rPr lang="nl-BE" sz="1200" dirty="0" err="1">
+                <a:solidFill>
+                  <a:schemeClr val="tx1"/>
+                </a:solidFill>
+                <a:latin typeface="Arial Unicode MS" panose="020B0604020202020204" pitchFamily="34" charset="-128"/>
+              </a:rPr>
+              <a:t>orderID</a:t>
+            </a:r>
+            <a:r>
+              <a:rPr lang="nl-BE" sz="1200" dirty="0">
+                <a:solidFill>
+                  <a:schemeClr val="tx1"/>
+                </a:solidFill>
+                <a:latin typeface="Arial Unicode MS" panose="020B0604020202020204" pitchFamily="34" charset="-128"/>
+              </a:rPr>
+              <a:t>  </a:t>
+            </a:r>
+            <a:r>
+              <a:rPr lang="nl-BE" sz="1200" dirty="0">
+                <a:solidFill>
+                  <a:srgbClr val="7030A0"/>
+                </a:solidFill>
+                <a:latin typeface="Arial Unicode MS" panose="020B0604020202020204" pitchFamily="34" charset="-128"/>
                 <a:sym typeface="Wingdings" panose="05000000000000000000" pitchFamily="2" charset="2"/>
               </a:rPr>
-              <a:t>In memory uitgevoerd</a:t>
-            </a:r>
-          </a:p>
-          <a:p>
-            <a:pPr lvl="2"/>
-            <a:r>
-              <a:rPr lang="nl-BE" dirty="0" err="1">
+              <a:t> Wordt vertaald naar een SQL </a:t>
+            </a:r>
+            <a:r>
+              <a:rPr lang="nl-BE" sz="1200" dirty="0" err="1">
+                <a:solidFill>
+                  <a:srgbClr val="7030A0"/>
+                </a:solidFill>
+                <a:latin typeface="Arial Unicode MS" panose="020B0604020202020204" pitchFamily="34" charset="-128"/>
                 <a:sym typeface="Wingdings" panose="05000000000000000000" pitchFamily="2" charset="2"/>
               </a:rPr>
+              <a:t>where</a:t>
+            </a:r>
+            <a:r>
+              <a:rPr lang="nl-BE" sz="1200" dirty="0">
+                <a:solidFill>
+                  <a:srgbClr val="7030A0"/>
+                </a:solidFill>
+                <a:latin typeface="Arial Unicode MS" panose="020B0604020202020204" pitchFamily="34" charset="-128"/>
+                <a:sym typeface="Wingdings" panose="05000000000000000000" pitchFamily="2" charset="2"/>
+              </a:rPr>
+              <a:t>-clause</a:t>
+            </a:r>
+            <a:endParaRPr lang="nl-BE" sz="1200" dirty="0">
+              <a:solidFill>
+                <a:srgbClr val="7030A0"/>
+              </a:solidFill>
+              <a:latin typeface="Arial Unicode MS" panose="020B0604020202020204" pitchFamily="34" charset="-128"/>
+            </a:endParaRPr>
+          </a:p>
+          <a:p>
+            <a:pPr marL="0" indent="0" defTabSz="685800" eaLnBrk="0" fontAlgn="base" hangingPunct="0">
+              <a:spcBef>
+                <a:spcPct val="0"/>
+              </a:spcBef>
+              <a:spcAft>
+                <a:spcPct val="0"/>
+              </a:spcAft>
+              <a:buClrTx/>
+              <a:buSzTx/>
+              <a:buNone/>
+            </a:pPr>
+            <a:r>
+              <a:rPr lang="nl-BE" sz="1200" dirty="0">
+                <a:latin typeface="Arial Unicode MS" panose="020B0604020202020204" pitchFamily="34" charset="-128"/>
+              </a:rPr>
+              <a:t>        </a:t>
+            </a:r>
+            <a:r>
+              <a:rPr lang="nl-BE" sz="1200" dirty="0">
+                <a:solidFill>
+                  <a:srgbClr val="0000FF"/>
+                </a:solidFill>
+                <a:latin typeface="Arial Unicode MS" panose="020B0604020202020204" pitchFamily="34" charset="-128"/>
+              </a:rPr>
+              <a:t>select</a:t>
+            </a:r>
+            <a:r>
+              <a:rPr lang="nl-BE" sz="1200" dirty="0">
+                <a:solidFill>
+                  <a:schemeClr val="tx1"/>
+                </a:solidFill>
+                <a:latin typeface="Arial Unicode MS" panose="020B0604020202020204" pitchFamily="34" charset="-128"/>
+              </a:rPr>
+              <a:t> s; </a:t>
+            </a:r>
+          </a:p>
+          <a:p>
+            <a:pPr marL="0" indent="0" defTabSz="685800" eaLnBrk="0" fontAlgn="base" hangingPunct="0">
+              <a:spcBef>
+                <a:spcPct val="0"/>
+              </a:spcBef>
+              <a:spcAft>
+                <a:spcPct val="0"/>
+              </a:spcAft>
+              <a:buClrTx/>
+              <a:buSzTx/>
+              <a:buNone/>
+            </a:pPr>
+            <a:endParaRPr lang="nl-BE" sz="1200" dirty="0">
+              <a:latin typeface="Arial Unicode MS" panose="020B0604020202020204" pitchFamily="34" charset="-128"/>
+            </a:endParaRPr>
+          </a:p>
+          <a:p>
+            <a:pPr marL="0" indent="0" defTabSz="685800" eaLnBrk="0" fontAlgn="base" hangingPunct="0">
+              <a:spcBef>
+                <a:spcPct val="0"/>
+              </a:spcBef>
+              <a:spcAft>
+                <a:spcPct val="0"/>
+              </a:spcAft>
+              <a:buClrTx/>
+              <a:buSzTx/>
+              <a:buNone/>
+            </a:pPr>
+            <a:r>
+              <a:rPr lang="nl-BE" sz="1200" dirty="0">
+                <a:solidFill>
+                  <a:srgbClr val="0000FF"/>
+                </a:solidFill>
+                <a:latin typeface="Arial Unicode MS" panose="020B0604020202020204" pitchFamily="34" charset="-128"/>
+              </a:rPr>
+              <a:t>    </a:t>
+            </a:r>
+            <a:r>
+              <a:rPr lang="nl-BE" sz="1200" dirty="0" err="1">
+                <a:solidFill>
+                  <a:srgbClr val="0000FF"/>
+                </a:solidFill>
+                <a:latin typeface="Arial Unicode MS" panose="020B0604020202020204" pitchFamily="34" charset="-128"/>
+              </a:rPr>
               <a:t>foreach</a:t>
             </a:r>
             <a:r>
-              <a:rPr lang="nl-BE" dirty="0">
+              <a:rPr lang="nl-BE" sz="1200" dirty="0">
+                <a:solidFill>
+                  <a:schemeClr val="tx1"/>
+                </a:solidFill>
+                <a:latin typeface="Arial Unicode MS" panose="020B0604020202020204" pitchFamily="34" charset="-128"/>
+              </a:rPr>
+              <a:t> (</a:t>
+            </a:r>
+            <a:r>
+              <a:rPr lang="nl-BE" sz="1200" dirty="0" err="1">
+                <a:solidFill>
+                  <a:schemeClr val="tx1"/>
+                </a:solidFill>
+                <a:latin typeface="Arial Unicode MS" panose="020B0604020202020204" pitchFamily="34" charset="-128"/>
+              </a:rPr>
+              <a:t>SalesOrderHeader</a:t>
+            </a:r>
+            <a:r>
+              <a:rPr lang="nl-BE" sz="1200" dirty="0">
+                <a:solidFill>
+                  <a:schemeClr val="tx1"/>
+                </a:solidFill>
+                <a:latin typeface="Arial Unicode MS" panose="020B0604020202020204" pitchFamily="34" charset="-128"/>
+              </a:rPr>
+              <a:t> sale </a:t>
+            </a:r>
+            <a:r>
+              <a:rPr lang="nl-BE" sz="1200" dirty="0">
+                <a:solidFill>
+                  <a:srgbClr val="0000FF"/>
+                </a:solidFill>
+                <a:latin typeface="Arial Unicode MS" panose="020B0604020202020204" pitchFamily="34" charset="-128"/>
+              </a:rPr>
+              <a:t>in</a:t>
+            </a:r>
+            <a:r>
+              <a:rPr lang="nl-BE" sz="1200" dirty="0">
+                <a:solidFill>
+                  <a:schemeClr val="tx1"/>
+                </a:solidFill>
+                <a:latin typeface="Arial Unicode MS" panose="020B0604020202020204" pitchFamily="34" charset="-128"/>
+              </a:rPr>
+              <a:t> </a:t>
+            </a:r>
+            <a:r>
+              <a:rPr lang="nl-BE" sz="1200" dirty="0" err="1">
+                <a:solidFill>
+                  <a:schemeClr val="tx1"/>
+                </a:solidFill>
+                <a:latin typeface="Arial Unicode MS" panose="020B0604020202020204" pitchFamily="34" charset="-128"/>
+              </a:rPr>
+              <a:t>salesInfo</a:t>
+            </a:r>
+            <a:r>
+              <a:rPr lang="nl-BE" sz="1200" dirty="0">
+                <a:solidFill>
+                  <a:schemeClr val="tx1"/>
+                </a:solidFill>
+                <a:latin typeface="Arial Unicode MS" panose="020B0604020202020204" pitchFamily="34" charset="-128"/>
+              </a:rPr>
+              <a:t>) </a:t>
+            </a:r>
+            <a:r>
+              <a:rPr lang="nl-BE" sz="1200" dirty="0">
+                <a:solidFill>
+                  <a:srgbClr val="7030A0"/>
+                </a:solidFill>
+                <a:latin typeface="Arial Unicode MS" panose="020B0604020202020204" pitchFamily="34" charset="-128"/>
                 <a:sym typeface="Wingdings" panose="05000000000000000000" pitchFamily="2" charset="2"/>
               </a:rPr>
-              <a:t> met ‘</a:t>
-            </a:r>
-            <a:r>
-              <a:rPr lang="nl-BE" dirty="0" err="1">
-                <a:sym typeface="Wingdings" panose="05000000000000000000" pitchFamily="2" charset="2"/>
-              </a:rPr>
-              <a:t>yield</a:t>
-            </a:r>
-            <a:r>
-              <a:rPr lang="nl-BE" dirty="0">
-                <a:sym typeface="Wingdings" panose="05000000000000000000" pitchFamily="2" charset="2"/>
-              </a:rPr>
-              <a:t> return’</a:t>
-            </a:r>
-          </a:p>
-          <a:p>
-            <a:r>
-              <a:rPr lang="nl-BE" dirty="0" err="1">
-                <a:sym typeface="Wingdings" panose="05000000000000000000" pitchFamily="2" charset="2"/>
-              </a:rPr>
-              <a:t>IQueryable</a:t>
-            </a:r>
-            <a:r>
-              <a:rPr lang="nl-BE" dirty="0">
-                <a:sym typeface="Wingdings" panose="05000000000000000000" pitchFamily="2" charset="2"/>
-              </a:rPr>
-              <a:t>&lt;T&gt;</a:t>
-            </a:r>
-          </a:p>
-          <a:p>
-            <a:pPr lvl="1"/>
-            <a:r>
-              <a:rPr lang="nl-BE" dirty="0">
-                <a:sym typeface="Wingdings" panose="05000000000000000000" pitchFamily="2" charset="2"/>
-              </a:rPr>
-              <a:t>LINQ </a:t>
-            </a:r>
-            <a:r>
-              <a:rPr lang="nl-BE" dirty="0" err="1">
-                <a:sym typeface="Wingdings" panose="05000000000000000000" pitchFamily="2" charset="2"/>
-              </a:rPr>
-              <a:t>queries</a:t>
-            </a:r>
-            <a:r>
-              <a:rPr lang="nl-BE" dirty="0">
-                <a:sym typeface="Wingdings" panose="05000000000000000000" pitchFamily="2" charset="2"/>
-              </a:rPr>
-              <a:t>:</a:t>
-            </a:r>
-          </a:p>
-          <a:p>
-            <a:pPr lvl="2"/>
-            <a:r>
-              <a:rPr lang="nl-BE" dirty="0">
-                <a:sym typeface="Wingdings" panose="05000000000000000000" pitchFamily="2" charset="2"/>
-              </a:rPr>
-              <a:t>Vertaald naar data store (SQL query)</a:t>
-            </a:r>
-          </a:p>
-          <a:p>
-            <a:pPr lvl="2"/>
-            <a:r>
-              <a:rPr lang="nl-BE" dirty="0">
-                <a:sym typeface="Wingdings" panose="05000000000000000000" pitchFamily="2" charset="2"/>
-              </a:rPr>
-              <a:t>Uitgevoerd op de store</a:t>
-            </a:r>
-          </a:p>
-          <a:p>
-            <a:pPr lvl="1"/>
-            <a:endParaRPr lang="nl-BE" dirty="0">
-              <a:sym typeface="Wingdings" panose="05000000000000000000" pitchFamily="2" charset="2"/>
+              <a:t> Hier wordt de query uitgevoerd</a:t>
+            </a:r>
+            <a:endParaRPr lang="nl-BE" sz="1200" dirty="0">
+              <a:solidFill>
+                <a:srgbClr val="7030A0"/>
+              </a:solidFill>
+              <a:latin typeface="Arial Unicode MS" panose="020B0604020202020204" pitchFamily="34" charset="-128"/>
             </a:endParaRPr>
           </a:p>
           <a:p>
-            <a:pPr lvl="1"/>
-            <a:endParaRPr lang="nl-BE" dirty="0"/>
+            <a:pPr marL="0" indent="0" defTabSz="685800" eaLnBrk="0" fontAlgn="base" hangingPunct="0">
+              <a:spcBef>
+                <a:spcPct val="0"/>
+              </a:spcBef>
+              <a:spcAft>
+                <a:spcPct val="0"/>
+              </a:spcAft>
+              <a:buClrTx/>
+              <a:buSzTx/>
+              <a:buNone/>
+            </a:pPr>
+            <a:r>
+              <a:rPr lang="nl-BE" sz="1200" dirty="0">
+                <a:latin typeface="Arial Unicode MS" panose="020B0604020202020204" pitchFamily="34" charset="-128"/>
+              </a:rPr>
+              <a:t>    </a:t>
+            </a:r>
+            <a:r>
+              <a:rPr lang="nl-BE" sz="1200" dirty="0">
+                <a:solidFill>
+                  <a:schemeClr val="tx1"/>
+                </a:solidFill>
+                <a:latin typeface="Arial Unicode MS" panose="020B0604020202020204" pitchFamily="34" charset="-128"/>
+              </a:rPr>
+              <a:t>{ </a:t>
+            </a:r>
+          </a:p>
+          <a:p>
+            <a:pPr marL="0" indent="0" defTabSz="685800" eaLnBrk="0" fontAlgn="base" hangingPunct="0">
+              <a:spcBef>
+                <a:spcPct val="0"/>
+              </a:spcBef>
+              <a:spcAft>
+                <a:spcPct val="0"/>
+              </a:spcAft>
+              <a:buClrTx/>
+              <a:buSzTx/>
+              <a:buNone/>
+            </a:pPr>
+            <a:r>
+              <a:rPr lang="nl-BE" sz="1200" dirty="0">
+                <a:latin typeface="Arial Unicode MS" panose="020B0604020202020204" pitchFamily="34" charset="-128"/>
+              </a:rPr>
+              <a:t>        </a:t>
+            </a:r>
+            <a:r>
+              <a:rPr lang="nl-BE" sz="1200" dirty="0" err="1">
+                <a:solidFill>
+                  <a:schemeClr val="tx1"/>
+                </a:solidFill>
+                <a:latin typeface="Arial Unicode MS" panose="020B0604020202020204" pitchFamily="34" charset="-128"/>
+              </a:rPr>
+              <a:t>Console.WriteLine</a:t>
+            </a:r>
+            <a:r>
+              <a:rPr lang="nl-BE" sz="1200" dirty="0">
+                <a:solidFill>
+                  <a:schemeClr val="tx1"/>
+                </a:solidFill>
+                <a:latin typeface="Arial Unicode MS" panose="020B0604020202020204" pitchFamily="34" charset="-128"/>
+              </a:rPr>
+              <a:t>(</a:t>
+            </a:r>
+            <a:r>
+              <a:rPr lang="nl-BE" sz="1200" dirty="0">
+                <a:solidFill>
+                  <a:srgbClr val="A31515"/>
+                </a:solidFill>
+                <a:latin typeface="Arial Unicode MS" panose="020B0604020202020204" pitchFamily="34" charset="-128"/>
+              </a:rPr>
+              <a:t>"</a:t>
+            </a:r>
+            <a:r>
+              <a:rPr lang="nl-BE" sz="1200" dirty="0" err="1">
+                <a:solidFill>
+                  <a:srgbClr val="A31515"/>
+                </a:solidFill>
+                <a:latin typeface="Arial Unicode MS" panose="020B0604020202020204" pitchFamily="34" charset="-128"/>
+              </a:rPr>
+              <a:t>OrderID</a:t>
+            </a:r>
+            <a:r>
+              <a:rPr lang="nl-BE" sz="1200" dirty="0">
+                <a:solidFill>
+                  <a:srgbClr val="A31515"/>
+                </a:solidFill>
+                <a:latin typeface="Arial Unicode MS" panose="020B0604020202020204" pitchFamily="34" charset="-128"/>
+              </a:rPr>
+              <a:t>: {0}, Total </a:t>
+            </a:r>
+            <a:r>
+              <a:rPr lang="nl-BE" sz="1200" dirty="0" err="1">
+                <a:solidFill>
+                  <a:srgbClr val="A31515"/>
+                </a:solidFill>
+                <a:latin typeface="Arial Unicode MS" panose="020B0604020202020204" pitchFamily="34" charset="-128"/>
+              </a:rPr>
+              <a:t>due</a:t>
+            </a:r>
+            <a:r>
+              <a:rPr lang="nl-BE" sz="1200" dirty="0">
+                <a:solidFill>
+                  <a:srgbClr val="A31515"/>
+                </a:solidFill>
+                <a:latin typeface="Arial Unicode MS" panose="020B0604020202020204" pitchFamily="34" charset="-128"/>
+              </a:rPr>
+              <a:t>: {1}"</a:t>
+            </a:r>
+            <a:r>
+              <a:rPr lang="nl-BE" sz="1200" dirty="0">
+                <a:solidFill>
+                  <a:schemeClr val="tx1"/>
+                </a:solidFill>
+                <a:latin typeface="Arial Unicode MS" panose="020B0604020202020204" pitchFamily="34" charset="-128"/>
+              </a:rPr>
+              <a:t>, </a:t>
+            </a:r>
+            <a:r>
+              <a:rPr lang="nl-BE" sz="1200" dirty="0" err="1">
+                <a:solidFill>
+                  <a:schemeClr val="tx1"/>
+                </a:solidFill>
+                <a:latin typeface="Arial Unicode MS" panose="020B0604020202020204" pitchFamily="34" charset="-128"/>
+              </a:rPr>
+              <a:t>sale.SalesOrderID</a:t>
+            </a:r>
+            <a:r>
+              <a:rPr lang="nl-BE" sz="1200" dirty="0">
+                <a:solidFill>
+                  <a:schemeClr val="tx1"/>
+                </a:solidFill>
+                <a:latin typeface="Arial Unicode MS" panose="020B0604020202020204" pitchFamily="34" charset="-128"/>
+              </a:rPr>
+              <a:t>, </a:t>
+            </a:r>
+            <a:r>
+              <a:rPr lang="nl-BE" sz="1200" dirty="0" err="1">
+                <a:solidFill>
+                  <a:schemeClr val="tx1"/>
+                </a:solidFill>
+                <a:latin typeface="Arial Unicode MS" panose="020B0604020202020204" pitchFamily="34" charset="-128"/>
+              </a:rPr>
+              <a:t>sale.TotalDue</a:t>
+            </a:r>
+            <a:r>
+              <a:rPr lang="nl-BE" sz="1200" dirty="0">
+                <a:solidFill>
+                  <a:schemeClr val="tx1"/>
+                </a:solidFill>
+                <a:latin typeface="Arial Unicode MS" panose="020B0604020202020204" pitchFamily="34" charset="-128"/>
+              </a:rPr>
+              <a:t>); </a:t>
+            </a:r>
+          </a:p>
+          <a:p>
+            <a:pPr marL="0" indent="0" defTabSz="685800" eaLnBrk="0" fontAlgn="base" hangingPunct="0">
+              <a:spcBef>
+                <a:spcPct val="0"/>
+              </a:spcBef>
+              <a:spcAft>
+                <a:spcPct val="0"/>
+              </a:spcAft>
+              <a:buClrTx/>
+              <a:buSzTx/>
+              <a:buNone/>
+            </a:pPr>
+            <a:r>
+              <a:rPr lang="nl-BE" sz="1200" dirty="0">
+                <a:latin typeface="Arial Unicode MS" panose="020B0604020202020204" pitchFamily="34" charset="-128"/>
+              </a:rPr>
+              <a:t>    </a:t>
+            </a:r>
+            <a:r>
+              <a:rPr lang="nl-BE" sz="1200" dirty="0">
+                <a:solidFill>
+                  <a:schemeClr val="tx1"/>
+                </a:solidFill>
+                <a:latin typeface="Arial Unicode MS" panose="020B0604020202020204" pitchFamily="34" charset="-128"/>
+              </a:rPr>
+              <a:t>} </a:t>
+            </a:r>
+          </a:p>
+          <a:p>
+            <a:pPr marL="0" indent="0" defTabSz="685800" eaLnBrk="0" fontAlgn="base" hangingPunct="0">
+              <a:spcBef>
+                <a:spcPct val="0"/>
+              </a:spcBef>
+              <a:spcAft>
+                <a:spcPct val="0"/>
+              </a:spcAft>
+              <a:buClrTx/>
+              <a:buSzTx/>
+              <a:buNone/>
+            </a:pPr>
+            <a:r>
+              <a:rPr lang="nl-BE" sz="1200" dirty="0">
+                <a:solidFill>
+                  <a:schemeClr val="tx1"/>
+                </a:solidFill>
+                <a:latin typeface="Arial Unicode MS" panose="020B0604020202020204" pitchFamily="34" charset="-128"/>
+              </a:rPr>
+              <a:t>}</a:t>
+            </a:r>
+            <a:r>
+              <a:rPr lang="nl-BE" sz="1200" dirty="0">
+                <a:solidFill>
+                  <a:schemeClr val="tx1"/>
+                </a:solidFill>
+              </a:rPr>
+              <a:t> </a:t>
+            </a:r>
+            <a:endParaRPr lang="nl-BE" sz="1200" dirty="0">
+              <a:solidFill>
+                <a:schemeClr val="tx1"/>
+              </a:solidFill>
+              <a:latin typeface="Arial" panose="020B0604020202020204" pitchFamily="34" charset="0"/>
+            </a:endParaRPr>
           </a:p>
         </p:txBody>
       </p:sp>
     </p:spTree>
     <p:extLst>
       <p:ext uri="{BB962C8B-B14F-4D97-AF65-F5344CB8AC3E}">
-        <p14:creationId xmlns:p14="http://schemas.microsoft.com/office/powerpoint/2010/main" val="564457299"/>
+        <p14:creationId xmlns:p14="http://schemas.microsoft.com/office/powerpoint/2010/main" val="1076988942"/>
       </p:ext>
     </p:extLst>
   </p:cSld>
@@ -12856,7 +12726,7 @@
       </p:grpSpPr>
       <p:sp>
         <p:nvSpPr>
-          <p:cNvPr id="6" name="Title 5"/>
+          <p:cNvPr id="2" name="Title 1"/>
           <p:cNvSpPr>
             <a:spLocks noGrp="1"/>
           </p:cNvSpPr>
@@ -12870,38 +12740,177 @@
           <a:lstStyle/>
           <a:p>
             <a:r>
-              <a:rPr lang="nl-BE" dirty="0"/>
-              <a:t>Entity Framework - Overzicht</a:t>
+              <a:rPr lang="nl-BE" dirty="0" err="1"/>
+              <a:t>IEnumerable</a:t>
+            </a:r>
+            <a:r>
+              <a:rPr lang="nl-BE" dirty="0"/>
+              <a:t>&lt;T&gt; vs. </a:t>
+            </a:r>
+            <a:r>
+              <a:rPr lang="nl-BE" dirty="0" err="1"/>
+              <a:t>IQueryable</a:t>
+            </a:r>
+            <a:r>
+              <a:rPr lang="nl-BE" dirty="0"/>
+              <a:t>&lt;T&gt;</a:t>
             </a:r>
           </a:p>
         </p:txBody>
       </p:sp>
       <p:sp>
         <p:nvSpPr>
-          <p:cNvPr id="7" name="Text Placeholder 6"/>
+          <p:cNvPr id="3" name="Content Placeholder 2"/>
           <p:cNvSpPr>
             <a:spLocks noGrp="1"/>
           </p:cNvSpPr>
           <p:nvPr>
-            <p:ph type="body" idx="1"/>
+            <p:ph idx="1"/>
           </p:nvPr>
         </p:nvSpPr>
         <p:spPr/>
         <p:txBody>
-          <a:bodyPr/>
+          <a:bodyPr>
+            <a:normAutofit/>
+          </a:bodyPr>
           <a:lstStyle/>
           <a:p>
             <a:r>
-              <a:rPr lang="nl-BE" dirty="0"/>
-              <a:t>Een zeer complete ORM tool</a:t>
-            </a:r>
+              <a:rPr lang="nl-BE" dirty="0" err="1"/>
+              <a:t>IEnumerable</a:t>
+            </a:r>
+            <a:r>
+              <a:rPr lang="nl-BE" dirty="0"/>
+              <a:t>&lt;T&gt;</a:t>
+            </a:r>
+          </a:p>
+          <a:p>
+            <a:pPr lvl="1"/>
+            <a:r>
+              <a:rPr lang="nl-BE" dirty="0"/>
+              <a:t>Een lijst waarover je kunt itereren</a:t>
+            </a:r>
+          </a:p>
+          <a:p>
+            <a:pPr lvl="1"/>
+            <a:r>
+              <a:rPr lang="nl-BE" dirty="0"/>
+              <a:t>LINQ </a:t>
+            </a:r>
+            <a:r>
+              <a:rPr lang="nl-BE" dirty="0" err="1"/>
+              <a:t>queries</a:t>
+            </a:r>
+            <a:r>
+              <a:rPr lang="nl-BE" dirty="0"/>
+              <a:t>:</a:t>
+            </a:r>
+          </a:p>
+          <a:p>
+            <a:pPr lvl="2"/>
+            <a:r>
+              <a:rPr lang="nl-BE" dirty="0">
+                <a:sym typeface="Wingdings" panose="05000000000000000000" pitchFamily="2" charset="2"/>
+              </a:rPr>
+              <a:t>In memory uitgevoerd</a:t>
+            </a:r>
+          </a:p>
+          <a:p>
+            <a:pPr lvl="2"/>
+            <a:r>
+              <a:rPr lang="nl-BE" dirty="0" err="1">
+                <a:sym typeface="Wingdings" panose="05000000000000000000" pitchFamily="2" charset="2"/>
+              </a:rPr>
+              <a:t>foreach</a:t>
+            </a:r>
+            <a:r>
+              <a:rPr lang="nl-BE" dirty="0">
+                <a:sym typeface="Wingdings" panose="05000000000000000000" pitchFamily="2" charset="2"/>
+              </a:rPr>
+              <a:t> met ‘</a:t>
+            </a:r>
+            <a:r>
+              <a:rPr lang="nl-BE" dirty="0" err="1">
+                <a:sym typeface="Wingdings" panose="05000000000000000000" pitchFamily="2" charset="2"/>
+              </a:rPr>
+              <a:t>yield</a:t>
+            </a:r>
+            <a:r>
+              <a:rPr lang="nl-BE" dirty="0">
+                <a:sym typeface="Wingdings" panose="05000000000000000000" pitchFamily="2" charset="2"/>
+              </a:rPr>
+              <a:t> return’</a:t>
+            </a:r>
+          </a:p>
+          <a:p>
+            <a:r>
+              <a:rPr lang="nl-BE" dirty="0" err="1">
+                <a:sym typeface="Wingdings" panose="05000000000000000000" pitchFamily="2" charset="2"/>
+              </a:rPr>
+              <a:t>IQueryable</a:t>
+            </a:r>
+            <a:r>
+              <a:rPr lang="nl-BE" dirty="0">
+                <a:sym typeface="Wingdings" panose="05000000000000000000" pitchFamily="2" charset="2"/>
+              </a:rPr>
+              <a:t>&lt;T&gt;</a:t>
+            </a:r>
+          </a:p>
+          <a:p>
+            <a:pPr lvl="1"/>
+            <a:r>
+              <a:rPr lang="nl-BE" dirty="0">
+                <a:sym typeface="Wingdings" panose="05000000000000000000" pitchFamily="2" charset="2"/>
+              </a:rPr>
+              <a:t>LINQ </a:t>
+            </a:r>
+            <a:r>
+              <a:rPr lang="nl-BE" dirty="0" err="1">
+                <a:sym typeface="Wingdings" panose="05000000000000000000" pitchFamily="2" charset="2"/>
+              </a:rPr>
+              <a:t>queries</a:t>
+            </a:r>
+            <a:r>
+              <a:rPr lang="nl-BE" dirty="0">
+                <a:sym typeface="Wingdings" panose="05000000000000000000" pitchFamily="2" charset="2"/>
+              </a:rPr>
+              <a:t>:</a:t>
+            </a:r>
+          </a:p>
+          <a:p>
+            <a:pPr lvl="2"/>
+            <a:r>
+              <a:rPr lang="nl-BE" dirty="0">
+                <a:sym typeface="Wingdings" panose="05000000000000000000" pitchFamily="2" charset="2"/>
+              </a:rPr>
+              <a:t>Vertaald naar data store (SQL query)</a:t>
+            </a:r>
+          </a:p>
+          <a:p>
+            <a:pPr lvl="2"/>
+            <a:r>
+              <a:rPr lang="nl-BE" dirty="0">
+                <a:sym typeface="Wingdings" panose="05000000000000000000" pitchFamily="2" charset="2"/>
+              </a:rPr>
+              <a:t>Uitgevoerd op de store</a:t>
+            </a:r>
+          </a:p>
+          <a:p>
+            <a:pPr lvl="1"/>
+            <a:endParaRPr lang="nl-BE" dirty="0">
+              <a:sym typeface="Wingdings" panose="05000000000000000000" pitchFamily="2" charset="2"/>
+            </a:endParaRPr>
+          </a:p>
+          <a:p>
+            <a:pPr lvl="1"/>
+            <a:endParaRPr lang="nl-BE" dirty="0"/>
           </a:p>
         </p:txBody>
       </p:sp>
     </p:spTree>
     <p:extLst>
       <p:ext uri="{BB962C8B-B14F-4D97-AF65-F5344CB8AC3E}">
-        <p14:creationId xmlns:p14="http://schemas.microsoft.com/office/powerpoint/2010/main" val="2579993251"/>
+        <p14:creationId xmlns:p14="http://schemas.microsoft.com/office/powerpoint/2010/main" val="564457299"/>
       </p:ext>
     </p:extLst>
   </p:cSld>
@@ -12945,94 +12954,29 @@
           <a:p>
             <a:r>
               <a:rPr lang="nl-BE" dirty="0"/>
-              <a:t>Basics</a:t>
+              <a:t>Entity Framework - Overzicht</a:t>
             </a:r>
           </a:p>
         </p:txBody>
       </p:sp>
       <p:sp>
         <p:nvSpPr>
-          <p:cNvPr id="7" name="Content Placeholder 6"/>
+          <p:cNvPr id="7" name="Text Placeholder 6"/>
           <p:cNvSpPr>
             <a:spLocks noGrp="1"/>
           </p:cNvSpPr>
           <p:nvPr>
-            <p:ph idx="1"/>
+            <p:ph type="body" idx="1"/>
           </p:nvPr>
         </p:nvSpPr>
         <p:spPr/>
         <p:txBody>
-          <a:bodyPr>
-            <a:normAutofit fontScale="92500" lnSpcReduction="10000"/>
-          </a:bodyPr>
+          <a:bodyPr/>
           <a:lstStyle/>
           <a:p>
             <a:r>
               <a:rPr lang="nl-BE" dirty="0"/>
-              <a:t>Support voor:</a:t>
-            </a:r>
-          </a:p>
-          <a:p>
-            <a:pPr lvl="1">
-              <a:buNone/>
-            </a:pPr>
-            <a:r>
-              <a:rPr lang="nl-BE" dirty="0"/>
-              <a:t>SQL Server, Oracle, MySQL, DB2, PostgreSQL, Firebird, SQLite, ...</a:t>
-            </a:r>
-          </a:p>
-          <a:p>
-            <a:r>
-              <a:rPr lang="nl-BE" dirty="0"/>
-              <a:t>3 delen:</a:t>
-            </a:r>
-          </a:p>
-          <a:p>
-            <a:pPr lvl="1"/>
-            <a:r>
-              <a:rPr lang="nl-BE" dirty="0"/>
-              <a:t>Code (Entities / POCO objects)</a:t>
-            </a:r>
-          </a:p>
-          <a:p>
-            <a:pPr lvl="1"/>
-            <a:r>
-              <a:rPr lang="nl-BE" dirty="0"/>
-              <a:t>Model (EDMX, of in-memory)</a:t>
-            </a:r>
-          </a:p>
-          <a:p>
-            <a:pPr lvl="1"/>
-            <a:r>
-              <a:rPr lang="nl-BE" dirty="0"/>
-              <a:t>Database</a:t>
-            </a:r>
-          </a:p>
-          <a:p>
-            <a:r>
-              <a:rPr lang="nl-BE" dirty="0"/>
-              <a:t>De .edmx file bevat:</a:t>
-            </a:r>
-          </a:p>
-          <a:p>
-            <a:pPr lvl="1"/>
-            <a:r>
-              <a:rPr lang="nl-BE" dirty="0"/>
-              <a:t>CSDL (conceptual schema definition language)</a:t>
-            </a:r>
-          </a:p>
-          <a:p>
-            <a:pPr lvl="1"/>
-            <a:r>
-              <a:rPr lang="nl-BE" dirty="0"/>
-              <a:t>MSL  (mapping shema language)</a:t>
-            </a:r>
-          </a:p>
-          <a:p>
-            <a:pPr lvl="1"/>
-            <a:r>
-              <a:rPr lang="nl-BE" dirty="0"/>
-              <a:t>SSDL (storage schema definition language)</a:t>
+              <a:t>Een zeer complete ORM tool</a:t>
             </a:r>
           </a:p>
         </p:txBody>
@@ -13040,7 +12984,7 @@
     </p:spTree>
     <p:extLst>
       <p:ext uri="{BB962C8B-B14F-4D97-AF65-F5344CB8AC3E}">
-        <p14:creationId xmlns:p14="http://schemas.microsoft.com/office/powerpoint/2010/main" val="387954100"/>
+        <p14:creationId xmlns:p14="http://schemas.microsoft.com/office/powerpoint/2010/main" val="2579993251"/>
       </p:ext>
     </p:extLst>
   </p:cSld>
@@ -13069,7 +13013,7 @@
       </p:grpSpPr>
       <p:sp>
         <p:nvSpPr>
-          <p:cNvPr id="2" name="Title 1"/>
+          <p:cNvPr id="6" name="Title 5"/>
           <p:cNvSpPr>
             <a:spLocks noGrp="1"/>
           </p:cNvSpPr>
@@ -13084,14 +13028,14 @@
           <a:p>
             <a:r>
               <a:rPr lang="nl-BE" dirty="0"/>
-              <a:t>Features</a:t>
+              <a:t>Basics</a:t>
             </a:r>
           </a:p>
         </p:txBody>
       </p:sp>
       <p:sp>
         <p:nvSpPr>
-          <p:cNvPr id="3" name="Content Placeholder 2"/>
+          <p:cNvPr id="7" name="Content Placeholder 6"/>
           <p:cNvSpPr>
             <a:spLocks noGrp="1"/>
           </p:cNvSpPr>
@@ -13102,66 +13046,76 @@
         <p:spPr/>
         <p:txBody>
           <a:bodyPr>
-            <a:normAutofit lnSpcReduction="10000"/>
+            <a:normAutofit fontScale="92500" lnSpcReduction="10000"/>
           </a:bodyPr>
           <a:lstStyle/>
           <a:p>
             <a:r>
               <a:rPr lang="nl-BE" dirty="0"/>
-              <a:t>Data opvragen:</a:t>
+              <a:t>Support voor:</a:t>
+            </a:r>
+          </a:p>
+          <a:p>
+            <a:pPr lvl="1">
+              <a:buNone/>
+            </a:pPr>
+            <a:r>
+              <a:rPr lang="nl-BE" dirty="0"/>
+              <a:t>SQL Server, Oracle, MySQL, DB2, PostgreSQL, Firebird, SQLite, ...</a:t>
+            </a:r>
+          </a:p>
+          <a:p>
+            <a:r>
+              <a:rPr lang="nl-BE" dirty="0"/>
+              <a:t>3 delen:</a:t>
             </a:r>
           </a:p>
           <a:p>
             <a:pPr lvl="1"/>
             <a:r>
               <a:rPr lang="nl-BE" dirty="0"/>
-              <a:t>LINQ</a:t>
+              <a:t>Code (Entities / POCO objects)</a:t>
             </a:r>
           </a:p>
           <a:p>
             <a:pPr lvl="1"/>
             <a:r>
               <a:rPr lang="nl-BE" dirty="0"/>
-              <a:t>Entity SQL</a:t>
+              <a:t>Model (EDMX, of in-memory)</a:t>
             </a:r>
           </a:p>
           <a:p>
             <a:pPr lvl="1"/>
             <a:r>
               <a:rPr lang="nl-BE" dirty="0"/>
-              <a:t>Streaming data</a:t>
+              <a:t>Database</a:t>
+            </a:r>
+          </a:p>
+          <a:p>
+            <a:r>
+              <a:rPr lang="nl-BE" dirty="0"/>
+              <a:t>De .edmx file bevat:</a:t>
             </a:r>
           </a:p>
           <a:p>
             <a:pPr lvl="1"/>
             <a:r>
               <a:rPr lang="nl-BE" dirty="0"/>
-              <a:t>Database queries</a:t>
-            </a:r>
-          </a:p>
-          <a:p>
-            <a:r>
-              <a:rPr lang="nl-BE" dirty="0"/>
-              <a:t>Lazy &amp; eager loading</a:t>
-            </a:r>
-          </a:p>
-          <a:p>
-            <a:r>
-              <a:rPr lang="nl-BE" dirty="0"/>
-              <a:t>T4 (Text Template Transformation Toolkit):</a:t>
-            </a:r>
-            <a:br>
-              <a:rPr lang="nl-BE" dirty="0"/>
-            </a:br>
-            <a:r>
-              <a:rPr lang="nl-BE" dirty="0"/>
-              <a:t>code genereren</a:t>
-            </a:r>
-          </a:p>
-          <a:p>
-            <a:r>
-              <a:rPr lang="nl-BE" dirty="0"/>
-              <a:t>Mogelijkheid tot gebruik van POCO objecten</a:t>
+              <a:t>CSDL (conceptual schema definition language)</a:t>
+            </a:r>
+          </a:p>
+          <a:p>
+            <a:pPr lvl="1"/>
+            <a:r>
+              <a:rPr lang="nl-BE" dirty="0"/>
+              <a:t>MSL  (mapping shema language)</a:t>
+            </a:r>
+          </a:p>
+          <a:p>
+            <a:pPr lvl="1"/>
+            <a:r>
+              <a:rPr lang="nl-BE" dirty="0"/>
+              <a:t>SSDL (storage schema definition language)</a:t>
             </a:r>
           </a:p>
         </p:txBody>
@@ -13169,7 +13123,7 @@
     </p:spTree>
     <p:extLst>
       <p:ext uri="{BB962C8B-B14F-4D97-AF65-F5344CB8AC3E}">
-        <p14:creationId xmlns:p14="http://schemas.microsoft.com/office/powerpoint/2010/main" val="1585568168"/>
+        <p14:creationId xmlns:p14="http://schemas.microsoft.com/office/powerpoint/2010/main" val="387954100"/>
       </p:ext>
     </p:extLst>
   </p:cSld>
@@ -13213,6 +13167,135 @@
           <a:p>
             <a:r>
               <a:rPr lang="nl-BE" dirty="0"/>
+              <a:t>Features</a:t>
+            </a:r>
+          </a:p>
+        </p:txBody>
+      </p:sp>
+      <p:sp>
+        <p:nvSpPr>
+          <p:cNvPr id="3" name="Content Placeholder 2"/>
+          <p:cNvSpPr>
+            <a:spLocks noGrp="1"/>
+          </p:cNvSpPr>
+          <p:nvPr>
+            <p:ph idx="1"/>
+          </p:nvPr>
+        </p:nvSpPr>
+        <p:spPr/>
+        <p:txBody>
+          <a:bodyPr>
+            <a:normAutofit lnSpcReduction="10000"/>
+          </a:bodyPr>
+          <a:lstStyle/>
+          <a:p>
+            <a:r>
+              <a:rPr lang="nl-BE" dirty="0"/>
+              <a:t>Data opvragen:</a:t>
+            </a:r>
+          </a:p>
+          <a:p>
+            <a:pPr lvl="1"/>
+            <a:r>
+              <a:rPr lang="nl-BE" dirty="0"/>
+              <a:t>LINQ</a:t>
+            </a:r>
+          </a:p>
+          <a:p>
+            <a:pPr lvl="1"/>
+            <a:r>
+              <a:rPr lang="nl-BE" dirty="0"/>
+              <a:t>Entity SQL</a:t>
+            </a:r>
+          </a:p>
+          <a:p>
+            <a:pPr lvl="1"/>
+            <a:r>
+              <a:rPr lang="nl-BE" dirty="0"/>
+              <a:t>Streaming data</a:t>
+            </a:r>
+          </a:p>
+          <a:p>
+            <a:pPr lvl="1"/>
+            <a:r>
+              <a:rPr lang="nl-BE" dirty="0"/>
+              <a:t>Database queries</a:t>
+            </a:r>
+          </a:p>
+          <a:p>
+            <a:r>
+              <a:rPr lang="nl-BE" dirty="0"/>
+              <a:t>Lazy &amp; eager loading</a:t>
+            </a:r>
+          </a:p>
+          <a:p>
+            <a:r>
+              <a:rPr lang="nl-BE" dirty="0"/>
+              <a:t>T4 (Text Template Transformation Toolkit):</a:t>
+            </a:r>
+            <a:br>
+              <a:rPr lang="nl-BE" dirty="0"/>
+            </a:br>
+            <a:r>
+              <a:rPr lang="nl-BE" dirty="0"/>
+              <a:t>code genereren</a:t>
+            </a:r>
+          </a:p>
+          <a:p>
+            <a:r>
+              <a:rPr lang="nl-BE" dirty="0"/>
+              <a:t>Mogelijkheid tot gebruik van POCO objecten</a:t>
+            </a:r>
+          </a:p>
+        </p:txBody>
+      </p:sp>
+    </p:spTree>
+    <p:extLst>
+      <p:ext uri="{BB962C8B-B14F-4D97-AF65-F5344CB8AC3E}">
+        <p14:creationId xmlns:p14="http://schemas.microsoft.com/office/powerpoint/2010/main" val="1585568168"/>
+      </p:ext>
+    </p:extLst>
+  </p:cSld>
+  <p:clrMapOvr>
+    <a:masterClrMapping/>
+  </p:clrMapOvr>
+</p:sld>
+</file>
+
+<file path=ppt/slides/slide24.xml><?xml version="1.0" encoding="utf-8"?>
+<p:sld xmlns:a="http://schemas.openxmlformats.org/drawingml/2006/main" xmlns:r="http://schemas.openxmlformats.org/officeDocument/2006/relationships" xmlns:p="http://schemas.openxmlformats.org/presentationml/2006/main">
+  <p:cSld>
+    <p:spTree>
+      <p:nvGrpSpPr>
+        <p:cNvPr id="1" name=""/>
+        <p:cNvGrpSpPr/>
+        <p:nvPr/>
+      </p:nvGrpSpPr>
+      <p:grpSpPr>
+        <a:xfrm>
+          <a:off x="0" y="0"/>
+          <a:ext cx="0" cy="0"/>
+          <a:chOff x="0" y="0"/>
+          <a:chExt cx="0" cy="0"/>
+        </a:xfrm>
+      </p:grpSpPr>
+      <p:sp>
+        <p:nvSpPr>
+          <p:cNvPr id="2" name="Title 1"/>
+          <p:cNvSpPr>
+            <a:spLocks noGrp="1"/>
+          </p:cNvSpPr>
+          <p:nvPr>
+            <p:ph type="title"/>
+          </p:nvPr>
+        </p:nvSpPr>
+        <p:spPr/>
+        <p:txBody>
+          <a:bodyPr/>
+          <a:lstStyle/>
+          <a:p>
+            <a:r>
+              <a:rPr lang="nl-BE" dirty="0"/>
               <a:t>Mapping mogelijkheden</a:t>
             </a:r>
           </a:p>
@@ -13371,7 +13454,7 @@
 </p:sld>
 </file>
 
-<file path=ppt/slides/slide24.xml><?xml version="1.0" encoding="utf-8"?>
+<file path=ppt/slides/slide25.xml><?xml version="1.0" encoding="utf-8"?>
 <p:sld xmlns:a="http://schemas.openxmlformats.org/drawingml/2006/main" xmlns:r="http://schemas.openxmlformats.org/officeDocument/2006/relationships" xmlns:p="http://schemas.openxmlformats.org/presentationml/2006/main">
   <p:cSld>
     <p:spTree>
@@ -13454,7 +13537,7 @@
 </p:sld>
 </file>
 
-<file path=ppt/slides/slide25.xml><?xml version="1.0" encoding="utf-8"?>
+<file path=ppt/slides/slide26.xml><?xml version="1.0" encoding="utf-8"?>
 <p:sld xmlns:a="http://schemas.openxmlformats.org/drawingml/2006/main" xmlns:r="http://schemas.openxmlformats.org/officeDocument/2006/relationships" xmlns:p="http://schemas.openxmlformats.org/presentationml/2006/main">
   <p:cSld>
     <p:spTree>
@@ -13899,7 +13982,7 @@
 </p:sld>
 </file>
 
-<file path=ppt/slides/slide26.xml><?xml version="1.0" encoding="utf-8"?>
+<file path=ppt/slides/slide27.xml><?xml version="1.0" encoding="utf-8"?>
 <p:sld xmlns:a="http://schemas.openxmlformats.org/drawingml/2006/main" xmlns:r="http://schemas.openxmlformats.org/officeDocument/2006/relationships" xmlns:p="http://schemas.openxmlformats.org/presentationml/2006/main">
   <p:cSld>
     <p:spTree>
@@ -14387,7 +14470,7 @@
 </p:sld>
 </file>
 
-<file path=ppt/slides/slide27.xml><?xml version="1.0" encoding="utf-8"?>
+<file path=ppt/slides/slide28.xml><?xml version="1.0" encoding="utf-8"?>
 <p:sld xmlns:a="http://schemas.openxmlformats.org/drawingml/2006/main" xmlns:r="http://schemas.openxmlformats.org/officeDocument/2006/relationships" xmlns:p="http://schemas.openxmlformats.org/presentationml/2006/main">
   <p:cSld>
     <p:spTree>
@@ -14802,7 +14885,7 @@
 </p:sld>
 </file>
 
-<file path=ppt/slides/slide28.xml><?xml version="1.0" encoding="utf-8"?>
+<file path=ppt/slides/slide29.xml><?xml version="1.0" encoding="utf-8"?>
 <p:sld xmlns:a="http://schemas.openxmlformats.org/drawingml/2006/main" xmlns:r="http://schemas.openxmlformats.org/officeDocument/2006/relationships" xmlns:p="http://schemas.openxmlformats.org/presentationml/2006/main">
   <p:cSld>
     <p:spTree>
@@ -15490,7 +15573,426 @@
 </p:sld>
 </file>
 
-<file path=ppt/slides/slide29.xml><?xml version="1.0" encoding="utf-8"?>
+<file path=ppt/slides/slide3.xml><?xml version="1.0" encoding="utf-8"?>
+<p:sld xmlns:a="http://schemas.openxmlformats.org/drawingml/2006/main" xmlns:r="http://schemas.openxmlformats.org/officeDocument/2006/relationships" xmlns:p="http://schemas.openxmlformats.org/presentationml/2006/main">
+  <p:cSld>
+    <p:spTree>
+      <p:nvGrpSpPr>
+        <p:cNvPr id="1" name=""/>
+        <p:cNvGrpSpPr/>
+        <p:nvPr/>
+      </p:nvGrpSpPr>
+      <p:grpSpPr>
+        <a:xfrm>
+          <a:off x="0" y="0"/>
+          <a:ext cx="0" cy="0"/>
+          <a:chOff x="0" y="0"/>
+          <a:chExt cx="0" cy="0"/>
+        </a:xfrm>
+      </p:grpSpPr>
+      <p:sp>
+        <p:nvSpPr>
+          <p:cNvPr id="4" name="Title 3">
+            <a:extLst>
+              <a:ext uri="{FF2B5EF4-FFF2-40B4-BE49-F238E27FC236}">
+                <a16:creationId xmlns:a16="http://schemas.microsoft.com/office/drawing/2014/main" id="{A8E90E26-412D-4398-93BC-84784C61DDEE}"/>
+              </a:ext>
+            </a:extLst>
+          </p:cNvPr>
+          <p:cNvSpPr>
+            <a:spLocks noGrp="1"/>
+          </p:cNvSpPr>
+          <p:nvPr>
+            <p:ph type="title"/>
+          </p:nvPr>
+        </p:nvSpPr>
+        <p:spPr/>
+        <p:txBody>
+          <a:bodyPr/>
+          <a:lstStyle/>
+          <a:p>
+            <a:r>
+              <a:rPr lang="en-US" dirty="0"/>
+              <a:t>Hannes Lowette</a:t>
+            </a:r>
+            <a:endParaRPr lang="nl-BE" dirty="0"/>
+          </a:p>
+        </p:txBody>
+      </p:sp>
+      <p:sp>
+        <p:nvSpPr>
+          <p:cNvPr id="5" name="Content Placeholder 4">
+            <a:extLst>
+              <a:ext uri="{FF2B5EF4-FFF2-40B4-BE49-F238E27FC236}">
+                <a16:creationId xmlns:a16="http://schemas.microsoft.com/office/drawing/2014/main" id="{548B331A-7321-4139-A4B9-C5AAF1CDB1AF}"/>
+              </a:ext>
+            </a:extLst>
+          </p:cNvPr>
+          <p:cNvSpPr>
+            <a:spLocks noGrp="1"/>
+          </p:cNvSpPr>
+          <p:nvPr>
+            <p:ph idx="1"/>
+          </p:nvPr>
+        </p:nvSpPr>
+        <p:spPr/>
+        <p:txBody>
+          <a:bodyPr>
+            <a:normAutofit fontScale="85000" lnSpcReduction="20000"/>
+          </a:bodyPr>
+          <a:lstStyle/>
+          <a:p>
+            <a:r>
+              <a:rPr lang="nl-BE" dirty="0"/>
+              <a:t>.NET Consultant &amp; </a:t>
+            </a:r>
+            <a:r>
+              <a:rPr lang="nl-BE" dirty="0" err="1"/>
+              <a:t>Competence</a:t>
+            </a:r>
+            <a:r>
+              <a:rPr lang="nl-BE" dirty="0"/>
+              <a:t> Coach @ Axxes</a:t>
+            </a:r>
+          </a:p>
+          <a:p>
+            <a:r>
+              <a:rPr lang="nl-BE" dirty="0" err="1"/>
+              <a:t>Lives</a:t>
+            </a:r>
+            <a:r>
+              <a:rPr lang="nl-BE" dirty="0"/>
+              <a:t> in Mol 			</a:t>
+            </a:r>
+            <a:r>
+              <a:rPr lang="nl-BE" sz="1200" dirty="0"/>
+              <a:t>– </a:t>
+            </a:r>
+            <a:r>
+              <a:rPr lang="nl-BE" sz="1200" i="1" dirty="0"/>
+              <a:t>For </a:t>
+            </a:r>
+            <a:r>
+              <a:rPr lang="nl-BE" sz="1200" i="1" dirty="0" err="1"/>
+              <a:t>you</a:t>
+            </a:r>
+            <a:r>
+              <a:rPr lang="nl-BE" sz="1200" i="1" dirty="0"/>
+              <a:t> </a:t>
+            </a:r>
+            <a:r>
+              <a:rPr lang="nl-BE" sz="1200" i="1" dirty="0" err="1"/>
+              <a:t>city</a:t>
+            </a:r>
+            <a:r>
+              <a:rPr lang="nl-BE" sz="1200" i="1" dirty="0"/>
+              <a:t> folk: </a:t>
+            </a:r>
+            <a:r>
+              <a:rPr lang="nl-BE" sz="1200" i="1" dirty="0" err="1"/>
+              <a:t>this</a:t>
+            </a:r>
+            <a:r>
+              <a:rPr lang="nl-BE" sz="1200" i="1" dirty="0"/>
+              <a:t> is </a:t>
+            </a:r>
+            <a:r>
+              <a:rPr lang="nl-BE" sz="1200" b="1" i="1" dirty="0" err="1"/>
+              <a:t>not</a:t>
+            </a:r>
+            <a:r>
+              <a:rPr lang="nl-BE" sz="1200" i="1" dirty="0"/>
+              <a:t> Limburg</a:t>
+            </a:r>
+          </a:p>
+          <a:p>
+            <a:r>
+              <a:rPr lang="nl-BE" dirty="0"/>
+              <a:t>Born in Hasselt		</a:t>
+            </a:r>
+            <a:r>
+              <a:rPr lang="nl-BE" sz="1200" dirty="0"/>
+              <a:t>– </a:t>
+            </a:r>
+            <a:r>
+              <a:rPr lang="nl-BE" sz="1200" b="1" i="1" dirty="0" err="1"/>
+              <a:t>This</a:t>
+            </a:r>
+            <a:r>
+              <a:rPr lang="nl-BE" sz="1200" i="1" dirty="0"/>
+              <a:t> is Limburg</a:t>
+            </a:r>
+          </a:p>
+          <a:p>
+            <a:r>
+              <a:rPr lang="nl-BE" dirty="0"/>
+              <a:t>0x24 </a:t>
+            </a:r>
+            <a:r>
+              <a:rPr lang="nl-BE" dirty="0" err="1"/>
+              <a:t>years</a:t>
+            </a:r>
+            <a:r>
+              <a:rPr lang="nl-BE" dirty="0"/>
+              <a:t> </a:t>
+            </a:r>
+            <a:r>
+              <a:rPr lang="nl-BE" dirty="0" err="1"/>
+              <a:t>old</a:t>
+            </a:r>
+            <a:r>
+              <a:rPr lang="nl-BE" dirty="0"/>
+              <a:t>		</a:t>
+            </a:r>
+            <a:r>
+              <a:rPr lang="nl-BE" sz="1200" i="1" dirty="0"/>
+              <a:t>– Or 0b100100</a:t>
+            </a:r>
+          </a:p>
+          <a:p>
+            <a:r>
+              <a:rPr lang="nl-BE" dirty="0" err="1"/>
+              <a:t>Father</a:t>
+            </a:r>
+            <a:r>
+              <a:rPr lang="nl-BE" dirty="0"/>
+              <a:t> of 3 </a:t>
+            </a:r>
+            <a:r>
+              <a:rPr lang="nl-BE" dirty="0" err="1"/>
+              <a:t>kids</a:t>
+            </a:r>
+            <a:endParaRPr lang="nl-BE" dirty="0"/>
+          </a:p>
+          <a:p>
+            <a:endParaRPr lang="nl-BE" dirty="0"/>
+          </a:p>
+          <a:p>
+            <a:r>
+              <a:rPr lang="nl-BE" dirty="0" err="1"/>
+              <a:t>Likes</a:t>
+            </a:r>
+            <a:r>
+              <a:rPr lang="nl-BE" dirty="0"/>
+              <a:t>: backend development, </a:t>
+            </a:r>
+            <a:r>
+              <a:rPr lang="nl-BE" dirty="0" err="1"/>
+              <a:t>ORM’s</a:t>
+            </a:r>
+            <a:r>
+              <a:rPr lang="nl-BE" dirty="0"/>
+              <a:t>, services, databases (SQL </a:t>
+            </a:r>
+            <a:r>
+              <a:rPr lang="nl-BE" dirty="0" err="1"/>
+              <a:t>and</a:t>
+            </a:r>
+            <a:r>
+              <a:rPr lang="nl-BE" dirty="0"/>
+              <a:t> </a:t>
+            </a:r>
+            <a:r>
+              <a:rPr lang="nl-BE" dirty="0" err="1"/>
+              <a:t>other</a:t>
+            </a:r>
+            <a:r>
+              <a:rPr lang="nl-BE" dirty="0"/>
+              <a:t>), actor </a:t>
+            </a:r>
+            <a:r>
+              <a:rPr lang="nl-BE" dirty="0" err="1"/>
+              <a:t>frameworks</a:t>
+            </a:r>
+            <a:r>
+              <a:rPr lang="nl-BE" dirty="0"/>
+              <a:t>, bus </a:t>
+            </a:r>
+            <a:r>
+              <a:rPr lang="nl-BE" dirty="0" err="1"/>
+              <a:t>architectures</a:t>
+            </a:r>
+            <a:r>
+              <a:rPr lang="nl-BE" dirty="0"/>
+              <a:t>, </a:t>
+            </a:r>
+            <a:r>
+              <a:rPr lang="nl-BE" dirty="0" err="1"/>
+              <a:t>Azure</a:t>
+            </a:r>
+            <a:r>
+              <a:rPr lang="nl-BE" dirty="0"/>
+              <a:t>, </a:t>
+            </a:r>
+            <a:r>
+              <a:rPr lang="nl-BE" dirty="0" err="1"/>
+              <a:t>sarcasm</a:t>
+            </a:r>
+            <a:endParaRPr lang="nl-BE" dirty="0"/>
+          </a:p>
+          <a:p>
+            <a:r>
+              <a:rPr lang="nl-BE" dirty="0" err="1"/>
+              <a:t>Dislikes</a:t>
+            </a:r>
+            <a:r>
+              <a:rPr lang="nl-BE" dirty="0"/>
+              <a:t>: </a:t>
+            </a:r>
+            <a:r>
+              <a:rPr lang="nl-BE" dirty="0" err="1"/>
+              <a:t>frontend</a:t>
+            </a:r>
+            <a:r>
+              <a:rPr lang="nl-BE" dirty="0"/>
+              <a:t> development, javascript, </a:t>
+            </a:r>
+            <a:r>
+              <a:rPr lang="nl-BE" dirty="0" err="1"/>
+              <a:t>people</a:t>
+            </a:r>
+            <a:r>
+              <a:rPr lang="nl-BE" dirty="0"/>
+              <a:t> </a:t>
+            </a:r>
+            <a:r>
+              <a:rPr lang="nl-BE" dirty="0" err="1"/>
+              <a:t>who</a:t>
+            </a:r>
+            <a:r>
+              <a:rPr lang="nl-BE" dirty="0"/>
+              <a:t> are </a:t>
+            </a:r>
+            <a:r>
+              <a:rPr lang="nl-BE" dirty="0" err="1"/>
+              <a:t>easily</a:t>
+            </a:r>
+            <a:r>
+              <a:rPr lang="nl-BE" dirty="0"/>
+              <a:t> </a:t>
+            </a:r>
+            <a:r>
+              <a:rPr lang="nl-BE" dirty="0" err="1"/>
+              <a:t>offended</a:t>
+            </a:r>
+            <a:endParaRPr lang="nl-BE" dirty="0"/>
+          </a:p>
+          <a:p>
+            <a:endParaRPr lang="nl-BE" dirty="0"/>
+          </a:p>
+          <a:p>
+            <a:r>
+              <a:rPr lang="nl-BE" dirty="0" err="1"/>
+              <a:t>Hobbies</a:t>
+            </a:r>
+            <a:r>
+              <a:rPr lang="nl-BE" dirty="0"/>
+              <a:t>: </a:t>
+            </a:r>
+            <a:r>
+              <a:rPr lang="nl-BE" dirty="0" err="1"/>
+              <a:t>woodworking</a:t>
+            </a:r>
+            <a:r>
+              <a:rPr lang="nl-BE" dirty="0"/>
+              <a:t>, </a:t>
+            </a:r>
+            <a:r>
+              <a:rPr lang="nl-BE" dirty="0" err="1"/>
+              <a:t>guitars</a:t>
+            </a:r>
+            <a:r>
+              <a:rPr lang="nl-BE" dirty="0"/>
+              <a:t>, Lego, poker, </a:t>
+            </a:r>
+            <a:r>
+              <a:rPr lang="nl-BE" dirty="0" err="1"/>
+              <a:t>absinthe</a:t>
+            </a:r>
+            <a:r>
+              <a:rPr lang="nl-BE" dirty="0"/>
+              <a:t> &amp; whisky (</a:t>
+            </a:r>
+            <a:r>
+              <a:rPr lang="nl-BE" dirty="0" err="1"/>
+              <a:t>amongst</a:t>
+            </a:r>
+            <a:r>
+              <a:rPr lang="nl-BE" dirty="0"/>
+              <a:t> </a:t>
+            </a:r>
+            <a:r>
+              <a:rPr lang="nl-BE" dirty="0" err="1"/>
+              <a:t>other</a:t>
+            </a:r>
+            <a:r>
+              <a:rPr lang="nl-BE" dirty="0"/>
+              <a:t> </a:t>
+            </a:r>
+            <a:r>
+              <a:rPr lang="nl-BE" dirty="0" err="1"/>
+              <a:t>things</a:t>
+            </a:r>
+            <a:r>
+              <a:rPr lang="nl-BE" dirty="0"/>
+              <a:t>)</a:t>
+            </a:r>
+          </a:p>
+          <a:p>
+            <a:endParaRPr lang="nl-BE" dirty="0"/>
+          </a:p>
+        </p:txBody>
+      </p:sp>
+      <p:pic>
+        <p:nvPicPr>
+          <p:cNvPr id="8" name="Picture 7">
+            <a:extLst>
+              <a:ext uri="{FF2B5EF4-FFF2-40B4-BE49-F238E27FC236}">
+                <a16:creationId xmlns:a16="http://schemas.microsoft.com/office/drawing/2014/main" id="{860836AA-4196-4F6A-9814-EB99AA7E2594}"/>
+              </a:ext>
+            </a:extLst>
+          </p:cNvPr>
+          <p:cNvPicPr>
+            <a:picLocks noChangeAspect="1"/>
+          </p:cNvPicPr>
+          <p:nvPr/>
+        </p:nvPicPr>
+        <p:blipFill>
+          <a:blip r:embed="rId2" cstate="print">
+            <a:extLst>
+              <a:ext uri="{28A0092B-C50C-407E-A947-70E740481C1C}">
+                <a14:useLocalDpi xmlns:a14="http://schemas.microsoft.com/office/drawing/2010/main" val="0"/>
+              </a:ext>
+            </a:extLst>
+          </a:blip>
+          <a:stretch>
+            <a:fillRect/>
+          </a:stretch>
+        </p:blipFill>
+        <p:spPr>
+          <a:xfrm>
+            <a:off x="5562465" y="1523379"/>
+            <a:ext cx="1739367" cy="1739367"/>
+          </a:xfrm>
+          <a:prstGeom prst="rect">
+            <a:avLst/>
+          </a:prstGeom>
+        </p:spPr>
+      </p:pic>
+    </p:spTree>
+    <p:extLst>
+      <p:ext uri="{BB962C8B-B14F-4D97-AF65-F5344CB8AC3E}">
+        <p14:creationId xmlns:p14="http://schemas.microsoft.com/office/powerpoint/2010/main" val="1107336616"/>
+      </p:ext>
+    </p:extLst>
+  </p:cSld>
+  <p:clrMapOvr>
+    <a:masterClrMapping/>
+  </p:clrMapOvr>
+</p:sld>
+</file>
+
+<file path=ppt/slides/slide30.xml><?xml version="1.0" encoding="utf-8"?>
 <p:sld xmlns:a="http://schemas.openxmlformats.org/drawingml/2006/main" xmlns:r="http://schemas.openxmlformats.org/officeDocument/2006/relationships" xmlns:p="http://schemas.openxmlformats.org/presentationml/2006/main">
   <p:cSld>
     <p:spTree>
@@ -15572,7 +16074,7 @@
 </p:sld>
 </file>
 
-<file path=ppt/slides/slide3.xml><?xml version="1.0" encoding="utf-8"?>
+<file path=ppt/slides/slide31.xml><?xml version="1.0" encoding="utf-8"?>
 <p:sld xmlns:a="http://schemas.openxmlformats.org/drawingml/2006/main" xmlns:r="http://schemas.openxmlformats.org/officeDocument/2006/relationships" xmlns:p="http://schemas.openxmlformats.org/presentationml/2006/main">
   <p:cSld>
     <p:spTree>
@@ -15605,171 +16107,6 @@
           <a:lstStyle/>
           <a:p>
             <a:r>
-              <a:rPr lang="nl-BE" dirty="0" err="1"/>
-              <a:t>Overview</a:t>
-            </a:r>
-            <a:endParaRPr lang="nl-BE" dirty="0"/>
-          </a:p>
-        </p:txBody>
-      </p:sp>
-      <p:sp>
-        <p:nvSpPr>
-          <p:cNvPr id="3" name="Content Placeholder 2"/>
-          <p:cNvSpPr>
-            <a:spLocks noGrp="1"/>
-          </p:cNvSpPr>
-          <p:nvPr>
-            <p:ph idx="1"/>
-          </p:nvPr>
-        </p:nvSpPr>
-        <p:spPr/>
-        <p:txBody>
-          <a:bodyPr>
-            <a:normAutofit/>
-          </a:bodyPr>
-          <a:lstStyle/>
-          <a:p>
-            <a:r>
-              <a:rPr lang="nl-BE" dirty="0"/>
-              <a:t>Introductie </a:t>
-            </a:r>
-          </a:p>
-          <a:p>
-            <a:r>
-              <a:rPr lang="nl-BE" dirty="0" err="1"/>
-              <a:t>Linq</a:t>
-            </a:r>
-            <a:endParaRPr lang="nl-BE" dirty="0"/>
-          </a:p>
-          <a:p>
-            <a:r>
-              <a:rPr lang="nl-BE" dirty="0" err="1"/>
-              <a:t>Entity</a:t>
-            </a:r>
-            <a:r>
-              <a:rPr lang="nl-BE" dirty="0"/>
-              <a:t> Framework - Overzicht</a:t>
-            </a:r>
-          </a:p>
-          <a:p>
-            <a:r>
-              <a:rPr lang="nl-BE" dirty="0" err="1"/>
-              <a:t>Coding</a:t>
-            </a:r>
-            <a:r>
-              <a:rPr lang="nl-BE" dirty="0"/>
-              <a:t>: </a:t>
-            </a:r>
-            <a:r>
-              <a:rPr lang="nl-BE" dirty="0" err="1"/>
-              <a:t>Entity</a:t>
-            </a:r>
-            <a:r>
-              <a:rPr lang="nl-BE" dirty="0"/>
-              <a:t> Framework – Database first</a:t>
-            </a:r>
-          </a:p>
-          <a:p>
-            <a:r>
-              <a:rPr lang="nl-BE" dirty="0" err="1"/>
-              <a:t>Coding</a:t>
-            </a:r>
-            <a:r>
-              <a:rPr lang="nl-BE" dirty="0"/>
-              <a:t>: </a:t>
-            </a:r>
-            <a:r>
-              <a:rPr lang="nl-BE" dirty="0" err="1"/>
-              <a:t>Entity</a:t>
-            </a:r>
-            <a:r>
-              <a:rPr lang="nl-BE" dirty="0"/>
-              <a:t> Framework – Model first</a:t>
-            </a:r>
-          </a:p>
-          <a:p>
-            <a:r>
-              <a:rPr lang="nl-BE" dirty="0" err="1"/>
-              <a:t>Coding</a:t>
-            </a:r>
-            <a:r>
-              <a:rPr lang="nl-BE" dirty="0"/>
-              <a:t>: </a:t>
-            </a:r>
-            <a:r>
-              <a:rPr lang="nl-BE" dirty="0" err="1"/>
-              <a:t>Entity</a:t>
-            </a:r>
-            <a:r>
-              <a:rPr lang="nl-BE" dirty="0"/>
-              <a:t> Framework – Code first</a:t>
-            </a:r>
-          </a:p>
-          <a:p>
-            <a:r>
-              <a:rPr lang="nl-BE" dirty="0"/>
-              <a:t>Database </a:t>
-            </a:r>
-            <a:r>
-              <a:rPr lang="nl-BE" dirty="0" err="1"/>
-              <a:t>migrations</a:t>
-            </a:r>
-            <a:endParaRPr lang="nl-BE" dirty="0"/>
-          </a:p>
-          <a:p>
-            <a:r>
-              <a:rPr lang="nl-BE" dirty="0"/>
-              <a:t>Dapper?</a:t>
-            </a:r>
-          </a:p>
-        </p:txBody>
-      </p:sp>
-    </p:spTree>
-    <p:extLst>
-      <p:ext uri="{BB962C8B-B14F-4D97-AF65-F5344CB8AC3E}">
-        <p14:creationId xmlns:p14="http://schemas.microsoft.com/office/powerpoint/2010/main" val="2100823776"/>
-      </p:ext>
-    </p:extLst>
-  </p:cSld>
-  <p:clrMapOvr>
-    <a:masterClrMapping/>
-  </p:clrMapOvr>
-</p:sld>
-</file>
-
-<file path=ppt/slides/slide30.xml><?xml version="1.0" encoding="utf-8"?>
-<p:sld xmlns:a="http://schemas.openxmlformats.org/drawingml/2006/main" xmlns:r="http://schemas.openxmlformats.org/officeDocument/2006/relationships" xmlns:p="http://schemas.openxmlformats.org/presentationml/2006/main">
-  <p:cSld>
-    <p:spTree>
-      <p:nvGrpSpPr>
-        <p:cNvPr id="1" name=""/>
-        <p:cNvGrpSpPr/>
-        <p:nvPr/>
-      </p:nvGrpSpPr>
-      <p:grpSpPr>
-        <a:xfrm>
-          <a:off x="0" y="0"/>
-          <a:ext cx="0" cy="0"/>
-          <a:chOff x="0" y="0"/>
-          <a:chExt cx="0" cy="0"/>
-        </a:xfrm>
-      </p:grpSpPr>
-      <p:sp>
-        <p:nvSpPr>
-          <p:cNvPr id="2" name="Title 1"/>
-          <p:cNvSpPr>
-            <a:spLocks noGrp="1"/>
-          </p:cNvSpPr>
-          <p:nvPr>
-            <p:ph type="title"/>
-          </p:nvPr>
-        </p:nvSpPr>
-        <p:spPr/>
-        <p:txBody>
-          <a:bodyPr/>
-          <a:lstStyle/>
-          <a:p>
-            <a:r>
               <a:rPr lang="nl-BE" dirty="0"/>
               <a:t>DAPPER</a:t>
             </a:r>
@@ -15811,7 +16148,7 @@
 </p:sld>
 </file>
 
-<file path=ppt/slides/slide31.xml><?xml version="1.0" encoding="utf-8"?>
+<file path=ppt/slides/slide32.xml><?xml version="1.0" encoding="utf-8"?>
 <p:sld xmlns:a="http://schemas.openxmlformats.org/drawingml/2006/main" xmlns:r="http://schemas.openxmlformats.org/officeDocument/2006/relationships" xmlns:p="http://schemas.openxmlformats.org/presentationml/2006/main">
   <p:cSld>
     <p:spTree>
@@ -16084,201 +16421,6 @@
     <p:extLst>
       <p:ext uri="{BB962C8B-B14F-4D97-AF65-F5344CB8AC3E}">
         <p14:creationId xmlns:p14="http://schemas.microsoft.com/office/powerpoint/2010/main" val="1569176403"/>
-      </p:ext>
-    </p:extLst>
-  </p:cSld>
-  <p:clrMapOvr>
-    <a:masterClrMapping/>
-  </p:clrMapOvr>
-</p:sld>
-</file>
-
-<file path=ppt/slides/slide32.xml><?xml version="1.0" encoding="utf-8"?>
-<p:sld xmlns:a="http://schemas.openxmlformats.org/drawingml/2006/main" xmlns:r="http://schemas.openxmlformats.org/officeDocument/2006/relationships" xmlns:p="http://schemas.openxmlformats.org/presentationml/2006/main">
-  <p:cSld>
-    <p:spTree>
-      <p:nvGrpSpPr>
-        <p:cNvPr id="1" name=""/>
-        <p:cNvGrpSpPr/>
-        <p:nvPr/>
-      </p:nvGrpSpPr>
-      <p:grpSpPr>
-        <a:xfrm>
-          <a:off x="0" y="0"/>
-          <a:ext cx="0" cy="0"/>
-          <a:chOff x="0" y="0"/>
-          <a:chExt cx="0" cy="0"/>
-        </a:xfrm>
-      </p:grpSpPr>
-      <p:sp>
-        <p:nvSpPr>
-          <p:cNvPr id="2" name="Title 1"/>
-          <p:cNvSpPr>
-            <a:spLocks noGrp="1"/>
-          </p:cNvSpPr>
-          <p:nvPr>
-            <p:ph type="title"/>
-          </p:nvPr>
-        </p:nvSpPr>
-        <p:spPr/>
-        <p:txBody>
-          <a:bodyPr/>
-          <a:lstStyle/>
-          <a:p>
-            <a:r>
-              <a:rPr lang="nl-BE" dirty="0" err="1"/>
-              <a:t>Why</a:t>
-            </a:r>
-            <a:r>
-              <a:rPr lang="nl-BE" dirty="0"/>
-              <a:t> a Micro ORM?</a:t>
-            </a:r>
-          </a:p>
-        </p:txBody>
-      </p:sp>
-      <p:sp>
-        <p:nvSpPr>
-          <p:cNvPr id="3" name="Content Placeholder 2"/>
-          <p:cNvSpPr>
-            <a:spLocks noGrp="1"/>
-          </p:cNvSpPr>
-          <p:nvPr>
-            <p:ph idx="1"/>
-          </p:nvPr>
-        </p:nvSpPr>
-        <p:spPr/>
-        <p:txBody>
-          <a:bodyPr/>
-          <a:lstStyle/>
-          <a:p>
-            <a:r>
-              <a:rPr lang="nl-BE" i="1" dirty="0"/>
-              <a:t>“SQL is the best DSL </a:t>
-            </a:r>
-            <a:r>
-              <a:rPr lang="nl-BE" i="1" dirty="0" err="1"/>
-              <a:t>for</a:t>
-            </a:r>
-            <a:r>
-              <a:rPr lang="nl-BE" i="1" dirty="0"/>
-              <a:t> </a:t>
-            </a:r>
-            <a:r>
-              <a:rPr lang="nl-BE" i="1" dirty="0" err="1"/>
-              <a:t>working</a:t>
-            </a:r>
-            <a:r>
-              <a:rPr lang="nl-BE" i="1" dirty="0"/>
-              <a:t> </a:t>
-            </a:r>
-            <a:r>
-              <a:rPr lang="nl-BE" i="1" dirty="0" err="1"/>
-              <a:t>with</a:t>
-            </a:r>
-            <a:r>
-              <a:rPr lang="nl-BE" i="1" dirty="0"/>
-              <a:t> data”</a:t>
-            </a:r>
-          </a:p>
-          <a:p>
-            <a:r>
-              <a:rPr lang="nl-BE" dirty="0" err="1"/>
-              <a:t>Often</a:t>
-            </a:r>
-            <a:r>
-              <a:rPr lang="nl-BE" dirty="0"/>
-              <a:t>, </a:t>
-            </a:r>
-            <a:r>
-              <a:rPr lang="nl-BE" dirty="0" err="1"/>
-              <a:t>you</a:t>
-            </a:r>
-            <a:r>
-              <a:rPr lang="nl-BE" dirty="0"/>
-              <a:t> </a:t>
-            </a:r>
-            <a:r>
-              <a:rPr lang="nl-BE" dirty="0" err="1"/>
-              <a:t>know</a:t>
-            </a:r>
-            <a:r>
-              <a:rPr lang="nl-BE" dirty="0"/>
-              <a:t> </a:t>
-            </a:r>
-            <a:r>
-              <a:rPr lang="nl-BE" dirty="0" err="1"/>
-              <a:t>what</a:t>
-            </a:r>
-            <a:r>
-              <a:rPr lang="nl-BE" dirty="0"/>
-              <a:t> SQL </a:t>
-            </a:r>
-            <a:r>
-              <a:rPr lang="nl-BE" dirty="0" err="1"/>
-              <a:t>you</a:t>
-            </a:r>
-            <a:r>
-              <a:rPr lang="nl-BE" dirty="0"/>
-              <a:t> </a:t>
-            </a:r>
-            <a:r>
-              <a:rPr lang="nl-BE" dirty="0" err="1"/>
-              <a:t>would</a:t>
-            </a:r>
-            <a:r>
-              <a:rPr lang="nl-BE" dirty="0"/>
-              <a:t> want </a:t>
-            </a:r>
-            <a:r>
-              <a:rPr lang="nl-BE" dirty="0" err="1"/>
-              <a:t>to</a:t>
-            </a:r>
-            <a:r>
-              <a:rPr lang="nl-BE" dirty="0"/>
-              <a:t> </a:t>
-            </a:r>
-            <a:r>
-              <a:rPr lang="nl-BE" dirty="0" err="1"/>
-              <a:t>write</a:t>
-            </a:r>
-            <a:r>
-              <a:rPr lang="nl-BE" dirty="0"/>
-              <a:t>.</a:t>
-            </a:r>
-          </a:p>
-          <a:p>
-            <a:r>
-              <a:rPr lang="nl-BE" dirty="0"/>
-              <a:t>Have a small </a:t>
-            </a:r>
-            <a:r>
-              <a:rPr lang="nl-BE" dirty="0" err="1"/>
-              <a:t>framework</a:t>
-            </a:r>
-            <a:r>
-              <a:rPr lang="nl-BE" dirty="0"/>
-              <a:t> </a:t>
-            </a:r>
-            <a:r>
-              <a:rPr lang="nl-BE" dirty="0" err="1"/>
-              <a:t>to</a:t>
-            </a:r>
-            <a:r>
-              <a:rPr lang="nl-BE" dirty="0"/>
-              <a:t> take care of the </a:t>
-            </a:r>
-            <a:r>
-              <a:rPr lang="nl-BE" dirty="0" err="1"/>
-              <a:t>hassle</a:t>
-            </a:r>
-            <a:endParaRPr lang="nl-BE" dirty="0"/>
-          </a:p>
-        </p:txBody>
-      </p:sp>
-    </p:spTree>
-    <p:extLst>
-      <p:ext uri="{BB962C8B-B14F-4D97-AF65-F5344CB8AC3E}">
-        <p14:creationId xmlns:p14="http://schemas.microsoft.com/office/powerpoint/2010/main" val="3351511762"/>
       </p:ext>
     </p:extLst>
   </p:cSld>
@@ -16321,6 +16463,201 @@
           <a:lstStyle/>
           <a:p>
             <a:r>
+              <a:rPr lang="nl-BE" dirty="0" err="1"/>
+              <a:t>Why</a:t>
+            </a:r>
+            <a:r>
+              <a:rPr lang="nl-BE" dirty="0"/>
+              <a:t> a Micro ORM?</a:t>
+            </a:r>
+          </a:p>
+        </p:txBody>
+      </p:sp>
+      <p:sp>
+        <p:nvSpPr>
+          <p:cNvPr id="3" name="Content Placeholder 2"/>
+          <p:cNvSpPr>
+            <a:spLocks noGrp="1"/>
+          </p:cNvSpPr>
+          <p:nvPr>
+            <p:ph idx="1"/>
+          </p:nvPr>
+        </p:nvSpPr>
+        <p:spPr/>
+        <p:txBody>
+          <a:bodyPr/>
+          <a:lstStyle/>
+          <a:p>
+            <a:r>
+              <a:rPr lang="nl-BE" i="1" dirty="0"/>
+              <a:t>“SQL is the best DSL </a:t>
+            </a:r>
+            <a:r>
+              <a:rPr lang="nl-BE" i="1" dirty="0" err="1"/>
+              <a:t>for</a:t>
+            </a:r>
+            <a:r>
+              <a:rPr lang="nl-BE" i="1" dirty="0"/>
+              <a:t> </a:t>
+            </a:r>
+            <a:r>
+              <a:rPr lang="nl-BE" i="1" dirty="0" err="1"/>
+              <a:t>working</a:t>
+            </a:r>
+            <a:r>
+              <a:rPr lang="nl-BE" i="1" dirty="0"/>
+              <a:t> </a:t>
+            </a:r>
+            <a:r>
+              <a:rPr lang="nl-BE" i="1" dirty="0" err="1"/>
+              <a:t>with</a:t>
+            </a:r>
+            <a:r>
+              <a:rPr lang="nl-BE" i="1" dirty="0"/>
+              <a:t> data”</a:t>
+            </a:r>
+          </a:p>
+          <a:p>
+            <a:r>
+              <a:rPr lang="nl-BE" dirty="0" err="1"/>
+              <a:t>Often</a:t>
+            </a:r>
+            <a:r>
+              <a:rPr lang="nl-BE" dirty="0"/>
+              <a:t>, </a:t>
+            </a:r>
+            <a:r>
+              <a:rPr lang="nl-BE" dirty="0" err="1"/>
+              <a:t>you</a:t>
+            </a:r>
+            <a:r>
+              <a:rPr lang="nl-BE" dirty="0"/>
+              <a:t> </a:t>
+            </a:r>
+            <a:r>
+              <a:rPr lang="nl-BE" dirty="0" err="1"/>
+              <a:t>know</a:t>
+            </a:r>
+            <a:r>
+              <a:rPr lang="nl-BE" dirty="0"/>
+              <a:t> </a:t>
+            </a:r>
+            <a:r>
+              <a:rPr lang="nl-BE" dirty="0" err="1"/>
+              <a:t>what</a:t>
+            </a:r>
+            <a:r>
+              <a:rPr lang="nl-BE" dirty="0"/>
+              <a:t> SQL </a:t>
+            </a:r>
+            <a:r>
+              <a:rPr lang="nl-BE" dirty="0" err="1"/>
+              <a:t>you</a:t>
+            </a:r>
+            <a:r>
+              <a:rPr lang="nl-BE" dirty="0"/>
+              <a:t> </a:t>
+            </a:r>
+            <a:r>
+              <a:rPr lang="nl-BE" dirty="0" err="1"/>
+              <a:t>would</a:t>
+            </a:r>
+            <a:r>
+              <a:rPr lang="nl-BE" dirty="0"/>
+              <a:t> want </a:t>
+            </a:r>
+            <a:r>
+              <a:rPr lang="nl-BE" dirty="0" err="1"/>
+              <a:t>to</a:t>
+            </a:r>
+            <a:r>
+              <a:rPr lang="nl-BE" dirty="0"/>
+              <a:t> </a:t>
+            </a:r>
+            <a:r>
+              <a:rPr lang="nl-BE" dirty="0" err="1"/>
+              <a:t>write</a:t>
+            </a:r>
+            <a:r>
+              <a:rPr lang="nl-BE" dirty="0"/>
+              <a:t>.</a:t>
+            </a:r>
+          </a:p>
+          <a:p>
+            <a:r>
+              <a:rPr lang="nl-BE" dirty="0"/>
+              <a:t>Have a small </a:t>
+            </a:r>
+            <a:r>
+              <a:rPr lang="nl-BE" dirty="0" err="1"/>
+              <a:t>framework</a:t>
+            </a:r>
+            <a:r>
+              <a:rPr lang="nl-BE" dirty="0"/>
+              <a:t> </a:t>
+            </a:r>
+            <a:r>
+              <a:rPr lang="nl-BE" dirty="0" err="1"/>
+              <a:t>to</a:t>
+            </a:r>
+            <a:r>
+              <a:rPr lang="nl-BE" dirty="0"/>
+              <a:t> take care of the </a:t>
+            </a:r>
+            <a:r>
+              <a:rPr lang="nl-BE" dirty="0" err="1"/>
+              <a:t>hassle</a:t>
+            </a:r>
+            <a:endParaRPr lang="nl-BE" dirty="0"/>
+          </a:p>
+        </p:txBody>
+      </p:sp>
+    </p:spTree>
+    <p:extLst>
+      <p:ext uri="{BB962C8B-B14F-4D97-AF65-F5344CB8AC3E}">
+        <p14:creationId xmlns:p14="http://schemas.microsoft.com/office/powerpoint/2010/main" val="3351511762"/>
+      </p:ext>
+    </p:extLst>
+  </p:cSld>
+  <p:clrMapOvr>
+    <a:masterClrMapping/>
+  </p:clrMapOvr>
+</p:sld>
+</file>
+
+<file path=ppt/slides/slide34.xml><?xml version="1.0" encoding="utf-8"?>
+<p:sld xmlns:a="http://schemas.openxmlformats.org/drawingml/2006/main" xmlns:r="http://schemas.openxmlformats.org/officeDocument/2006/relationships" xmlns:p="http://schemas.openxmlformats.org/presentationml/2006/main">
+  <p:cSld>
+    <p:spTree>
+      <p:nvGrpSpPr>
+        <p:cNvPr id="1" name=""/>
+        <p:cNvGrpSpPr/>
+        <p:nvPr/>
+      </p:nvGrpSpPr>
+      <p:grpSpPr>
+        <a:xfrm>
+          <a:off x="0" y="0"/>
+          <a:ext cx="0" cy="0"/>
+          <a:chOff x="0" y="0"/>
+          <a:chExt cx="0" cy="0"/>
+        </a:xfrm>
+      </p:grpSpPr>
+      <p:sp>
+        <p:nvSpPr>
+          <p:cNvPr id="2" name="Title 1"/>
+          <p:cNvSpPr>
+            <a:spLocks noGrp="1"/>
+          </p:cNvSpPr>
+          <p:nvPr>
+            <p:ph type="title"/>
+          </p:nvPr>
+        </p:nvSpPr>
+        <p:spPr/>
+        <p:txBody>
+          <a:bodyPr/>
+          <a:lstStyle/>
+          <a:p>
+            <a:r>
               <a:rPr lang="nl-BE" dirty="0"/>
               <a:t>Dapper pros &amp; </a:t>
             </a:r>
@@ -16571,7 +16908,7 @@
 </p:sld>
 </file>
 
-<file path=ppt/slides/slide34.xml><?xml version="1.0" encoding="utf-8"?>
+<file path=ppt/slides/slide35.xml><?xml version="1.0" encoding="utf-8"?>
 <p:sld xmlns:a="http://schemas.openxmlformats.org/drawingml/2006/main" xmlns:r="http://schemas.openxmlformats.org/officeDocument/2006/relationships" xmlns:p="http://schemas.openxmlformats.org/presentationml/2006/main">
   <p:cSld>
     <p:spTree>
@@ -16659,7 +16996,7 @@
 </p:sld>
 </file>
 
-<file path=ppt/slides/slide35.xml><?xml version="1.0" encoding="utf-8"?>
+<file path=ppt/slides/slide36.xml><?xml version="1.0" encoding="utf-8"?>
 <p:sld xmlns:a="http://schemas.openxmlformats.org/drawingml/2006/main" xmlns:r="http://schemas.openxmlformats.org/officeDocument/2006/relationships" xmlns:p="http://schemas.openxmlformats.org/presentationml/2006/main">
   <p:cSld>
     <p:spTree>
@@ -16761,246 +17098,6 @@
 </p:sld>
 </file>
 
-<file path=ppt/slides/slide36.xml><?xml version="1.0" encoding="utf-8"?>
-<p:sld xmlns:a="http://schemas.openxmlformats.org/drawingml/2006/main" xmlns:r="http://schemas.openxmlformats.org/officeDocument/2006/relationships" xmlns:p="http://schemas.openxmlformats.org/presentationml/2006/main">
-  <p:cSld>
-    <p:spTree>
-      <p:nvGrpSpPr>
-        <p:cNvPr id="1" name=""/>
-        <p:cNvGrpSpPr/>
-        <p:nvPr/>
-      </p:nvGrpSpPr>
-      <p:grpSpPr>
-        <a:xfrm>
-          <a:off x="0" y="0"/>
-          <a:ext cx="0" cy="0"/>
-          <a:chOff x="0" y="0"/>
-          <a:chExt cx="0" cy="0"/>
-        </a:xfrm>
-      </p:grpSpPr>
-      <p:sp>
-        <p:nvSpPr>
-          <p:cNvPr id="2" name="Title 1"/>
-          <p:cNvSpPr>
-            <a:spLocks noGrp="1"/>
-          </p:cNvSpPr>
-          <p:nvPr>
-            <p:ph type="title"/>
-          </p:nvPr>
-        </p:nvSpPr>
-        <p:spPr/>
-        <p:txBody>
-          <a:bodyPr/>
-          <a:lstStyle/>
-          <a:p>
-            <a:r>
-              <a:rPr lang="nl-BE" dirty="0" err="1"/>
-              <a:t>Why</a:t>
-            </a:r>
-            <a:r>
-              <a:rPr lang="nl-BE" dirty="0"/>
-              <a:t>?</a:t>
-            </a:r>
-          </a:p>
-        </p:txBody>
-      </p:sp>
-      <p:sp>
-        <p:nvSpPr>
-          <p:cNvPr id="3" name="Content Placeholder 2"/>
-          <p:cNvSpPr>
-            <a:spLocks noGrp="1"/>
-          </p:cNvSpPr>
-          <p:nvPr>
-            <p:ph idx="1"/>
-          </p:nvPr>
-        </p:nvSpPr>
-        <p:spPr/>
-        <p:txBody>
-          <a:bodyPr>
-            <a:normAutofit/>
-          </a:bodyPr>
-          <a:lstStyle/>
-          <a:p>
-            <a:r>
-              <a:rPr lang="nl-BE" dirty="0" err="1"/>
-              <a:t>Separation</a:t>
-            </a:r>
-            <a:r>
-              <a:rPr lang="nl-BE" dirty="0"/>
-              <a:t> of </a:t>
-            </a:r>
-            <a:r>
-              <a:rPr lang="nl-BE" dirty="0" err="1"/>
-              <a:t>Concearns</a:t>
-            </a:r>
-            <a:endParaRPr lang="nl-BE" dirty="0"/>
-          </a:p>
-          <a:p>
-            <a:pPr lvl="1"/>
-            <a:r>
-              <a:rPr lang="nl-BE" dirty="0"/>
-              <a:t>Controller: UI logic </a:t>
-            </a:r>
-          </a:p>
-          <a:p>
-            <a:pPr lvl="1"/>
-            <a:r>
-              <a:rPr lang="nl-BE" dirty="0"/>
-              <a:t>Unit Of </a:t>
-            </a:r>
-            <a:r>
-              <a:rPr lang="nl-BE" dirty="0" err="1"/>
-              <a:t>Work</a:t>
-            </a:r>
-            <a:r>
-              <a:rPr lang="nl-BE" dirty="0"/>
-              <a:t>: Business</a:t>
-            </a:r>
-          </a:p>
-          <a:p>
-            <a:pPr lvl="1"/>
-            <a:r>
-              <a:rPr lang="nl-BE" dirty="0" err="1"/>
-              <a:t>Repository</a:t>
-            </a:r>
-            <a:r>
-              <a:rPr lang="nl-BE" dirty="0"/>
-              <a:t>: Data Access</a:t>
-            </a:r>
-          </a:p>
-          <a:p>
-            <a:r>
-              <a:rPr lang="nl-BE" dirty="0"/>
-              <a:t>Making </a:t>
-            </a:r>
-            <a:r>
-              <a:rPr lang="nl-BE" dirty="0" err="1"/>
-              <a:t>all</a:t>
-            </a:r>
-            <a:r>
-              <a:rPr lang="nl-BE" dirty="0"/>
-              <a:t> </a:t>
-            </a:r>
-            <a:r>
-              <a:rPr lang="nl-BE" dirty="0" err="1"/>
-              <a:t>parts</a:t>
-            </a:r>
-            <a:r>
-              <a:rPr lang="nl-BE" dirty="0"/>
-              <a:t> </a:t>
-            </a:r>
-            <a:r>
-              <a:rPr lang="nl-BE" dirty="0" err="1"/>
-              <a:t>injectable</a:t>
-            </a:r>
-            <a:r>
-              <a:rPr lang="nl-BE" dirty="0"/>
-              <a:t> </a:t>
-            </a:r>
-            <a:r>
-              <a:rPr lang="nl-BE" dirty="0" err="1"/>
-              <a:t>by</a:t>
-            </a:r>
-            <a:r>
-              <a:rPr lang="nl-BE" dirty="0"/>
-              <a:t> the IOC container</a:t>
-            </a:r>
-          </a:p>
-          <a:p>
-            <a:r>
-              <a:rPr lang="nl-BE" dirty="0"/>
-              <a:t>Making </a:t>
-            </a:r>
-            <a:r>
-              <a:rPr lang="nl-BE" dirty="0" err="1"/>
-              <a:t>every</a:t>
-            </a:r>
-            <a:r>
-              <a:rPr lang="nl-BE" dirty="0"/>
-              <a:t> part </a:t>
-            </a:r>
-            <a:r>
-              <a:rPr lang="nl-BE" dirty="0" err="1"/>
-              <a:t>mockable</a:t>
-            </a:r>
-            <a:r>
-              <a:rPr lang="nl-BE" dirty="0"/>
-              <a:t> </a:t>
-            </a:r>
-            <a:r>
-              <a:rPr lang="nl-BE" dirty="0" err="1"/>
-              <a:t>to</a:t>
-            </a:r>
-            <a:r>
-              <a:rPr lang="nl-BE" dirty="0"/>
-              <a:t> the </a:t>
-            </a:r>
-            <a:r>
-              <a:rPr lang="nl-BE" dirty="0" err="1"/>
-              <a:t>upper</a:t>
-            </a:r>
-            <a:r>
-              <a:rPr lang="nl-BE" dirty="0"/>
-              <a:t> </a:t>
-            </a:r>
-            <a:r>
-              <a:rPr lang="nl-BE" dirty="0" err="1"/>
-              <a:t>layer</a:t>
-            </a:r>
-            <a:r>
-              <a:rPr lang="nl-BE" dirty="0"/>
-              <a:t> (unit </a:t>
-            </a:r>
-            <a:r>
-              <a:rPr lang="nl-BE" dirty="0" err="1"/>
-              <a:t>testing</a:t>
-            </a:r>
-            <a:r>
-              <a:rPr lang="nl-BE" dirty="0"/>
-              <a:t>)</a:t>
-            </a:r>
-          </a:p>
-          <a:p>
-            <a:r>
-              <a:rPr lang="nl-BE" dirty="0" err="1"/>
-              <a:t>Keeping</a:t>
-            </a:r>
-            <a:r>
-              <a:rPr lang="nl-BE" dirty="0"/>
-              <a:t> the </a:t>
-            </a:r>
-            <a:r>
-              <a:rPr lang="nl-BE" dirty="0" err="1"/>
-              <a:t>tested</a:t>
-            </a:r>
-            <a:r>
-              <a:rPr lang="nl-BE" dirty="0"/>
-              <a:t> </a:t>
-            </a:r>
-            <a:r>
-              <a:rPr lang="nl-BE" dirty="0" err="1"/>
-              <a:t>parts</a:t>
-            </a:r>
-            <a:r>
-              <a:rPr lang="nl-BE" dirty="0"/>
-              <a:t> small</a:t>
-            </a:r>
-          </a:p>
-        </p:txBody>
-      </p:sp>
-    </p:spTree>
-    <p:extLst>
-      <p:ext uri="{BB962C8B-B14F-4D97-AF65-F5344CB8AC3E}">
-        <p14:creationId xmlns:p14="http://schemas.microsoft.com/office/powerpoint/2010/main" val="2536815099"/>
-      </p:ext>
-    </p:extLst>
-  </p:cSld>
-  <p:clrMapOvr>
-    <a:masterClrMapping/>
-  </p:clrMapOvr>
-</p:sld>
-</file>
-
 <file path=ppt/slides/slide37.xml><?xml version="1.0" encoding="utf-8"?>
 <p:sld xmlns:a="http://schemas.openxmlformats.org/drawingml/2006/main" xmlns:r="http://schemas.openxmlformats.org/officeDocument/2006/relationships" xmlns:p="http://schemas.openxmlformats.org/presentationml/2006/main">
   <p:cSld>
@@ -17034,16 +17131,12 @@
           <a:lstStyle/>
           <a:p>
             <a:r>
-              <a:rPr lang="nl-BE" dirty="0"/>
-              <a:t>Beware of anti-</a:t>
-            </a:r>
-            <a:r>
               <a:rPr lang="nl-BE" dirty="0" err="1"/>
-              <a:t>patterns</a:t>
-            </a:r>
-            <a:r>
-              <a:rPr lang="nl-BE" dirty="0"/>
-              <a:t>!</a:t>
+              <a:t>Why</a:t>
+            </a:r>
+            <a:r>
+              <a:rPr lang="nl-BE" dirty="0"/>
+              <a:t>?</a:t>
             </a:r>
           </a:p>
         </p:txBody>
@@ -17067,296 +17160,175 @@
           <a:p>
             <a:r>
               <a:rPr lang="nl-BE" dirty="0" err="1"/>
-              <a:t>Abstractions</a:t>
-            </a:r>
-            <a:r>
-              <a:rPr lang="nl-BE" dirty="0"/>
-              <a:t> over </a:t>
+              <a:t>Separation</a:t>
+            </a:r>
+            <a:r>
+              <a:rPr lang="nl-BE" dirty="0"/>
+              <a:t> of </a:t>
             </a:r>
             <a:r>
               <a:rPr lang="nl-BE" dirty="0" err="1"/>
-              <a:t>abstractions</a:t>
-            </a:r>
-            <a:r>
-              <a:rPr lang="nl-BE" dirty="0"/>
-              <a:t> over </a:t>
+              <a:t>Concearns</a:t>
+            </a:r>
+            <a:endParaRPr lang="nl-BE" dirty="0"/>
+          </a:p>
+          <a:p>
+            <a:pPr lvl="1"/>
+            <a:r>
+              <a:rPr lang="nl-BE" dirty="0"/>
+              <a:t>Controller: UI logic </a:t>
+            </a:r>
+          </a:p>
+          <a:p>
+            <a:pPr lvl="1"/>
+            <a:r>
+              <a:rPr lang="nl-BE" dirty="0"/>
+              <a:t>Unit Of </a:t>
             </a:r>
             <a:r>
               <a:rPr lang="nl-BE" dirty="0" err="1"/>
-              <a:t>abstractions</a:t>
-            </a:r>
-            <a:r>
-              <a:rPr lang="nl-BE" dirty="0"/>
-              <a:t> over …</a:t>
+              <a:t>Work</a:t>
+            </a:r>
+            <a:r>
+              <a:rPr lang="nl-BE" dirty="0"/>
+              <a:t>: Business</a:t>
             </a:r>
           </a:p>
           <a:p>
             <a:pPr lvl="1"/>
             <a:r>
-              <a:rPr lang="nl-BE" dirty="0"/>
-              <a:t>UI </a:t>
-            </a:r>
-            <a:r>
-              <a:rPr lang="nl-BE" dirty="0">
-                <a:sym typeface="Wingdings" panose="05000000000000000000" pitchFamily="2" charset="2"/>
-              </a:rPr>
-              <a:t> </a:t>
-            </a:r>
-            <a:r>
               <a:rPr lang="nl-BE" dirty="0" err="1"/>
-              <a:t>Facade</a:t>
+              <a:t>Repository</a:t>
+            </a:r>
+            <a:r>
+              <a:rPr lang="nl-BE" dirty="0"/>
+              <a:t>: Data Access</a:t>
+            </a:r>
+          </a:p>
+          <a:p>
+            <a:r>
+              <a:rPr lang="nl-BE" dirty="0"/>
+              <a:t>Making </a:t>
+            </a:r>
+            <a:r>
+              <a:rPr lang="nl-BE" dirty="0" err="1"/>
+              <a:t>all</a:t>
             </a:r>
             <a:r>
               <a:rPr lang="nl-BE" dirty="0"/>
               <a:t> </a:t>
             </a:r>
             <a:r>
-              <a:rPr lang="nl-BE" dirty="0">
-                <a:sym typeface="Wingdings" panose="05000000000000000000" pitchFamily="2" charset="2"/>
-              </a:rPr>
-              <a:t> Service  Unit Of </a:t>
-            </a:r>
-            <a:r>
-              <a:rPr lang="nl-BE" dirty="0" err="1">
-                <a:sym typeface="Wingdings" panose="05000000000000000000" pitchFamily="2" charset="2"/>
-              </a:rPr>
-              <a:t>Work</a:t>
-            </a:r>
-            <a:r>
-              <a:rPr lang="nl-BE" dirty="0">
-                <a:sym typeface="Wingdings" panose="05000000000000000000" pitchFamily="2" charset="2"/>
-              </a:rPr>
-              <a:t>  </a:t>
-            </a:r>
-            <a:r>
-              <a:rPr lang="nl-BE" dirty="0" err="1">
-                <a:sym typeface="Wingdings" panose="05000000000000000000" pitchFamily="2" charset="2"/>
-              </a:rPr>
-              <a:t>Repository</a:t>
-            </a:r>
-            <a:r>
-              <a:rPr lang="nl-BE" dirty="0">
-                <a:sym typeface="Wingdings" panose="05000000000000000000" pitchFamily="2" charset="2"/>
-              </a:rPr>
-              <a:t>  </a:t>
-            </a:r>
-            <a:r>
-              <a:rPr lang="nl-BE" dirty="0" err="1">
-                <a:sym typeface="Wingdings" panose="05000000000000000000" pitchFamily="2" charset="2"/>
-              </a:rPr>
-              <a:t>DbContext</a:t>
-            </a:r>
-            <a:r>
-              <a:rPr lang="nl-BE" dirty="0">
-                <a:sym typeface="Wingdings" panose="05000000000000000000" pitchFamily="2" charset="2"/>
-              </a:rPr>
-              <a:t>  DB</a:t>
-            </a:r>
-          </a:p>
-          <a:p>
-            <a:pPr lvl="1"/>
-            <a:r>
-              <a:rPr lang="nl-BE" dirty="0">
-                <a:sym typeface="Wingdings" panose="05000000000000000000" pitchFamily="2" charset="2"/>
-              </a:rPr>
-              <a:t>Using DI </a:t>
-            </a:r>
-            <a:r>
-              <a:rPr lang="nl-BE" dirty="0" err="1">
-                <a:sym typeface="Wingdings" panose="05000000000000000000" pitchFamily="2" charset="2"/>
-              </a:rPr>
+              <a:rPr lang="nl-BE" dirty="0" err="1"/>
+              <a:t>parts</a:t>
+            </a:r>
+            <a:r>
+              <a:rPr lang="nl-BE" dirty="0"/>
+              <a:t> </a:t>
+            </a:r>
+            <a:r>
+              <a:rPr lang="nl-BE" dirty="0" err="1"/>
+              <a:t>injectable</a:t>
+            </a:r>
+            <a:r>
+              <a:rPr lang="nl-BE" dirty="0"/>
+              <a:t> </a:t>
+            </a:r>
+            <a:r>
+              <a:rPr lang="nl-BE" dirty="0" err="1"/>
+              <a:t>by</a:t>
+            </a:r>
+            <a:r>
+              <a:rPr lang="nl-BE" dirty="0"/>
+              <a:t> the IOC container</a:t>
+            </a:r>
+          </a:p>
+          <a:p>
+            <a:r>
+              <a:rPr lang="nl-BE" dirty="0"/>
+              <a:t>Making </a:t>
+            </a:r>
+            <a:r>
+              <a:rPr lang="nl-BE" dirty="0" err="1"/>
+              <a:t>every</a:t>
+            </a:r>
+            <a:r>
+              <a:rPr lang="nl-BE" dirty="0"/>
+              <a:t> part </a:t>
+            </a:r>
+            <a:r>
+              <a:rPr lang="nl-BE" dirty="0" err="1"/>
+              <a:t>mockable</a:t>
+            </a:r>
+            <a:r>
+              <a:rPr lang="nl-BE" dirty="0"/>
+              <a:t> </a:t>
+            </a:r>
+            <a:r>
+              <a:rPr lang="nl-BE" dirty="0" err="1"/>
               <a:t>to</a:t>
             </a:r>
             <a:r>
-              <a:rPr lang="nl-BE" dirty="0">
-                <a:sym typeface="Wingdings" panose="05000000000000000000" pitchFamily="2" charset="2"/>
-              </a:rPr>
+              <a:rPr lang="nl-BE" dirty="0"/>
+              <a:t> the </a:t>
+            </a:r>
+            <a:r>
+              <a:rPr lang="nl-BE" dirty="0" err="1"/>
+              <a:t>upper</a:t>
+            </a:r>
+            <a:r>
+              <a:rPr lang="nl-BE" dirty="0"/>
               <a:t> </a:t>
             </a:r>
             <a:r>
-              <a:rPr lang="nl-BE" dirty="0" err="1">
-                <a:sym typeface="Wingdings" panose="05000000000000000000" pitchFamily="2" charset="2"/>
-              </a:rPr>
-              <a:t>inject</a:t>
-            </a:r>
-            <a:r>
-              <a:rPr lang="nl-BE" dirty="0">
-                <a:sym typeface="Wingdings" panose="05000000000000000000" pitchFamily="2" charset="2"/>
-              </a:rPr>
+              <a:rPr lang="nl-BE" dirty="0" err="1"/>
+              <a:t>layer</a:t>
+            </a:r>
+            <a:r>
+              <a:rPr lang="nl-BE" dirty="0"/>
+              <a:t> (unit </a:t>
+            </a:r>
+            <a:r>
+              <a:rPr lang="nl-BE" dirty="0" err="1"/>
+              <a:t>testing</a:t>
+            </a:r>
+            <a:r>
+              <a:rPr lang="nl-BE" dirty="0"/>
+              <a:t>)</a:t>
+            </a:r>
+          </a:p>
+          <a:p>
+            <a:r>
+              <a:rPr lang="nl-BE" dirty="0" err="1"/>
+              <a:t>Keeping</a:t>
+            </a:r>
+            <a:r>
+              <a:rPr lang="nl-BE" dirty="0"/>
+              <a:t> the </a:t>
+            </a:r>
+            <a:r>
+              <a:rPr lang="nl-BE" dirty="0" err="1"/>
+              <a:t>tested</a:t>
+            </a:r>
+            <a:r>
+              <a:rPr lang="nl-BE" dirty="0"/>
               <a:t> </a:t>
             </a:r>
             <a:r>
-              <a:rPr lang="nl-BE" dirty="0" err="1">
-                <a:sym typeface="Wingdings" panose="05000000000000000000" pitchFamily="2" charset="2"/>
-              </a:rPr>
-              <a:t>many</a:t>
-            </a:r>
-            <a:r>
-              <a:rPr lang="nl-BE" dirty="0">
-                <a:sym typeface="Wingdings" panose="05000000000000000000" pitchFamily="2" charset="2"/>
-              </a:rPr>
-              <a:t> </a:t>
-            </a:r>
-            <a:r>
-              <a:rPr lang="nl-BE" dirty="0" err="1">
-                <a:sym typeface="Wingdings" panose="05000000000000000000" pitchFamily="2" charset="2"/>
-              </a:rPr>
-              <a:t>abstractions</a:t>
-            </a:r>
-            <a:r>
-              <a:rPr lang="nl-BE" dirty="0">
-                <a:sym typeface="Wingdings" panose="05000000000000000000" pitchFamily="2" charset="2"/>
-              </a:rPr>
-              <a:t> </a:t>
-            </a:r>
-            <a:r>
-              <a:rPr lang="nl-BE" dirty="0" err="1">
-                <a:sym typeface="Wingdings" panose="05000000000000000000" pitchFamily="2" charset="2"/>
-              </a:rPr>
-              <a:t>will</a:t>
-            </a:r>
-            <a:r>
-              <a:rPr lang="nl-BE" dirty="0">
-                <a:sym typeface="Wingdings" panose="05000000000000000000" pitchFamily="2" charset="2"/>
-              </a:rPr>
-              <a:t>:</a:t>
-            </a:r>
-          </a:p>
-          <a:p>
-            <a:pPr lvl="2"/>
-            <a:r>
-              <a:rPr lang="nl-BE" dirty="0" err="1">
-                <a:sym typeface="Wingdings" panose="05000000000000000000" pitchFamily="2" charset="2"/>
-              </a:rPr>
-              <a:t>Cause</a:t>
-            </a:r>
-            <a:r>
-              <a:rPr lang="nl-BE" dirty="0">
-                <a:sym typeface="Wingdings" panose="05000000000000000000" pitchFamily="2" charset="2"/>
-              </a:rPr>
-              <a:t> a performance hit</a:t>
-            </a:r>
-          </a:p>
-          <a:p>
-            <a:pPr lvl="2"/>
-            <a:r>
-              <a:rPr lang="nl-BE" dirty="0">
-                <a:sym typeface="Wingdings" panose="05000000000000000000" pitchFamily="2" charset="2"/>
-              </a:rPr>
-              <a:t>Make code </a:t>
-            </a:r>
-            <a:r>
-              <a:rPr lang="nl-BE" dirty="0" err="1">
-                <a:sym typeface="Wingdings" panose="05000000000000000000" pitchFamily="2" charset="2"/>
-              </a:rPr>
-              <a:t>navigation</a:t>
-            </a:r>
-            <a:r>
-              <a:rPr lang="nl-BE" dirty="0">
-                <a:sym typeface="Wingdings" panose="05000000000000000000" pitchFamily="2" charset="2"/>
-              </a:rPr>
-              <a:t> complex</a:t>
-            </a:r>
-          </a:p>
-          <a:p>
-            <a:pPr lvl="2"/>
-            <a:r>
-              <a:rPr lang="nl-BE" dirty="0">
-                <a:sym typeface="Wingdings" panose="05000000000000000000" pitchFamily="2" charset="2"/>
-              </a:rPr>
-              <a:t>Make </a:t>
-            </a:r>
-            <a:r>
-              <a:rPr lang="nl-BE" dirty="0" err="1">
-                <a:sym typeface="Wingdings" panose="05000000000000000000" pitchFamily="2" charset="2"/>
-              </a:rPr>
-              <a:t>debugging</a:t>
-            </a:r>
-            <a:r>
-              <a:rPr lang="nl-BE" dirty="0">
-                <a:sym typeface="Wingdings" panose="05000000000000000000" pitchFamily="2" charset="2"/>
-              </a:rPr>
-              <a:t> complex</a:t>
-            </a:r>
-          </a:p>
-          <a:p>
-            <a:pPr lvl="1"/>
-            <a:r>
-              <a:rPr lang="nl-BE" dirty="0">
-                <a:sym typeface="Wingdings" panose="05000000000000000000" pitchFamily="2" charset="2"/>
-              </a:rPr>
-              <a:t>Using </a:t>
-            </a:r>
-            <a:r>
-              <a:rPr lang="nl-BE" dirty="0" err="1">
-                <a:sym typeface="Wingdings" panose="05000000000000000000" pitchFamily="2" charset="2"/>
-              </a:rPr>
-              <a:t>all</a:t>
-            </a:r>
-            <a:r>
-              <a:rPr lang="nl-BE" dirty="0">
-                <a:sym typeface="Wingdings" panose="05000000000000000000" pitchFamily="2" charset="2"/>
-              </a:rPr>
-              <a:t> of these in EVERY case is NOT </a:t>
-            </a:r>
-            <a:r>
-              <a:rPr lang="nl-BE" dirty="0" err="1">
-                <a:sym typeface="Wingdings" panose="05000000000000000000" pitchFamily="2" charset="2"/>
-              </a:rPr>
-              <a:t>productive</a:t>
-            </a:r>
-            <a:endParaRPr lang="nl-BE" dirty="0"/>
-          </a:p>
-          <a:p>
-            <a:r>
               <a:rPr lang="nl-BE" dirty="0" err="1"/>
-              <a:t>Generic</a:t>
-            </a:r>
-            <a:r>
-              <a:rPr lang="nl-BE" dirty="0"/>
-              <a:t> </a:t>
-            </a:r>
-            <a:r>
-              <a:rPr lang="nl-BE" dirty="0" err="1"/>
-              <a:t>repository</a:t>
-            </a:r>
-            <a:endParaRPr lang="nl-BE" dirty="0"/>
-          </a:p>
-          <a:p>
-            <a:r>
-              <a:rPr lang="nl-BE" dirty="0" err="1"/>
-              <a:t>Isn’t</a:t>
-            </a:r>
-            <a:r>
-              <a:rPr lang="nl-BE" dirty="0"/>
-              <a:t> a </a:t>
-            </a:r>
-            <a:r>
-              <a:rPr lang="nl-BE" dirty="0" err="1"/>
-              <a:t>DbContext</a:t>
-            </a:r>
-            <a:r>
-              <a:rPr lang="nl-BE" dirty="0"/>
-              <a:t> a </a:t>
-            </a:r>
-            <a:r>
-              <a:rPr lang="nl-BE" dirty="0" err="1"/>
-              <a:t>repository</a:t>
-            </a:r>
-            <a:r>
-              <a:rPr lang="nl-BE" dirty="0"/>
-              <a:t>?</a:t>
-            </a:r>
-          </a:p>
-          <a:p>
-            <a:endParaRPr lang="nl-BE" dirty="0"/>
+              <a:t>parts</a:t>
+            </a:r>
+            <a:r>
+              <a:rPr lang="nl-BE" dirty="0"/>
+              <a:t> small</a:t>
+            </a:r>
           </a:p>
         </p:txBody>
       </p:sp>
     </p:spTree>
     <p:extLst>
       <p:ext uri="{BB962C8B-B14F-4D97-AF65-F5344CB8AC3E}">
-        <p14:creationId xmlns:p14="http://schemas.microsoft.com/office/powerpoint/2010/main" val="1516892539"/>
+        <p14:creationId xmlns:p14="http://schemas.microsoft.com/office/powerpoint/2010/main" val="2536815099"/>
       </p:ext>
     </p:extLst>
   </p:cSld>
@@ -17400,6 +17372,371 @@
           <a:p>
             <a:r>
               <a:rPr lang="nl-BE" dirty="0"/>
+              <a:t>Beware of anti-</a:t>
+            </a:r>
+            <a:r>
+              <a:rPr lang="nl-BE" dirty="0" err="1"/>
+              <a:t>patterns</a:t>
+            </a:r>
+            <a:r>
+              <a:rPr lang="nl-BE" dirty="0"/>
+              <a:t>!</a:t>
+            </a:r>
+          </a:p>
+        </p:txBody>
+      </p:sp>
+      <p:sp>
+        <p:nvSpPr>
+          <p:cNvPr id="3" name="Content Placeholder 2"/>
+          <p:cNvSpPr>
+            <a:spLocks noGrp="1"/>
+          </p:cNvSpPr>
+          <p:nvPr>
+            <p:ph idx="1"/>
+          </p:nvPr>
+        </p:nvSpPr>
+        <p:spPr/>
+        <p:txBody>
+          <a:bodyPr>
+            <a:normAutofit/>
+          </a:bodyPr>
+          <a:lstStyle/>
+          <a:p>
+            <a:r>
+              <a:rPr lang="nl-BE" dirty="0" err="1"/>
+              <a:t>Abstractions</a:t>
+            </a:r>
+            <a:r>
+              <a:rPr lang="nl-BE" dirty="0"/>
+              <a:t> over </a:t>
+            </a:r>
+            <a:r>
+              <a:rPr lang="nl-BE" dirty="0" err="1"/>
+              <a:t>abstractions</a:t>
+            </a:r>
+            <a:r>
+              <a:rPr lang="nl-BE" dirty="0"/>
+              <a:t> over </a:t>
+            </a:r>
+            <a:r>
+              <a:rPr lang="nl-BE" dirty="0" err="1"/>
+              <a:t>abstractions</a:t>
+            </a:r>
+            <a:r>
+              <a:rPr lang="nl-BE" dirty="0"/>
+              <a:t> over …</a:t>
+            </a:r>
+          </a:p>
+          <a:p>
+            <a:pPr lvl="1"/>
+            <a:r>
+              <a:rPr lang="nl-BE" dirty="0"/>
+              <a:t>UI </a:t>
+            </a:r>
+            <a:r>
+              <a:rPr lang="nl-BE" dirty="0">
+                <a:sym typeface="Wingdings" panose="05000000000000000000" pitchFamily="2" charset="2"/>
+              </a:rPr>
+              <a:t> </a:t>
+            </a:r>
+            <a:r>
+              <a:rPr lang="nl-BE" dirty="0" err="1"/>
+              <a:t>Facade</a:t>
+            </a:r>
+            <a:r>
+              <a:rPr lang="nl-BE" dirty="0"/>
+              <a:t> </a:t>
+            </a:r>
+            <a:r>
+              <a:rPr lang="nl-BE" dirty="0">
+                <a:sym typeface="Wingdings" panose="05000000000000000000" pitchFamily="2" charset="2"/>
+              </a:rPr>
+              <a:t> Service  Unit Of </a:t>
+            </a:r>
+            <a:r>
+              <a:rPr lang="nl-BE" dirty="0" err="1">
+                <a:sym typeface="Wingdings" panose="05000000000000000000" pitchFamily="2" charset="2"/>
+              </a:rPr>
+              <a:t>Work</a:t>
+            </a:r>
+            <a:r>
+              <a:rPr lang="nl-BE" dirty="0">
+                <a:sym typeface="Wingdings" panose="05000000000000000000" pitchFamily="2" charset="2"/>
+              </a:rPr>
+              <a:t>  </a:t>
+            </a:r>
+            <a:r>
+              <a:rPr lang="nl-BE" dirty="0" err="1">
+                <a:sym typeface="Wingdings" panose="05000000000000000000" pitchFamily="2" charset="2"/>
+              </a:rPr>
+              <a:t>Repository</a:t>
+            </a:r>
+            <a:r>
+              <a:rPr lang="nl-BE" dirty="0">
+                <a:sym typeface="Wingdings" panose="05000000000000000000" pitchFamily="2" charset="2"/>
+              </a:rPr>
+              <a:t>  </a:t>
+            </a:r>
+            <a:r>
+              <a:rPr lang="nl-BE" dirty="0" err="1">
+                <a:sym typeface="Wingdings" panose="05000000000000000000" pitchFamily="2" charset="2"/>
+              </a:rPr>
+              <a:t>DbContext</a:t>
+            </a:r>
+            <a:r>
+              <a:rPr lang="nl-BE" dirty="0">
+                <a:sym typeface="Wingdings" panose="05000000000000000000" pitchFamily="2" charset="2"/>
+              </a:rPr>
+              <a:t>  DB</a:t>
+            </a:r>
+          </a:p>
+          <a:p>
+            <a:pPr lvl="1"/>
+            <a:r>
+              <a:rPr lang="nl-BE" dirty="0">
+                <a:sym typeface="Wingdings" panose="05000000000000000000" pitchFamily="2" charset="2"/>
+              </a:rPr>
+              <a:t>Using DI </a:t>
+            </a:r>
+            <a:r>
+              <a:rPr lang="nl-BE" dirty="0" err="1">
+                <a:sym typeface="Wingdings" panose="05000000000000000000" pitchFamily="2" charset="2"/>
+              </a:rPr>
+              <a:t>to</a:t>
+            </a:r>
+            <a:r>
+              <a:rPr lang="nl-BE" dirty="0">
+                <a:sym typeface="Wingdings" panose="05000000000000000000" pitchFamily="2" charset="2"/>
+              </a:rPr>
+              <a:t> </a:t>
+            </a:r>
+            <a:r>
+              <a:rPr lang="nl-BE" dirty="0" err="1">
+                <a:sym typeface="Wingdings" panose="05000000000000000000" pitchFamily="2" charset="2"/>
+              </a:rPr>
+              <a:t>inject</a:t>
+            </a:r>
+            <a:r>
+              <a:rPr lang="nl-BE" dirty="0">
+                <a:sym typeface="Wingdings" panose="05000000000000000000" pitchFamily="2" charset="2"/>
+              </a:rPr>
+              <a:t> </a:t>
+            </a:r>
+            <a:r>
+              <a:rPr lang="nl-BE" dirty="0" err="1">
+                <a:sym typeface="Wingdings" panose="05000000000000000000" pitchFamily="2" charset="2"/>
+              </a:rPr>
+              <a:t>many</a:t>
+            </a:r>
+            <a:r>
+              <a:rPr lang="nl-BE" dirty="0">
+                <a:sym typeface="Wingdings" panose="05000000000000000000" pitchFamily="2" charset="2"/>
+              </a:rPr>
+              <a:t> </a:t>
+            </a:r>
+            <a:r>
+              <a:rPr lang="nl-BE" dirty="0" err="1">
+                <a:sym typeface="Wingdings" panose="05000000000000000000" pitchFamily="2" charset="2"/>
+              </a:rPr>
+              <a:t>abstractions</a:t>
+            </a:r>
+            <a:r>
+              <a:rPr lang="nl-BE" dirty="0">
+                <a:sym typeface="Wingdings" panose="05000000000000000000" pitchFamily="2" charset="2"/>
+              </a:rPr>
+              <a:t> </a:t>
+            </a:r>
+            <a:r>
+              <a:rPr lang="nl-BE" dirty="0" err="1">
+                <a:sym typeface="Wingdings" panose="05000000000000000000" pitchFamily="2" charset="2"/>
+              </a:rPr>
+              <a:t>will</a:t>
+            </a:r>
+            <a:r>
+              <a:rPr lang="nl-BE" dirty="0">
+                <a:sym typeface="Wingdings" panose="05000000000000000000" pitchFamily="2" charset="2"/>
+              </a:rPr>
+              <a:t>:</a:t>
+            </a:r>
+          </a:p>
+          <a:p>
+            <a:pPr lvl="2"/>
+            <a:r>
+              <a:rPr lang="nl-BE" dirty="0" err="1">
+                <a:sym typeface="Wingdings" panose="05000000000000000000" pitchFamily="2" charset="2"/>
+              </a:rPr>
+              <a:t>Cause</a:t>
+            </a:r>
+            <a:r>
+              <a:rPr lang="nl-BE" dirty="0">
+                <a:sym typeface="Wingdings" panose="05000000000000000000" pitchFamily="2" charset="2"/>
+              </a:rPr>
+              <a:t> a performance hit</a:t>
+            </a:r>
+          </a:p>
+          <a:p>
+            <a:pPr lvl="2"/>
+            <a:r>
+              <a:rPr lang="nl-BE" dirty="0">
+                <a:sym typeface="Wingdings" panose="05000000000000000000" pitchFamily="2" charset="2"/>
+              </a:rPr>
+              <a:t>Make code </a:t>
+            </a:r>
+            <a:r>
+              <a:rPr lang="nl-BE" dirty="0" err="1">
+                <a:sym typeface="Wingdings" panose="05000000000000000000" pitchFamily="2" charset="2"/>
+              </a:rPr>
+              <a:t>navigation</a:t>
+            </a:r>
+            <a:r>
+              <a:rPr lang="nl-BE" dirty="0">
+                <a:sym typeface="Wingdings" panose="05000000000000000000" pitchFamily="2" charset="2"/>
+              </a:rPr>
+              <a:t> complex</a:t>
+            </a:r>
+          </a:p>
+          <a:p>
+            <a:pPr lvl="2"/>
+            <a:r>
+              <a:rPr lang="nl-BE" dirty="0">
+                <a:sym typeface="Wingdings" panose="05000000000000000000" pitchFamily="2" charset="2"/>
+              </a:rPr>
+              <a:t>Make </a:t>
+            </a:r>
+            <a:r>
+              <a:rPr lang="nl-BE" dirty="0" err="1">
+                <a:sym typeface="Wingdings" panose="05000000000000000000" pitchFamily="2" charset="2"/>
+              </a:rPr>
+              <a:t>debugging</a:t>
+            </a:r>
+            <a:r>
+              <a:rPr lang="nl-BE" dirty="0">
+                <a:sym typeface="Wingdings" panose="05000000000000000000" pitchFamily="2" charset="2"/>
+              </a:rPr>
+              <a:t> complex</a:t>
+            </a:r>
+          </a:p>
+          <a:p>
+            <a:pPr lvl="1"/>
+            <a:r>
+              <a:rPr lang="nl-BE" dirty="0">
+                <a:sym typeface="Wingdings" panose="05000000000000000000" pitchFamily="2" charset="2"/>
+              </a:rPr>
+              <a:t>Using </a:t>
+            </a:r>
+            <a:r>
+              <a:rPr lang="nl-BE" dirty="0" err="1">
+                <a:sym typeface="Wingdings" panose="05000000000000000000" pitchFamily="2" charset="2"/>
+              </a:rPr>
+              <a:t>all</a:t>
+            </a:r>
+            <a:r>
+              <a:rPr lang="nl-BE" dirty="0">
+                <a:sym typeface="Wingdings" panose="05000000000000000000" pitchFamily="2" charset="2"/>
+              </a:rPr>
+              <a:t> of these in EVERY case is NOT </a:t>
+            </a:r>
+            <a:r>
+              <a:rPr lang="nl-BE" dirty="0" err="1">
+                <a:sym typeface="Wingdings" panose="05000000000000000000" pitchFamily="2" charset="2"/>
+              </a:rPr>
+              <a:t>productive</a:t>
+            </a:r>
+            <a:endParaRPr lang="nl-BE" dirty="0"/>
+          </a:p>
+          <a:p>
+            <a:r>
+              <a:rPr lang="nl-BE" dirty="0" err="1"/>
+              <a:t>Generic</a:t>
+            </a:r>
+            <a:r>
+              <a:rPr lang="nl-BE" dirty="0"/>
+              <a:t> </a:t>
+            </a:r>
+            <a:r>
+              <a:rPr lang="nl-BE" dirty="0" err="1"/>
+              <a:t>repository</a:t>
+            </a:r>
+            <a:endParaRPr lang="nl-BE" dirty="0"/>
+          </a:p>
+          <a:p>
+            <a:r>
+              <a:rPr lang="nl-BE" dirty="0" err="1"/>
+              <a:t>Isn’t</a:t>
+            </a:r>
+            <a:r>
+              <a:rPr lang="nl-BE" dirty="0"/>
+              <a:t> a </a:t>
+            </a:r>
+            <a:r>
+              <a:rPr lang="nl-BE" dirty="0" err="1"/>
+              <a:t>DbContext</a:t>
+            </a:r>
+            <a:r>
+              <a:rPr lang="nl-BE" dirty="0"/>
+              <a:t> a </a:t>
+            </a:r>
+            <a:r>
+              <a:rPr lang="nl-BE" dirty="0" err="1"/>
+              <a:t>repository</a:t>
+            </a:r>
+            <a:r>
+              <a:rPr lang="nl-BE" dirty="0"/>
+              <a:t>?</a:t>
+            </a:r>
+          </a:p>
+          <a:p>
+            <a:endParaRPr lang="nl-BE" dirty="0"/>
+          </a:p>
+        </p:txBody>
+      </p:sp>
+    </p:spTree>
+    <p:extLst>
+      <p:ext uri="{BB962C8B-B14F-4D97-AF65-F5344CB8AC3E}">
+        <p14:creationId xmlns:p14="http://schemas.microsoft.com/office/powerpoint/2010/main" val="1516892539"/>
+      </p:ext>
+    </p:extLst>
+  </p:cSld>
+  <p:clrMapOvr>
+    <a:masterClrMapping/>
+  </p:clrMapOvr>
+</p:sld>
+</file>
+
+<file path=ppt/slides/slide39.xml><?xml version="1.0" encoding="utf-8"?>
+<p:sld xmlns:a="http://schemas.openxmlformats.org/drawingml/2006/main" xmlns:r="http://schemas.openxmlformats.org/officeDocument/2006/relationships" xmlns:p="http://schemas.openxmlformats.org/presentationml/2006/main">
+  <p:cSld>
+    <p:spTree>
+      <p:nvGrpSpPr>
+        <p:cNvPr id="1" name=""/>
+        <p:cNvGrpSpPr/>
+        <p:nvPr/>
+      </p:nvGrpSpPr>
+      <p:grpSpPr>
+        <a:xfrm>
+          <a:off x="0" y="0"/>
+          <a:ext cx="0" cy="0"/>
+          <a:chOff x="0" y="0"/>
+          <a:chExt cx="0" cy="0"/>
+        </a:xfrm>
+      </p:grpSpPr>
+      <p:sp>
+        <p:nvSpPr>
+          <p:cNvPr id="2" name="Title 1"/>
+          <p:cNvSpPr>
+            <a:spLocks noGrp="1"/>
+          </p:cNvSpPr>
+          <p:nvPr>
+            <p:ph type="title"/>
+          </p:nvPr>
+        </p:nvSpPr>
+        <p:spPr/>
+        <p:txBody>
+          <a:bodyPr/>
+          <a:lstStyle/>
+          <a:p>
+            <a:r>
+              <a:rPr lang="nl-BE" dirty="0"/>
               <a:t>Bronnen</a:t>
             </a:r>
           </a:p>
@@ -17467,6 +17804,171 @@
       </p:grpSpPr>
       <p:sp>
         <p:nvSpPr>
+          <p:cNvPr id="2" name="Title 1"/>
+          <p:cNvSpPr>
+            <a:spLocks noGrp="1"/>
+          </p:cNvSpPr>
+          <p:nvPr>
+            <p:ph type="title"/>
+          </p:nvPr>
+        </p:nvSpPr>
+        <p:spPr/>
+        <p:txBody>
+          <a:bodyPr/>
+          <a:lstStyle/>
+          <a:p>
+            <a:r>
+              <a:rPr lang="nl-BE" dirty="0" err="1"/>
+              <a:t>Overview</a:t>
+            </a:r>
+            <a:endParaRPr lang="nl-BE" dirty="0"/>
+          </a:p>
+        </p:txBody>
+      </p:sp>
+      <p:sp>
+        <p:nvSpPr>
+          <p:cNvPr id="3" name="Content Placeholder 2"/>
+          <p:cNvSpPr>
+            <a:spLocks noGrp="1"/>
+          </p:cNvSpPr>
+          <p:nvPr>
+            <p:ph idx="1"/>
+          </p:nvPr>
+        </p:nvSpPr>
+        <p:spPr/>
+        <p:txBody>
+          <a:bodyPr>
+            <a:normAutofit/>
+          </a:bodyPr>
+          <a:lstStyle/>
+          <a:p>
+            <a:r>
+              <a:rPr lang="nl-BE" dirty="0"/>
+              <a:t>Introductie </a:t>
+            </a:r>
+          </a:p>
+          <a:p>
+            <a:r>
+              <a:rPr lang="nl-BE" dirty="0" err="1"/>
+              <a:t>Linq</a:t>
+            </a:r>
+            <a:endParaRPr lang="nl-BE" dirty="0"/>
+          </a:p>
+          <a:p>
+            <a:r>
+              <a:rPr lang="nl-BE" dirty="0" err="1"/>
+              <a:t>Entity</a:t>
+            </a:r>
+            <a:r>
+              <a:rPr lang="nl-BE" dirty="0"/>
+              <a:t> Framework - Overzicht</a:t>
+            </a:r>
+          </a:p>
+          <a:p>
+            <a:r>
+              <a:rPr lang="nl-BE" dirty="0" err="1"/>
+              <a:t>Coding</a:t>
+            </a:r>
+            <a:r>
+              <a:rPr lang="nl-BE" dirty="0"/>
+              <a:t>: </a:t>
+            </a:r>
+            <a:r>
+              <a:rPr lang="nl-BE" dirty="0" err="1"/>
+              <a:t>Entity</a:t>
+            </a:r>
+            <a:r>
+              <a:rPr lang="nl-BE" dirty="0"/>
+              <a:t> Framework – Database first</a:t>
+            </a:r>
+          </a:p>
+          <a:p>
+            <a:r>
+              <a:rPr lang="nl-BE" dirty="0" err="1"/>
+              <a:t>Coding</a:t>
+            </a:r>
+            <a:r>
+              <a:rPr lang="nl-BE" dirty="0"/>
+              <a:t>: </a:t>
+            </a:r>
+            <a:r>
+              <a:rPr lang="nl-BE" dirty="0" err="1"/>
+              <a:t>Entity</a:t>
+            </a:r>
+            <a:r>
+              <a:rPr lang="nl-BE" dirty="0"/>
+              <a:t> Framework – Model first</a:t>
+            </a:r>
+          </a:p>
+          <a:p>
+            <a:r>
+              <a:rPr lang="nl-BE" dirty="0" err="1"/>
+              <a:t>Coding</a:t>
+            </a:r>
+            <a:r>
+              <a:rPr lang="nl-BE" dirty="0"/>
+              <a:t>: </a:t>
+            </a:r>
+            <a:r>
+              <a:rPr lang="nl-BE" dirty="0" err="1"/>
+              <a:t>Entity</a:t>
+            </a:r>
+            <a:r>
+              <a:rPr lang="nl-BE" dirty="0"/>
+              <a:t> Framework – Code first</a:t>
+            </a:r>
+          </a:p>
+          <a:p>
+            <a:r>
+              <a:rPr lang="nl-BE" dirty="0"/>
+              <a:t>Database </a:t>
+            </a:r>
+            <a:r>
+              <a:rPr lang="nl-BE" dirty="0" err="1"/>
+              <a:t>migrations</a:t>
+            </a:r>
+            <a:endParaRPr lang="nl-BE" dirty="0"/>
+          </a:p>
+          <a:p>
+            <a:r>
+              <a:rPr lang="nl-BE" dirty="0"/>
+              <a:t>Dapper?</a:t>
+            </a:r>
+          </a:p>
+        </p:txBody>
+      </p:sp>
+    </p:spTree>
+    <p:extLst>
+      <p:ext uri="{BB962C8B-B14F-4D97-AF65-F5344CB8AC3E}">
+        <p14:creationId xmlns:p14="http://schemas.microsoft.com/office/powerpoint/2010/main" val="2100823776"/>
+      </p:ext>
+    </p:extLst>
+  </p:cSld>
+  <p:clrMapOvr>
+    <a:masterClrMapping/>
+  </p:clrMapOvr>
+</p:sld>
+</file>
+
+<file path=ppt/slides/slide5.xml><?xml version="1.0" encoding="utf-8"?>
+<p:sld xmlns:a="http://schemas.openxmlformats.org/drawingml/2006/main" xmlns:r="http://schemas.openxmlformats.org/officeDocument/2006/relationships" xmlns:p="http://schemas.openxmlformats.org/presentationml/2006/main">
+  <p:cSld>
+    <p:spTree>
+      <p:nvGrpSpPr>
+        <p:cNvPr id="1" name=""/>
+        <p:cNvGrpSpPr/>
+        <p:nvPr/>
+      </p:nvGrpSpPr>
+      <p:grpSpPr>
+        <a:xfrm>
+          <a:off x="0" y="0"/>
+          <a:ext cx="0" cy="0"/>
+          <a:chOff x="0" y="0"/>
+          <a:chExt cx="0" cy="0"/>
+        </a:xfrm>
+      </p:grpSpPr>
+      <p:sp>
+        <p:nvSpPr>
           <p:cNvPr id="6" name="Title 5"/>
           <p:cNvSpPr>
             <a:spLocks noGrp="1"/>
@@ -17522,7 +18024,7 @@
 </p:sld>
 </file>
 
-<file path=ppt/slides/slide5.xml><?xml version="1.0" encoding="utf-8"?>
+<file path=ppt/slides/slide6.xml><?xml version="1.0" encoding="utf-8"?>
 <p:sld xmlns:a="http://schemas.openxmlformats.org/drawingml/2006/main" xmlns:r="http://schemas.openxmlformats.org/officeDocument/2006/relationships" xmlns:p="http://schemas.openxmlformats.org/presentationml/2006/main">
   <p:cSld>
     <p:spTree>
@@ -17730,7 +18232,7 @@
 </p:sld>
 </file>
 
-<file path=ppt/slides/slide6.xml><?xml version="1.0" encoding="utf-8"?>
+<file path=ppt/slides/slide7.xml><?xml version="1.0" encoding="utf-8"?>
 <p:sld xmlns:a="http://schemas.openxmlformats.org/drawingml/2006/main" xmlns:r="http://schemas.openxmlformats.org/officeDocument/2006/relationships" xmlns:p="http://schemas.openxmlformats.org/presentationml/2006/main">
   <p:cSld>
     <p:spTree>
@@ -17818,205 +18320,6 @@
 </p:sld>
 </file>
 
-<file path=ppt/slides/slide7.xml><?xml version="1.0" encoding="utf-8"?>
-<p:sld xmlns:a="http://schemas.openxmlformats.org/drawingml/2006/main" xmlns:r="http://schemas.openxmlformats.org/officeDocument/2006/relationships" xmlns:p="http://schemas.openxmlformats.org/presentationml/2006/main">
-  <p:cSld>
-    <p:spTree>
-      <p:nvGrpSpPr>
-        <p:cNvPr id="1" name=""/>
-        <p:cNvGrpSpPr/>
-        <p:nvPr/>
-      </p:nvGrpSpPr>
-      <p:grpSpPr>
-        <a:xfrm>
-          <a:off x="0" y="0"/>
-          <a:ext cx="0" cy="0"/>
-          <a:chOff x="0" y="0"/>
-          <a:chExt cx="0" cy="0"/>
-        </a:xfrm>
-      </p:grpSpPr>
-      <p:sp>
-        <p:nvSpPr>
-          <p:cNvPr id="2" name="Title 1"/>
-          <p:cNvSpPr>
-            <a:spLocks noGrp="1"/>
-          </p:cNvSpPr>
-          <p:nvPr>
-            <p:ph type="title"/>
-          </p:nvPr>
-        </p:nvSpPr>
-        <p:spPr/>
-        <p:txBody>
-          <a:bodyPr/>
-          <a:lstStyle/>
-          <a:p>
-            <a:r>
-              <a:rPr lang="nl-BE" dirty="0"/>
-              <a:t>Object </a:t>
-            </a:r>
-            <a:r>
-              <a:rPr lang="nl-BE" dirty="0" err="1"/>
-              <a:t>relational</a:t>
-            </a:r>
-            <a:r>
-              <a:rPr lang="nl-BE" dirty="0"/>
-              <a:t> </a:t>
-            </a:r>
-            <a:r>
-              <a:rPr lang="nl-BE" dirty="0" err="1"/>
-              <a:t>mappers</a:t>
-            </a:r>
-            <a:r>
-              <a:rPr lang="nl-BE" dirty="0"/>
-              <a:t> (ORM)</a:t>
-            </a:r>
-          </a:p>
-        </p:txBody>
-      </p:sp>
-      <p:sp>
-        <p:nvSpPr>
-          <p:cNvPr id="3" name="Content Placeholder 2"/>
-          <p:cNvSpPr>
-            <a:spLocks noGrp="1"/>
-          </p:cNvSpPr>
-          <p:nvPr>
-            <p:ph idx="1"/>
-          </p:nvPr>
-        </p:nvSpPr>
-        <p:spPr/>
-        <p:txBody>
-          <a:bodyPr>
-            <a:normAutofit fontScale="92500" lnSpcReduction="20000"/>
-          </a:bodyPr>
-          <a:lstStyle/>
-          <a:p>
-            <a:r>
-              <a:rPr lang="nl-BE" dirty="0"/>
-              <a:t>Link tussen data source en code objecten</a:t>
-            </a:r>
-          </a:p>
-          <a:p>
-            <a:r>
-              <a:rPr lang="nl-BE" dirty="0" err="1"/>
-              <a:t>Encapsulatie</a:t>
-            </a:r>
-            <a:r>
-              <a:rPr lang="nl-BE" dirty="0"/>
-              <a:t> van de DB access </a:t>
-            </a:r>
-          </a:p>
-          <a:p>
-            <a:r>
-              <a:rPr lang="nl-BE" dirty="0"/>
-              <a:t>Transparant voor de code (bv. Wanneer de DB API verandert)</a:t>
-            </a:r>
-          </a:p>
-          <a:p>
-            <a:r>
-              <a:rPr lang="nl-BE" dirty="0" err="1"/>
-              <a:t>Queries</a:t>
-            </a:r>
-            <a:r>
-              <a:rPr lang="nl-BE" dirty="0"/>
-              <a:t> </a:t>
-            </a:r>
-            <a:r>
-              <a:rPr lang="nl-BE" dirty="0">
-                <a:sym typeface="Wingdings" pitchFamily="2" charset="2"/>
-              </a:rPr>
-              <a:t> objecten</a:t>
-            </a:r>
-          </a:p>
-          <a:p>
-            <a:r>
-              <a:rPr lang="nl-BE" dirty="0">
-                <a:sym typeface="Wingdings" pitchFamily="2" charset="2"/>
-              </a:rPr>
-              <a:t>Objecten  data store</a:t>
-            </a:r>
-            <a:endParaRPr lang="nl-BE" dirty="0"/>
-          </a:p>
-          <a:p>
-            <a:pPr marL="0" indent="0">
-              <a:buNone/>
-            </a:pPr>
-            <a:endParaRPr lang="nl-BE" dirty="0"/>
-          </a:p>
-          <a:p>
-            <a:r>
-              <a:rPr lang="nl-BE" dirty="0" err="1"/>
-              <a:t>Linq</a:t>
-            </a:r>
-            <a:r>
-              <a:rPr lang="nl-BE" dirty="0"/>
-              <a:t> </a:t>
-            </a:r>
-            <a:r>
-              <a:rPr lang="nl-BE" dirty="0" err="1"/>
-              <a:t>to</a:t>
-            </a:r>
-            <a:r>
-              <a:rPr lang="nl-BE" dirty="0"/>
-              <a:t> SQL </a:t>
-            </a:r>
-            <a:r>
-              <a:rPr lang="nl-BE" dirty="0">
-                <a:solidFill>
-                  <a:schemeClr val="accent1"/>
-                </a:solidFill>
-              </a:rPr>
-              <a:t>is geen</a:t>
-            </a:r>
-            <a:r>
-              <a:rPr lang="nl-BE" dirty="0"/>
-              <a:t> volwaardige ORM, hoewel:</a:t>
-            </a:r>
-          </a:p>
-          <a:p>
-            <a:pPr lvl="1"/>
-            <a:r>
-              <a:rPr lang="nl-BE" dirty="0" err="1"/>
-              <a:t>Caching</a:t>
-            </a:r>
-            <a:endParaRPr lang="nl-BE" dirty="0"/>
-          </a:p>
-          <a:p>
-            <a:pPr lvl="1"/>
-            <a:r>
-              <a:rPr lang="nl-BE" dirty="0"/>
-              <a:t>Object materialisatie</a:t>
-            </a:r>
-          </a:p>
-          <a:p>
-            <a:pPr lvl="1"/>
-            <a:r>
-              <a:rPr lang="nl-BE" dirty="0"/>
-              <a:t>Tracking van wijzigingen</a:t>
-            </a:r>
-          </a:p>
-          <a:p>
-            <a:endParaRPr lang="nl-BE" dirty="0">
-              <a:sym typeface="Wingdings" panose="05000000000000000000" pitchFamily="2" charset="2"/>
-            </a:endParaRPr>
-          </a:p>
-          <a:p>
-            <a:endParaRPr lang="nl-BE" b="1" dirty="0"/>
-          </a:p>
-        </p:txBody>
-      </p:sp>
-    </p:spTree>
-    <p:extLst>
-      <p:ext uri="{BB962C8B-B14F-4D97-AF65-F5344CB8AC3E}">
-        <p14:creationId xmlns:p14="http://schemas.microsoft.com/office/powerpoint/2010/main" val="3499063636"/>
-      </p:ext>
-    </p:extLst>
-  </p:cSld>
-  <p:clrMapOvr>
-    <a:masterClrMapping/>
-  </p:clrMapOvr>
-</p:sld>
-</file>
-
 <file path=ppt/slides/slide8.xml><?xml version="1.0" encoding="utf-8"?>
 <p:sld xmlns:a="http://schemas.openxmlformats.org/drawingml/2006/main" xmlns:r="http://schemas.openxmlformats.org/officeDocument/2006/relationships" xmlns:p="http://schemas.openxmlformats.org/presentationml/2006/main">
   <p:cSld>
@@ -18051,7 +18354,23 @@
           <a:p>
             <a:r>
               <a:rPr lang="nl-BE" dirty="0"/>
-              <a:t>Beschikbare ORM tools</a:t>
+              <a:t>Object </a:t>
+            </a:r>
+            <a:r>
+              <a:rPr lang="nl-BE" dirty="0" err="1"/>
+              <a:t>relational</a:t>
+            </a:r>
+            <a:r>
+              <a:rPr lang="nl-BE" dirty="0"/>
+              <a:t> </a:t>
+            </a:r>
+            <a:r>
+              <a:rPr lang="nl-BE" dirty="0" err="1"/>
+              <a:t>mappers</a:t>
+            </a:r>
+            <a:r>
+              <a:rPr lang="nl-BE" dirty="0"/>
+              <a:t> (ORM)</a:t>
             </a:r>
           </a:p>
         </p:txBody>
@@ -18069,140 +18388,115 @@
         <p:spPr/>
         <p:txBody>
           <a:bodyPr>
-            <a:normAutofit fontScale="70000" lnSpcReduction="20000"/>
+            <a:normAutofit fontScale="92500" lnSpcReduction="20000"/>
           </a:bodyPr>
           <a:lstStyle/>
           <a:p>
             <a:r>
-              <a:rPr lang="nl-BE" b="1" dirty="0" err="1"/>
-              <a:t>Entity</a:t>
-            </a:r>
-            <a:r>
-              <a:rPr lang="nl-BE" b="1" dirty="0"/>
-              <a:t> Framework (Microsoft)</a:t>
+              <a:rPr lang="nl-BE" dirty="0"/>
+              <a:t>Link tussen data source en code objecten</a:t>
             </a:r>
           </a:p>
           <a:p>
             <a:r>
               <a:rPr lang="nl-BE" dirty="0" err="1"/>
-              <a:t>Nhibernate</a:t>
-            </a:r>
-            <a:r>
-              <a:rPr lang="nl-BE" dirty="0"/>
-              <a:t> (community)</a:t>
+              <a:t>Encapsulatie</a:t>
+            </a:r>
+            <a:r>
+              <a:rPr lang="nl-BE" dirty="0"/>
+              <a:t> van de DB access </a:t>
+            </a:r>
+          </a:p>
+          <a:p>
+            <a:r>
+              <a:rPr lang="nl-BE" dirty="0"/>
+              <a:t>Transparant voor de code (bv. Wanneer de DB API verandert)</a:t>
             </a:r>
           </a:p>
           <a:p>
             <a:r>
               <a:rPr lang="nl-BE" dirty="0" err="1"/>
-              <a:t>LLBLGen</a:t>
-            </a:r>
-            <a:r>
-              <a:rPr lang="nl-BE" dirty="0"/>
-              <a:t> Pro (</a:t>
-            </a:r>
+              <a:t>Queries</a:t>
+            </a:r>
+            <a:r>
+              <a:rPr lang="nl-BE" dirty="0"/>
+              <a:t> </a:t>
+            </a:r>
+            <a:r>
+              <a:rPr lang="nl-BE" dirty="0">
+                <a:sym typeface="Wingdings" pitchFamily="2" charset="2"/>
+              </a:rPr>
+              <a:t> objecten</a:t>
+            </a:r>
+          </a:p>
+          <a:p>
+            <a:r>
+              <a:rPr lang="nl-BE" dirty="0">
+                <a:sym typeface="Wingdings" pitchFamily="2" charset="2"/>
+              </a:rPr>
+              <a:t>Objecten  data store</a:t>
+            </a:r>
+            <a:endParaRPr lang="nl-BE" dirty="0"/>
+          </a:p>
+          <a:p>
+            <a:pPr marL="0" indent="0">
+              <a:buNone/>
+            </a:pPr>
+            <a:endParaRPr lang="nl-BE" dirty="0"/>
+          </a:p>
+          <a:p>
             <a:r>
               <a:rPr lang="nl-BE" dirty="0" err="1"/>
-              <a:t>Solutions</a:t>
-            </a:r>
-            <a:r>
-              <a:rPr lang="nl-BE" dirty="0"/>
-              <a:t> Design)</a:t>
-            </a:r>
-          </a:p>
-          <a:p>
+              <a:t>Linq</a:t>
+            </a:r>
+            <a:r>
+              <a:rPr lang="nl-BE" dirty="0"/>
+              <a:t> </a:t>
+            </a:r>
             <a:r>
               <a:rPr lang="nl-BE" dirty="0" err="1"/>
-              <a:t>DataObjects.Net</a:t>
-            </a:r>
-            <a:r>
-              <a:rPr lang="nl-BE" dirty="0"/>
-              <a:t> (X-</a:t>
-            </a:r>
+              <a:t>to</a:t>
+            </a:r>
+            <a:r>
+              <a:rPr lang="nl-BE" dirty="0"/>
+              <a:t> SQL </a:t>
+            </a:r>
+            <a:r>
+              <a:rPr lang="nl-BE" dirty="0">
+                <a:solidFill>
+                  <a:schemeClr val="accent1"/>
+                </a:solidFill>
+              </a:rPr>
+              <a:t>is geen</a:t>
+            </a:r>
+            <a:r>
+              <a:rPr lang="nl-BE" dirty="0"/>
+              <a:t> volwaardige ORM, hoewel:</a:t>
+            </a:r>
+          </a:p>
+          <a:p>
+            <a:pPr lvl="1"/>
             <a:r>
               <a:rPr lang="nl-BE" dirty="0" err="1"/>
-              <a:t>Tensive</a:t>
-            </a:r>
-            <a:r>
-              <a:rPr lang="nl-BE" dirty="0"/>
-              <a:t>)</a:t>
-            </a:r>
-          </a:p>
-          <a:p>
-            <a:r>
-              <a:rPr lang="nl-BE" dirty="0" err="1"/>
-              <a:t>BLtoolkit</a:t>
-            </a:r>
-            <a:r>
-              <a:rPr lang="nl-BE" dirty="0"/>
-              <a:t> (bltoolkit.net)</a:t>
-            </a:r>
-          </a:p>
-          <a:p>
-            <a:r>
-              <a:rPr lang="nl-BE" dirty="0" err="1"/>
-              <a:t>OpenAccess</a:t>
-            </a:r>
-            <a:r>
-              <a:rPr lang="nl-BE" dirty="0"/>
-              <a:t> (</a:t>
-            </a:r>
-            <a:r>
-              <a:rPr lang="nl-BE" dirty="0" err="1"/>
-              <a:t>Telerik</a:t>
-            </a:r>
-            <a:r>
-              <a:rPr lang="nl-BE" dirty="0"/>
-              <a:t>)</a:t>
-            </a:r>
-          </a:p>
-          <a:p>
-            <a:r>
-              <a:rPr lang="nl-BE" dirty="0"/>
-              <a:t>XPO (</a:t>
-            </a:r>
-            <a:r>
-              <a:rPr lang="nl-BE" dirty="0" err="1"/>
-              <a:t>DevExpress</a:t>
-            </a:r>
-            <a:r>
-              <a:rPr lang="nl-BE" dirty="0"/>
-              <a:t>)</a:t>
-            </a:r>
-          </a:p>
-          <a:p>
-            <a:r>
-              <a:rPr lang="nl-BE" dirty="0"/>
-              <a:t>...</a:t>
-            </a:r>
-          </a:p>
-          <a:p>
+              <a:t>Caching</a:t>
+            </a:r>
             <a:endParaRPr lang="nl-BE" dirty="0"/>
           </a:p>
           <a:p>
-            <a:r>
-              <a:rPr lang="nl-BE" dirty="0"/>
-              <a:t>Vergelijking: </a:t>
-            </a:r>
-          </a:p>
-          <a:p>
             <a:pPr lvl="1"/>
             <a:r>
-              <a:rPr lang="nl-BE" dirty="0">
-                <a:hlinkClick r:id="rId2"/>
-              </a:rPr>
-              <a:t>www.ormeter.net</a:t>
-            </a:r>
-            <a:endParaRPr lang="nl-BE" dirty="0"/>
+              <a:rPr lang="nl-BE" dirty="0"/>
+              <a:t>Object materialisatie</a:t>
+            </a:r>
           </a:p>
           <a:p>
             <a:pPr lvl="1"/>
             <a:r>
-              <a:rPr lang="nl-BE" dirty="0">
-                <a:hlinkClick r:id="rId3"/>
-              </a:rPr>
-              <a:t>www.c2.com/cgi/wiki?ObjectRelationalToolComparisonDotNet</a:t>
-            </a:r>
+              <a:rPr lang="nl-BE" dirty="0"/>
+              <a:t>Tracking van wijzigingen</a:t>
+            </a:r>
+          </a:p>
+          <a:p>
             <a:endParaRPr lang="nl-BE" dirty="0">
               <a:sym typeface="Wingdings" panose="05000000000000000000" pitchFamily="2" charset="2"/>
             </a:endParaRPr>
@@ -18215,7 +18509,7 @@
     </p:spTree>
     <p:extLst>
       <p:ext uri="{BB962C8B-B14F-4D97-AF65-F5344CB8AC3E}">
-        <p14:creationId xmlns:p14="http://schemas.microsoft.com/office/powerpoint/2010/main" val="1770213015"/>
+        <p14:creationId xmlns:p14="http://schemas.microsoft.com/office/powerpoint/2010/main" val="3499063636"/>
       </p:ext>
     </p:extLst>
   </p:cSld>
@@ -18244,7 +18538,7 @@
       </p:grpSpPr>
       <p:sp>
         <p:nvSpPr>
-          <p:cNvPr id="6" name="Title 5"/>
+          <p:cNvPr id="2" name="Title 1"/>
           <p:cNvSpPr>
             <a:spLocks noGrp="1"/>
           </p:cNvSpPr>
@@ -18259,45 +18553,171 @@
           <a:p>
             <a:r>
               <a:rPr lang="nl-BE" dirty="0"/>
-              <a:t>LINQ</a:t>
+              <a:t>Beschikbare ORM tools</a:t>
             </a:r>
           </a:p>
         </p:txBody>
       </p:sp>
       <p:sp>
         <p:nvSpPr>
-          <p:cNvPr id="7" name="Text Placeholder 6"/>
+          <p:cNvPr id="3" name="Content Placeholder 2"/>
           <p:cNvSpPr>
             <a:spLocks noGrp="1"/>
           </p:cNvSpPr>
           <p:nvPr>
-            <p:ph type="body" idx="1"/>
+            <p:ph idx="1"/>
           </p:nvPr>
         </p:nvSpPr>
         <p:spPr/>
         <p:txBody>
-          <a:bodyPr/>
+          <a:bodyPr>
+            <a:normAutofit fontScale="70000" lnSpcReduction="20000"/>
+          </a:bodyPr>
           <a:lstStyle/>
           <a:p>
             <a:r>
-              <a:rPr lang="nl-BE" dirty="0"/>
-              <a:t>Language </a:t>
-            </a:r>
+              <a:rPr lang="nl-BE" b="1" dirty="0" err="1"/>
+              <a:t>Entity</a:t>
+            </a:r>
+            <a:r>
+              <a:rPr lang="nl-BE" b="1" dirty="0"/>
+              <a:t> Framework (Microsoft)</a:t>
+            </a:r>
+          </a:p>
+          <a:p>
             <a:r>
               <a:rPr lang="nl-BE" dirty="0" err="1"/>
-              <a:t>Integrated</a:t>
-            </a:r>
-            <a:r>
-              <a:rPr lang="nl-BE" dirty="0"/>
-              <a:t> Query</a:t>
-            </a:r>
+              <a:t>Nhibernate</a:t>
+            </a:r>
+            <a:r>
+              <a:rPr lang="nl-BE" dirty="0"/>
+              <a:t> (community)</a:t>
+            </a:r>
+          </a:p>
+          <a:p>
+            <a:r>
+              <a:rPr lang="nl-BE" dirty="0" err="1"/>
+              <a:t>LLBLGen</a:t>
+            </a:r>
+            <a:r>
+              <a:rPr lang="nl-BE" dirty="0"/>
+              <a:t> Pro (</a:t>
+            </a:r>
+            <a:r>
+              <a:rPr lang="nl-BE" dirty="0" err="1"/>
+              <a:t>Solutions</a:t>
+            </a:r>
+            <a:r>
+              <a:rPr lang="nl-BE" dirty="0"/>
+              <a:t> Design)</a:t>
+            </a:r>
+          </a:p>
+          <a:p>
+            <a:r>
+              <a:rPr lang="nl-BE" dirty="0" err="1"/>
+              <a:t>DataObjects.Net</a:t>
+            </a:r>
+            <a:r>
+              <a:rPr lang="nl-BE" dirty="0"/>
+              <a:t> (X-</a:t>
+            </a:r>
+            <a:r>
+              <a:rPr lang="nl-BE" dirty="0" err="1"/>
+              <a:t>Tensive</a:t>
+            </a:r>
+            <a:r>
+              <a:rPr lang="nl-BE" dirty="0"/>
+              <a:t>)</a:t>
+            </a:r>
+          </a:p>
+          <a:p>
+            <a:r>
+              <a:rPr lang="nl-BE" dirty="0" err="1"/>
+              <a:t>BLtoolkit</a:t>
+            </a:r>
+            <a:r>
+              <a:rPr lang="nl-BE" dirty="0"/>
+              <a:t> (bltoolkit.net)</a:t>
+            </a:r>
+          </a:p>
+          <a:p>
+            <a:r>
+              <a:rPr lang="nl-BE" dirty="0" err="1"/>
+              <a:t>OpenAccess</a:t>
+            </a:r>
+            <a:r>
+              <a:rPr lang="nl-BE" dirty="0"/>
+              <a:t> (</a:t>
+            </a:r>
+            <a:r>
+              <a:rPr lang="nl-BE" dirty="0" err="1"/>
+              <a:t>Telerik</a:t>
+            </a:r>
+            <a:r>
+              <a:rPr lang="nl-BE" dirty="0"/>
+              <a:t>)</a:t>
+            </a:r>
+          </a:p>
+          <a:p>
+            <a:r>
+              <a:rPr lang="nl-BE" dirty="0"/>
+              <a:t>XPO (</a:t>
+            </a:r>
+            <a:r>
+              <a:rPr lang="nl-BE" dirty="0" err="1"/>
+              <a:t>DevExpress</a:t>
+            </a:r>
+            <a:r>
+              <a:rPr lang="nl-BE" dirty="0"/>
+              <a:t>)</a:t>
+            </a:r>
+          </a:p>
+          <a:p>
+            <a:r>
+              <a:rPr lang="nl-BE" dirty="0"/>
+              <a:t>...</a:t>
+            </a:r>
+          </a:p>
+          <a:p>
+            <a:endParaRPr lang="nl-BE" dirty="0"/>
+          </a:p>
+          <a:p>
+            <a:r>
+              <a:rPr lang="nl-BE" dirty="0"/>
+              <a:t>Vergelijking: </a:t>
+            </a:r>
+          </a:p>
+          <a:p>
+            <a:pPr lvl="1"/>
+            <a:r>
+              <a:rPr lang="nl-BE" dirty="0">
+                <a:hlinkClick r:id="rId2"/>
+              </a:rPr>
+              <a:t>www.ormeter.net</a:t>
+            </a:r>
+            <a:endParaRPr lang="nl-BE" dirty="0"/>
+          </a:p>
+          <a:p>
+            <a:pPr lvl="1"/>
+            <a:r>
+              <a:rPr lang="nl-BE" dirty="0">
+                <a:hlinkClick r:id="rId3"/>
+              </a:rPr>
+              <a:t>www.c2.com/cgi/wiki?ObjectRelationalToolComparisonDotNet</a:t>
+            </a:r>
+            <a:endParaRPr lang="nl-BE" dirty="0">
+              <a:sym typeface="Wingdings" panose="05000000000000000000" pitchFamily="2" charset="2"/>
+            </a:endParaRPr>
+          </a:p>
+          <a:p>
+            <a:endParaRPr lang="nl-BE" b="1" dirty="0"/>
           </a:p>
         </p:txBody>
       </p:sp>
     </p:spTree>
     <p:extLst>
       <p:ext uri="{BB962C8B-B14F-4D97-AF65-F5344CB8AC3E}">
-        <p14:creationId xmlns:p14="http://schemas.microsoft.com/office/powerpoint/2010/main" val="611316749"/>
+        <p14:creationId xmlns:p14="http://schemas.microsoft.com/office/powerpoint/2010/main" val="1770213015"/>
       </p:ext>
     </p:extLst>
   </p:cSld>
